--- a/trunk/ITERACION 3/SUB ITERACION 1/PPT SUB-ITERACION I v2.0.pptx
+++ b/trunk/ITERACION 3/SUB ITERACION 1/PPT SUB-ITERACION I v2.0.pptx
@@ -1,6 +1,6 @@
 
 <file path=ppt/presentation.xml><?xml version="1.0" encoding="utf-8"?>
-<p:presentation xmlns:a="http://schemas.openxmlformats.org/drawingml/2006/main" xmlns:r="http://schemas.openxmlformats.org/officeDocument/2006/relationships" xmlns:p="http://schemas.openxmlformats.org/presentationml/2006/main" saveSubsetFonts="1" bookmarkIdSeed="4">
+<p:presentation xmlns:a="http://schemas.openxmlformats.org/drawingml/2006/main" xmlns:r="http://schemas.openxmlformats.org/officeDocument/2006/relationships" xmlns:p="http://schemas.openxmlformats.org/presentationml/2006/main" saveSubsetFonts="1">
   <p:sldMasterIdLst>
     <p:sldMasterId id="2147483660" r:id="rId1"/>
   </p:sldMasterIdLst>
@@ -256,7 +256,7 @@
             <a:pPr>
               <a:defRPr/>
             </a:pPr>
-            <a:fld id="{811DC0D2-5658-42B4-85C0-0F9EFCC9245D}" type="datetimeFigureOut">
+            <a:fld id="{8B5E4CCE-D7D8-4C29-9D16-3CD7515A1ED2}" type="datetimeFigureOut">
               <a:rPr lang="es-PE"/>
               <a:pPr>
                 <a:defRPr/>
@@ -443,7 +443,7 @@
             <a:pPr>
               <a:defRPr/>
             </a:pPr>
-            <a:fld id="{619100C4-FE96-4DD8-A39B-FD1970437A74}" type="slidenum">
+            <a:fld id="{14D10EA2-51F6-44EC-BD46-0D2B27FF1C74}" type="slidenum">
               <a:rPr lang="es-PE"/>
               <a:pPr>
                 <a:defRPr/>
@@ -455,11 +455,6 @@
         </p:txBody>
       </p:sp>
     </p:spTree>
-    <p:extLst>
-      <p:ext uri="{BB962C8B-B14F-4D97-AF65-F5344CB8AC3E}">
-        <p14:creationId xmlns:p14="http://schemas.microsoft.com/office/powerpoint/2010/main" val="1468342143"/>
-      </p:ext>
-    </p:extLst>
   </p:cSld>
   <p:clrMap bg1="lt1" tx1="dk1" bg2="lt2" tx2="dk2" accent1="accent1" accent2="accent2" accent3="accent3" accent4="accent4" accent5="accent5" accent6="accent6" hlink="hlink" folHlink="folHlink"/>
   <p:notesStyle>
@@ -606,7 +601,7 @@
       </p:grpSpPr>
       <p:sp>
         <p:nvSpPr>
-          <p:cNvPr id="24577" name="1 Marcador de imagen de diapositiva"/>
+          <p:cNvPr id="25601" name="1 Marcador de imagen de diapositiva"/>
           <p:cNvSpPr>
             <a:spLocks noGrp="1" noRot="1" noChangeAspect="1" noTextEdit="1"/>
           </p:cNvSpPr>
@@ -628,7 +623,7 @@
       </p:sp>
       <p:sp>
         <p:nvSpPr>
-          <p:cNvPr id="24578" name="2 Marcador de notas"/>
+          <p:cNvPr id="25602" name="2 Marcador de notas"/>
           <p:cNvSpPr>
             <a:spLocks noGrp="1"/>
           </p:cNvSpPr>
@@ -686,7 +681,7 @@
             <a:pPr algn="r">
               <a:defRPr/>
             </a:pPr>
-            <a:fld id="{66FE8572-14FB-4E97-983D-AA79736D8356}" type="slidenum">
+            <a:fld id="{A1075F4A-AE41-476E-90E9-2C09629E5496}" type="slidenum">
               <a:rPr lang="es-PE" sz="1200">
                 <a:latin typeface="+mn-lt"/>
               </a:rPr>
@@ -728,7 +723,7 @@
       </p:grpSpPr>
       <p:sp>
         <p:nvSpPr>
-          <p:cNvPr id="29697" name="1 Marcador de imagen de diapositiva"/>
+          <p:cNvPr id="27649" name="1 Marcador de imagen de diapositiva"/>
           <p:cNvSpPr>
             <a:spLocks noGrp="1" noRot="1" noChangeAspect="1" noTextEdit="1"/>
           </p:cNvSpPr>
@@ -750,7 +745,7 @@
       </p:sp>
       <p:sp>
         <p:nvSpPr>
-          <p:cNvPr id="29698" name="2 Marcador de notas"/>
+          <p:cNvPr id="27650" name="2 Marcador de notas"/>
           <p:cNvSpPr>
             <a:spLocks noGrp="1"/>
           </p:cNvSpPr>
@@ -808,7 +803,7 @@
             <a:pPr algn="r">
               <a:defRPr/>
             </a:pPr>
-            <a:fld id="{52410A19-F163-4030-A585-8D5DC6E69E8D}" type="slidenum">
+            <a:fld id="{8ABA9531-82D5-4595-ACFA-79CA088526FE}" type="slidenum">
               <a:rPr lang="es-PE" sz="1200">
                 <a:latin typeface="+mn-lt"/>
               </a:rPr>
@@ -2691,7 +2686,7 @@
             <a:pPr>
               <a:defRPr/>
             </a:pPr>
-            <a:fld id="{8367A9E3-BD6D-4E11-BD39-FB9D59BEC527}" type="datetimeFigureOut">
+            <a:fld id="{D1B7D5D9-14B4-4E06-A030-70BFC7A1BDC2}" type="datetimeFigureOut">
               <a:rPr lang="es-PE"/>
               <a:pPr>
                 <a:defRPr/>
@@ -2750,7 +2745,7 @@
             <a:pPr>
               <a:defRPr/>
             </a:pPr>
-            <a:fld id="{B909DE6A-D2D0-4257-B5BF-66331D85DB6C}" type="slidenum">
+            <a:fld id="{02E3614C-794F-4BE6-BEC3-2EF59615B477}" type="slidenum">
               <a:rPr lang="es-PE"/>
               <a:pPr>
                 <a:defRPr/>
@@ -2899,7 +2894,7 @@
             <a:pPr>
               <a:defRPr/>
             </a:pPr>
-            <a:fld id="{5C0F92D6-2392-4BDB-9D0A-AC74DBF17B0B}" type="datetimeFigureOut">
+            <a:fld id="{51582FFF-DD78-4618-83A4-16643A2DCD99}" type="datetimeFigureOut">
               <a:rPr lang="es-PE"/>
               <a:pPr>
                 <a:defRPr/>
@@ -2958,7 +2953,7 @@
             <a:pPr>
               <a:defRPr/>
             </a:pPr>
-            <a:fld id="{C6142725-E735-413E-A3A7-6AA076A91702}" type="slidenum">
+            <a:fld id="{0DBEACA5-57AB-478D-9C12-E64C6EA47C09}" type="slidenum">
               <a:rPr lang="es-PE"/>
               <a:pPr>
                 <a:defRPr/>
@@ -4804,7 +4799,7 @@
             <a:pPr>
               <a:defRPr/>
             </a:pPr>
-            <a:fld id="{D0A037F1-4913-4633-ADE3-B54161645B47}" type="datetimeFigureOut">
+            <a:fld id="{4C030E05-B76A-4FBA-849A-55014C801D1F}" type="datetimeFigureOut">
               <a:rPr lang="es-PE"/>
               <a:pPr>
                 <a:defRPr/>
@@ -4863,7 +4858,7 @@
             <a:pPr>
               <a:defRPr/>
             </a:pPr>
-            <a:fld id="{26B7D584-549B-4990-BE9D-6A99FDB07482}" type="slidenum">
+            <a:fld id="{7BF4092E-6322-47F0-9141-36552AA76FD5}" type="slidenum">
               <a:rPr lang="es-PE"/>
               <a:pPr>
                 <a:defRPr/>
@@ -4921,7 +4916,7 @@
             <a:pPr>
               <a:defRPr/>
             </a:pPr>
-            <a:fld id="{64BB48F2-1E57-443C-BA99-860540815444}" type="datetimeFigureOut">
+            <a:fld id="{72F7B13F-4EF3-4F4A-B93C-DE0D7EAD72E4}" type="datetimeFigureOut">
               <a:rPr lang="es-PE"/>
               <a:pPr>
                 <a:defRPr/>
@@ -4980,7 +4975,7 @@
             <a:pPr>
               <a:defRPr/>
             </a:pPr>
-            <a:fld id="{43175E5E-5E17-4EF1-8F63-96EB98CDFE39}" type="slidenum">
+            <a:fld id="{ED8E243D-0E34-464B-99F8-CB96B57F8BC7}" type="slidenum">
               <a:rPr lang="es-PE"/>
               <a:pPr>
                 <a:defRPr/>
@@ -5113,7 +5108,7 @@
             <a:pPr>
               <a:defRPr/>
             </a:pPr>
-            <a:fld id="{A1381F07-65BB-492F-AFB0-8DD09C51F6E0}" type="datetimeFigureOut">
+            <a:fld id="{89AE4834-7DB8-4F4A-883A-21A45F30A3BC}" type="datetimeFigureOut">
               <a:rPr lang="es-PE"/>
               <a:pPr>
                 <a:defRPr/>
@@ -5172,7 +5167,7 @@
             <a:pPr>
               <a:defRPr/>
             </a:pPr>
-            <a:fld id="{FA07D73F-892A-4FEE-8F20-E5B71C30A7CE}" type="slidenum">
+            <a:fld id="{E2712867-9FE5-4159-BBEC-D07797E5618E}" type="slidenum">
               <a:rPr lang="es-PE"/>
               <a:pPr>
                 <a:defRPr/>
@@ -7030,7 +7025,7 @@
             <a:pPr>
               <a:defRPr/>
             </a:pPr>
-            <a:fld id="{B9F87C86-83B4-44A9-B8C0-A641AF19DB07}" type="datetimeFigureOut">
+            <a:fld id="{938D019F-DB5A-4090-8886-D9DAE1F730D7}" type="datetimeFigureOut">
               <a:rPr lang="es-PE"/>
               <a:pPr>
                 <a:defRPr/>
@@ -7089,7 +7084,7 @@
             <a:pPr>
               <a:defRPr/>
             </a:pPr>
-            <a:fld id="{3B0EEEB0-6243-4A49-A375-2295202BF3A5}" type="slidenum">
+            <a:fld id="{6B904618-253C-43E0-ABAB-ADC1989616DF}" type="slidenum">
               <a:rPr lang="es-PE"/>
               <a:pPr>
                 <a:defRPr/>
@@ -7284,7 +7279,7 @@
             <a:pPr>
               <a:defRPr/>
             </a:pPr>
-            <a:fld id="{3DF3E2B1-6FC6-4652-BE43-EF8B71C2676C}" type="datetimeFigureOut">
+            <a:fld id="{31BD8B8D-CF9F-4A2D-9C5E-D0BB914E7F62}" type="datetimeFigureOut">
               <a:rPr lang="es-PE"/>
               <a:pPr>
                 <a:defRPr/>
@@ -7343,7 +7338,7 @@
             <a:pPr>
               <a:defRPr/>
             </a:pPr>
-            <a:fld id="{F1F00322-2340-4C34-BB1A-56D386CF2736}" type="slidenum">
+            <a:fld id="{12FCE2F3-2DBD-489B-96BD-76D0CAA71481}" type="slidenum">
               <a:rPr lang="es-PE"/>
               <a:pPr>
                 <a:defRPr/>
@@ -7738,7 +7733,7 @@
             <a:pPr>
               <a:defRPr/>
             </a:pPr>
-            <a:fld id="{DD32581A-B990-468D-BBE0-BD1AAA496AF2}" type="datetimeFigureOut">
+            <a:fld id="{6B2C3385-7F78-4791-AE02-30A0ED49664C}" type="datetimeFigureOut">
               <a:rPr lang="es-PE"/>
               <a:pPr>
                 <a:defRPr/>
@@ -7797,7 +7792,7 @@
             <a:pPr>
               <a:defRPr/>
             </a:pPr>
-            <a:fld id="{527CD021-2D8D-4CE3-93F9-1501456D1A00}" type="slidenum">
+            <a:fld id="{E437B9DB-1578-4527-8CB8-4FE4E61F5F27}" type="slidenum">
               <a:rPr lang="es-PE"/>
               <a:pPr>
                 <a:defRPr/>
@@ -7878,7 +7873,7 @@
             <a:pPr>
               <a:defRPr/>
             </a:pPr>
-            <a:fld id="{041C1FCA-7EC1-4A25-A6CC-F638B530E440}" type="datetimeFigureOut">
+            <a:fld id="{9855CE1C-D33C-47D2-8D61-2063FB8CBC74}" type="datetimeFigureOut">
               <a:rPr lang="es-PE"/>
               <a:pPr>
                 <a:defRPr/>
@@ -7937,7 +7932,7 @@
             <a:pPr>
               <a:defRPr/>
             </a:pPr>
-            <a:fld id="{BB2493C2-71C8-475A-8C23-72DA34897327}" type="slidenum">
+            <a:fld id="{9C6F3D1C-6A7F-4112-9A23-AE9A4F660364}" type="slidenum">
               <a:rPr lang="es-PE"/>
               <a:pPr>
                 <a:defRPr/>
@@ -9659,7 +9654,7 @@
             <a:pPr>
               <a:defRPr/>
             </a:pPr>
-            <a:fld id="{4321A8E6-DB35-4E5A-8616-4BB9FEBFBF46}" type="datetimeFigureOut">
+            <a:fld id="{4A1AA5D5-DACD-440C-8A74-58445F0E2D3F}" type="datetimeFigureOut">
               <a:rPr lang="es-PE"/>
               <a:pPr>
                 <a:defRPr/>
@@ -9718,7 +9713,7 @@
             <a:pPr>
               <a:defRPr/>
             </a:pPr>
-            <a:fld id="{8E85D2D3-1C5B-4EE1-BC99-56DC7263EB8B}" type="slidenum">
+            <a:fld id="{C62EFBC1-1FCD-414D-8EDD-31778FEE4966}" type="slidenum">
               <a:rPr lang="es-PE"/>
               <a:pPr>
                 <a:defRPr/>
@@ -11675,7 +11670,7 @@
             <a:pPr>
               <a:defRPr/>
             </a:pPr>
-            <a:fld id="{3ECC800C-1235-4EA2-B8E6-B6A2E027E892}" type="datetimeFigureOut">
+            <a:fld id="{522CF281-2CE3-41F5-B637-C94D8F5542E7}" type="datetimeFigureOut">
               <a:rPr lang="es-PE"/>
               <a:pPr>
                 <a:defRPr/>
@@ -11734,7 +11729,7 @@
             <a:pPr>
               <a:defRPr/>
             </a:pPr>
-            <a:fld id="{A7A88101-DFB2-4B79-B7E1-FCBCDE2AF45A}" type="slidenum">
+            <a:fld id="{F34FC6EC-9F59-4508-BB1D-E0D7195C5F4D}" type="slidenum">
               <a:rPr lang="es-PE"/>
               <a:pPr>
                 <a:defRPr/>
@@ -13662,7 +13657,7 @@
             <a:pPr>
               <a:defRPr/>
             </a:pPr>
-            <a:fld id="{CCDABCFD-D0F1-478B-A434-44041E704B73}" type="datetimeFigureOut">
+            <a:fld id="{9DABCF8C-805B-4109-8C57-4A14004F84C7}" type="datetimeFigureOut">
               <a:rPr lang="es-PE"/>
               <a:pPr>
                 <a:defRPr/>
@@ -13721,7 +13716,7 @@
             <a:pPr>
               <a:defRPr/>
             </a:pPr>
-            <a:fld id="{2E947133-27C9-4C5A-8C4C-2F8F90308810}" type="slidenum">
+            <a:fld id="{1A7F7479-7BCA-432D-A28E-14613364CA49}" type="slidenum">
               <a:rPr lang="es-PE"/>
               <a:pPr>
                 <a:defRPr/>
@@ -15510,7 +15505,7 @@
             <a:pPr>
               <a:defRPr/>
             </a:pPr>
-            <a:fld id="{40A03DA6-5B48-4017-8481-CE314B820F88}" type="datetimeFigureOut">
+            <a:fld id="{CC88DCC2-1309-4105-8694-9D7E06403927}" type="datetimeFigureOut">
               <a:rPr lang="es-PE"/>
               <a:pPr>
                 <a:defRPr/>
@@ -15607,7 +15602,7 @@
             <a:pPr>
               <a:defRPr/>
             </a:pPr>
-            <a:fld id="{66957034-D55C-4346-B74B-9EE42A8DCB59}" type="slidenum">
+            <a:fld id="{7A35D6BD-14A8-46BE-A165-A2E9F5CCC89B}" type="slidenum">
               <a:rPr lang="es-PE"/>
               <a:pPr>
                 <a:defRPr/>
@@ -16149,7 +16144,7 @@
         <p:spPr bwMode="auto">
           <a:xfrm>
             <a:off x="2278063" y="3641725"/>
-            <a:ext cx="6264275" cy="3046988"/>
+            <a:ext cx="6264275" cy="3046413"/>
           </a:xfrm>
           <a:prstGeom prst="rect">
             <a:avLst/>
@@ -16170,49 +16165,25 @@
           <a:p>
             <a:pPr algn="r"/>
             <a:r>
-              <a:rPr lang="es-PE" sz="2400" dirty="0" smtClean="0">
+              <a:rPr lang="es-PE" sz="2400">
                 <a:latin typeface="Candara" pitchFamily="34" charset="0"/>
               </a:rPr>
-              <a:t>Orlando </a:t>
-            </a:r>
-            <a:r>
-              <a:rPr lang="es-PE" sz="2400" dirty="0" err="1" smtClean="0">
+              <a:t>Orlando Sedamano Cornejo</a:t>
+            </a:r>
+          </a:p>
+          <a:p>
+            <a:pPr algn="r"/>
+            <a:r>
+              <a:rPr lang="es-PE" sz="2400">
                 <a:latin typeface="Candara" pitchFamily="34" charset="0"/>
               </a:rPr>
-              <a:t>Sedamano</a:t>
-            </a:r>
-            <a:r>
-              <a:rPr lang="es-PE" sz="2400" dirty="0" smtClean="0">
-                <a:latin typeface="Candara" pitchFamily="34" charset="0"/>
-              </a:rPr>
-              <a:t> Cornejo</a:t>
+              <a:t>Marco Bustinza </a:t>
             </a:r>
           </a:p>
           <a:p>
             <a:pPr algn="r"/>
             <a:r>
-              <a:rPr lang="es-PE" sz="2400" dirty="0" smtClean="0">
-                <a:latin typeface="Candara" pitchFamily="34" charset="0"/>
-              </a:rPr>
-              <a:t>Marco </a:t>
-            </a:r>
-            <a:r>
-              <a:rPr lang="es-PE" sz="2400" dirty="0" err="1" smtClean="0">
-                <a:latin typeface="Candara" pitchFamily="34" charset="0"/>
-              </a:rPr>
-              <a:t>Bustinza</a:t>
-            </a:r>
-            <a:r>
-              <a:rPr lang="es-PE" sz="2400" dirty="0" smtClean="0">
-                <a:latin typeface="Candara" pitchFamily="34" charset="0"/>
-              </a:rPr>
-              <a:t> </a:t>
-            </a:r>
-          </a:p>
-          <a:p>
-            <a:pPr algn="r"/>
-            <a:r>
-              <a:rPr lang="es-PE" sz="2400" dirty="0" smtClean="0">
+              <a:rPr lang="es-PE" sz="2400">
                 <a:latin typeface="Candara" pitchFamily="34" charset="0"/>
               </a:rPr>
               <a:t>Néstor Robles Cacha</a:t>
@@ -16221,75 +16192,39 @@
           <a:p>
             <a:pPr algn="r"/>
             <a:r>
-              <a:rPr lang="es-PE" sz="2400" dirty="0" smtClean="0">
+              <a:rPr lang="es-PE" sz="2400">
                 <a:latin typeface="Candara" pitchFamily="34" charset="0"/>
               </a:rPr>
-              <a:t>Gabriela Rojas </a:t>
-            </a:r>
-            <a:r>
-              <a:rPr lang="es-PE" sz="2400" dirty="0" err="1" smtClean="0">
+              <a:t>Gabriela Rojas Munive </a:t>
+            </a:r>
+          </a:p>
+          <a:p>
+            <a:pPr algn="r"/>
+            <a:r>
+              <a:rPr lang="es-PE" sz="2400">
                 <a:latin typeface="Candara" pitchFamily="34" charset="0"/>
               </a:rPr>
-              <a:t>Munive</a:t>
-            </a:r>
-            <a:r>
-              <a:rPr lang="es-PE" sz="2400" dirty="0" smtClean="0">
+              <a:t>Paola Rojas Chicoma</a:t>
+            </a:r>
+          </a:p>
+          <a:p>
+            <a:pPr algn="r"/>
+            <a:r>
+              <a:rPr lang="es-PE" sz="2400">
                 <a:latin typeface="Candara" pitchFamily="34" charset="0"/>
               </a:rPr>
-              <a:t> </a:t>
+              <a:t>Augusto Suárez Gutiérrez</a:t>
             </a:r>
           </a:p>
           <a:p>
             <a:pPr algn="r"/>
-            <a:r>
-              <a:rPr lang="es-PE" sz="2400" dirty="0" smtClean="0">
-                <a:latin typeface="Candara" pitchFamily="34" charset="0"/>
-              </a:rPr>
-              <a:t>Paola </a:t>
-            </a:r>
-            <a:r>
-              <a:rPr lang="es-PE" sz="2400" dirty="0">
-                <a:latin typeface="Candara" pitchFamily="34" charset="0"/>
-              </a:rPr>
-              <a:t>Rojas </a:t>
-            </a:r>
-            <a:r>
-              <a:rPr lang="es-PE" sz="2400" dirty="0" err="1" smtClean="0">
-                <a:latin typeface="Candara" pitchFamily="34" charset="0"/>
-              </a:rPr>
-              <a:t>Chicoma</a:t>
-            </a:r>
-            <a:endParaRPr lang="es-PE" sz="2400" dirty="0">
+            <a:endParaRPr lang="es-PE" sz="2400">
               <a:latin typeface="Candara" pitchFamily="34" charset="0"/>
             </a:endParaRPr>
           </a:p>
           <a:p>
             <a:pPr algn="r"/>
-            <a:r>
-              <a:rPr lang="es-PE" sz="2400" dirty="0">
-                <a:latin typeface="Candara" pitchFamily="34" charset="0"/>
-              </a:rPr>
-              <a:t>Augusto </a:t>
-            </a:r>
-            <a:r>
-              <a:rPr lang="es-PE" sz="2400" dirty="0" smtClean="0">
-                <a:latin typeface="Candara" pitchFamily="34" charset="0"/>
-              </a:rPr>
-              <a:t>Suárez Gutiérrez</a:t>
-            </a:r>
-            <a:endParaRPr lang="es-PE" sz="2400" dirty="0">
-              <a:latin typeface="Candara" pitchFamily="34" charset="0"/>
-            </a:endParaRPr>
-          </a:p>
-          <a:p>
-            <a:pPr algn="r"/>
-            <a:endParaRPr lang="es-PE" sz="2400" dirty="0">
-              <a:latin typeface="Candara" pitchFamily="34" charset="0"/>
-            </a:endParaRPr>
-          </a:p>
-          <a:p>
-            <a:pPr algn="r"/>
-            <a:endParaRPr lang="es-PE" sz="2400" dirty="0">
+            <a:endParaRPr lang="es-PE" sz="2400">
               <a:solidFill>
                 <a:schemeClr val="bg1"/>
               </a:solidFill>
@@ -16332,7 +16267,7 @@
       </p:grpSpPr>
       <p:sp>
         <p:nvSpPr>
-          <p:cNvPr id="23553" name="2 Título"/>
+          <p:cNvPr id="24577" name="2 Título"/>
           <p:cNvSpPr>
             <a:spLocks noGrp="1"/>
           </p:cNvSpPr>
@@ -16347,7 +16282,7 @@
           <a:p>
             <a:pPr eaLnBrk="1" hangingPunct="1"/>
             <a:r>
-              <a:rPr lang="es-PE" dirty="0" smtClean="0"/>
+              <a:rPr lang="es-PE" smtClean="0"/>
               <a:t>REQUERIMIENTOS FUNCIONALES</a:t>
             </a:r>
           </a:p>
@@ -16362,8 +16297,8 @@
           <p:nvPr/>
         </p:nvGraphicFramePr>
         <p:xfrm>
-          <a:off x="323850" y="2564904"/>
-          <a:ext cx="8568630" cy="2163928"/>
+          <a:off x="323850" y="2565400"/>
+          <a:ext cx="8569325" cy="2163763"/>
         </p:xfrm>
         <a:graphic>
           <a:graphicData uri="http://schemas.openxmlformats.org/drawingml/2006/table">
@@ -16618,29 +16553,36 @@
       </p:graphicFrame>
       <p:sp>
         <p:nvSpPr>
-          <p:cNvPr id="4" name="3 CuadroTexto"/>
-          <p:cNvSpPr txBox="1"/>
+          <p:cNvPr id="24586" name="3 CuadroTexto"/>
+          <p:cNvSpPr txBox="1">
+            <a:spLocks noChangeArrowheads="1"/>
+          </p:cNvSpPr>
           <p:nvPr/>
         </p:nvSpPr>
-        <p:spPr>
+        <p:spPr bwMode="auto">
           <a:xfrm>
-            <a:off x="251520" y="1844824"/>
-            <a:ext cx="8640960" cy="707886"/>
+            <a:off x="250825" y="1844675"/>
+            <a:ext cx="8642350" cy="708025"/>
           </a:xfrm>
           <a:prstGeom prst="rect">
             <a:avLst/>
           </a:prstGeom>
           <a:noFill/>
+          <a:ln w="9525">
+            <a:noFill/>
+            <a:miter lim="800000"/>
+            <a:headEnd/>
+            <a:tailEnd/>
+          </a:ln>
         </p:spPr>
         <p:txBody>
-          <a:bodyPr wrap="square" rtlCol="0">
+          <a:bodyPr>
             <a:spAutoFit/>
           </a:bodyPr>
           <a:lstStyle/>
           <a:p>
-            <a:pPr lvl="0"/>
-            <a:r>
-              <a:rPr lang="es-PE" sz="2000" b="1" i="1" u="sng" dirty="0" smtClean="0">
+            <a:r>
+              <a:rPr lang="es-PE" sz="2000" b="1" i="1" u="sng">
                 <a:solidFill>
                   <a:schemeClr val="tx2"/>
                 </a:solidFill>
@@ -16649,7 +16591,7 @@
               <a:t>OBSERVACIÓN</a:t>
             </a:r>
             <a:r>
-              <a:rPr lang="es-PE" sz="2000" i="1" dirty="0" smtClean="0">
+              <a:rPr lang="es-PE" sz="2000" i="1">
                 <a:solidFill>
                   <a:schemeClr val="tx2"/>
                 </a:solidFill>
@@ -16659,9 +16601,8 @@
             </a:r>
           </a:p>
           <a:p>
-            <a:pPr lvl="0"/>
-            <a:r>
-              <a:rPr lang="es-PE" sz="2000" i="1" dirty="0" smtClean="0">
+            <a:r>
+              <a:rPr lang="es-PE" sz="2000" i="1">
                 <a:solidFill>
                   <a:schemeClr val="tx2"/>
                 </a:solidFill>
@@ -16674,29 +16615,36 @@
       </p:sp>
       <p:sp>
         <p:nvSpPr>
-          <p:cNvPr id="5" name="4 CuadroTexto"/>
-          <p:cNvSpPr txBox="1"/>
+          <p:cNvPr id="24587" name="4 CuadroTexto"/>
+          <p:cNvSpPr txBox="1">
+            <a:spLocks noChangeArrowheads="1"/>
+          </p:cNvSpPr>
           <p:nvPr/>
         </p:nvSpPr>
-        <p:spPr>
+        <p:spPr bwMode="auto">
           <a:xfrm>
-            <a:off x="251520" y="5013176"/>
-            <a:ext cx="8640960" cy="1692771"/>
+            <a:off x="250825" y="5013325"/>
+            <a:ext cx="8642350" cy="1692275"/>
           </a:xfrm>
           <a:prstGeom prst="rect">
             <a:avLst/>
           </a:prstGeom>
           <a:noFill/>
+          <a:ln w="9525">
+            <a:noFill/>
+            <a:miter lim="800000"/>
+            <a:headEnd/>
+            <a:tailEnd/>
+          </a:ln>
         </p:spPr>
         <p:txBody>
-          <a:bodyPr wrap="square" rtlCol="0">
+          <a:bodyPr>
             <a:spAutoFit/>
           </a:bodyPr>
           <a:lstStyle/>
           <a:p>
-            <a:pPr lvl="0"/>
-            <a:r>
-              <a:rPr lang="es-PE" sz="2000" b="1" i="1" u="sng" dirty="0" smtClean="0">
+            <a:r>
+              <a:rPr lang="es-PE" sz="2000" b="1" i="1" u="sng">
                 <a:solidFill>
                   <a:srgbClr val="0070C0"/>
                 </a:solidFill>
@@ -16705,7 +16653,7 @@
               <a:t>CORRECCIÓN</a:t>
             </a:r>
             <a:r>
-              <a:rPr lang="es-PE" sz="2000" i="1" dirty="0" smtClean="0">
+              <a:rPr lang="es-PE" sz="2000" i="1">
                 <a:solidFill>
                   <a:srgbClr val="0070C0"/>
                 </a:solidFill>
@@ -16715,71 +16663,16 @@
             </a:r>
           </a:p>
           <a:p>
-            <a:pPr lvl="0"/>
-            <a:r>
-              <a:rPr lang="en-US" sz="2000" i="1" dirty="0" smtClean="0">
+            <a:r>
+              <a:rPr lang="en-US" sz="2000" i="1">
                 <a:solidFill>
                   <a:srgbClr val="0070C0"/>
                 </a:solidFill>
                 <a:latin typeface="Candara" pitchFamily="34" charset="0"/>
               </a:rPr>
-              <a:t>Se </a:t>
-            </a:r>
-            <a:r>
-              <a:rPr lang="en-US" sz="2000" i="1" dirty="0" err="1" smtClean="0">
-                <a:solidFill>
-                  <a:srgbClr val="0070C0"/>
-                </a:solidFill>
-                <a:latin typeface="Candara" pitchFamily="34" charset="0"/>
-              </a:rPr>
-              <a:t>encapsuló</a:t>
-            </a:r>
-            <a:r>
-              <a:rPr lang="en-US" sz="2000" i="1" dirty="0" smtClean="0">
-                <a:solidFill>
-                  <a:srgbClr val="0070C0"/>
-                </a:solidFill>
-                <a:latin typeface="Candara" pitchFamily="34" charset="0"/>
-              </a:rPr>
-              <a:t> en un solo </a:t>
-            </a:r>
-            <a:r>
-              <a:rPr lang="en-US" sz="2000" i="1" dirty="0" err="1" smtClean="0">
-                <a:solidFill>
-                  <a:srgbClr val="0070C0"/>
-                </a:solidFill>
-                <a:latin typeface="Candara" pitchFamily="34" charset="0"/>
-              </a:rPr>
-              <a:t>requerimiento</a:t>
-            </a:r>
-            <a:r>
-              <a:rPr lang="en-US" sz="2000" i="1" dirty="0" smtClean="0">
-                <a:solidFill>
-                  <a:srgbClr val="0070C0"/>
-                </a:solidFill>
-                <a:latin typeface="Candara" pitchFamily="34" charset="0"/>
-              </a:rPr>
-              <a:t> </a:t>
-            </a:r>
-            <a:r>
-              <a:rPr lang="en-US" sz="2000" i="1" dirty="0" err="1" smtClean="0">
-                <a:solidFill>
-                  <a:srgbClr val="0070C0"/>
-                </a:solidFill>
-                <a:latin typeface="Candara" pitchFamily="34" charset="0"/>
-              </a:rPr>
-              <a:t>funcional</a:t>
-            </a:r>
-            <a:r>
-              <a:rPr lang="en-US" sz="2000" i="1" dirty="0" smtClean="0">
-                <a:solidFill>
-                  <a:srgbClr val="0070C0"/>
-                </a:solidFill>
-                <a:latin typeface="Candara" pitchFamily="34" charset="0"/>
-              </a:rPr>
-              <a:t>:</a:t>
-            </a:r>
-            <a:endParaRPr lang="es-PE" sz="2000" i="1" dirty="0" smtClean="0">
+              <a:t>Se encapsuló en un solo requerimiento funcional:</a:t>
+            </a:r>
+            <a:endParaRPr lang="es-PE" sz="2000" i="1">
               <a:solidFill>
                 <a:srgbClr val="0070C0"/>
               </a:solidFill>
@@ -16787,7 +16680,7 @@
             </a:endParaRPr>
           </a:p>
           <a:p>
-            <a:pPr lvl="0" eaLnBrk="0" hangingPunct="0">
+            <a:pPr eaLnBrk="0" hangingPunct="0">
               <a:spcBef>
                 <a:spcPct val="20000"/>
               </a:spcBef>
@@ -16797,7 +16690,7 @@
               <a:buSzPct val="100000"/>
             </a:pPr>
             <a:r>
-              <a:rPr lang="es-PE" sz="2000" b="1" i="1" dirty="0" smtClean="0">
+              <a:rPr lang="es-PE" sz="2000" b="1" i="1">
                 <a:solidFill>
                   <a:srgbClr val="0070C0"/>
                 </a:solidFill>
@@ -16809,7 +16702,7 @@
           <a:p>
             <a:pPr algn="just"/>
             <a:r>
-              <a:rPr lang="es-PE" sz="2000" i="1" dirty="0" smtClean="0">
+              <a:rPr lang="es-PE" sz="2000" i="1">
                 <a:solidFill>
                   <a:srgbClr val="0070C0"/>
                 </a:solidFill>
@@ -16896,8 +16789,8 @@
           <p:nvPr/>
         </p:nvGraphicFramePr>
         <p:xfrm>
-          <a:off x="323850" y="2564904"/>
-          <a:ext cx="8568630" cy="2029976"/>
+          <a:off x="323850" y="2565400"/>
+          <a:ext cx="8569325" cy="2028825"/>
         </p:xfrm>
         <a:graphic>
           <a:graphicData uri="http://schemas.openxmlformats.org/drawingml/2006/table">
@@ -17199,29 +17092,36 @@
       </p:graphicFrame>
       <p:sp>
         <p:nvSpPr>
-          <p:cNvPr id="4" name="3 CuadroTexto"/>
-          <p:cNvSpPr txBox="1"/>
+          <p:cNvPr id="26634" name="3 CuadroTexto"/>
+          <p:cNvSpPr txBox="1">
+            <a:spLocks noChangeArrowheads="1"/>
+          </p:cNvSpPr>
           <p:nvPr/>
         </p:nvSpPr>
-        <p:spPr>
+        <p:spPr bwMode="auto">
           <a:xfrm>
-            <a:off x="251520" y="1844824"/>
-            <a:ext cx="8640960" cy="707886"/>
+            <a:off x="250825" y="1844675"/>
+            <a:ext cx="8642350" cy="708025"/>
           </a:xfrm>
           <a:prstGeom prst="rect">
             <a:avLst/>
           </a:prstGeom>
           <a:noFill/>
+          <a:ln w="9525">
+            <a:noFill/>
+            <a:miter lim="800000"/>
+            <a:headEnd/>
+            <a:tailEnd/>
+          </a:ln>
         </p:spPr>
         <p:txBody>
-          <a:bodyPr wrap="square" rtlCol="0">
+          <a:bodyPr>
             <a:spAutoFit/>
           </a:bodyPr>
           <a:lstStyle/>
           <a:p>
-            <a:pPr lvl="0"/>
-            <a:r>
-              <a:rPr lang="es-PE" sz="2000" b="1" i="1" u="sng" dirty="0" smtClean="0">
+            <a:r>
+              <a:rPr lang="es-PE" sz="2000" b="1" i="1" u="sng">
                 <a:solidFill>
                   <a:schemeClr val="tx2"/>
                 </a:solidFill>
@@ -17230,7 +17130,7 @@
               <a:t>OBSERVACIÓN</a:t>
             </a:r>
             <a:r>
-              <a:rPr lang="es-PE" sz="2000" i="1" dirty="0" smtClean="0">
+              <a:rPr lang="es-PE" sz="2000" i="1">
                 <a:solidFill>
                   <a:schemeClr val="tx2"/>
                 </a:solidFill>
@@ -17240,9 +17140,8 @@
             </a:r>
           </a:p>
           <a:p>
-            <a:pPr lvl="0"/>
-            <a:r>
-              <a:rPr lang="es-PE" sz="2000" i="1" dirty="0" smtClean="0">
+            <a:r>
+              <a:rPr lang="es-PE" sz="2000" i="1">
                 <a:solidFill>
                   <a:schemeClr val="tx2"/>
                 </a:solidFill>
@@ -17255,29 +17154,36 @@
       </p:sp>
       <p:sp>
         <p:nvSpPr>
-          <p:cNvPr id="5" name="4 CuadroTexto"/>
-          <p:cNvSpPr txBox="1"/>
+          <p:cNvPr id="26635" name="4 CuadroTexto"/>
+          <p:cNvSpPr txBox="1">
+            <a:spLocks noChangeArrowheads="1"/>
+          </p:cNvSpPr>
           <p:nvPr/>
         </p:nvSpPr>
-        <p:spPr>
+        <p:spPr bwMode="auto">
           <a:xfrm>
-            <a:off x="251520" y="4797152"/>
-            <a:ext cx="8640960" cy="1815882"/>
+            <a:off x="250825" y="4797425"/>
+            <a:ext cx="8642350" cy="1816100"/>
           </a:xfrm>
           <a:prstGeom prst="rect">
             <a:avLst/>
           </a:prstGeom>
           <a:noFill/>
+          <a:ln w="9525">
+            <a:noFill/>
+            <a:miter lim="800000"/>
+            <a:headEnd/>
+            <a:tailEnd/>
+          </a:ln>
         </p:spPr>
         <p:txBody>
-          <a:bodyPr wrap="square" rtlCol="0">
+          <a:bodyPr>
             <a:spAutoFit/>
           </a:bodyPr>
           <a:lstStyle/>
           <a:p>
-            <a:pPr lvl="0"/>
-            <a:r>
-              <a:rPr lang="es-PE" sz="2000" b="1" i="1" u="sng" dirty="0" smtClean="0">
+            <a:r>
+              <a:rPr lang="es-PE" sz="2000" b="1" i="1" u="sng">
                 <a:solidFill>
                   <a:srgbClr val="0070C0"/>
                 </a:solidFill>
@@ -17286,7 +17192,7 @@
               <a:t>CORRECCIÓN</a:t>
             </a:r>
             <a:r>
-              <a:rPr lang="es-PE" sz="2000" i="1" dirty="0" smtClean="0">
+              <a:rPr lang="es-PE" sz="2000" i="1">
                 <a:solidFill>
                   <a:srgbClr val="0070C0"/>
                 </a:solidFill>
@@ -17296,7 +17202,7 @@
             </a:r>
           </a:p>
           <a:p>
-            <a:pPr lvl="0" eaLnBrk="0" hangingPunct="0">
+            <a:pPr eaLnBrk="0" hangingPunct="0">
               <a:spcBef>
                 <a:spcPct val="20000"/>
               </a:spcBef>
@@ -17306,7 +17212,7 @@
               <a:buSzPct val="100000"/>
             </a:pPr>
             <a:r>
-              <a:rPr lang="es-PE" sz="2000" b="1" i="1" dirty="0" smtClean="0">
+              <a:rPr lang="es-PE" sz="2000" b="1" i="1">
                 <a:solidFill>
                   <a:srgbClr val="0070C0"/>
                 </a:solidFill>
@@ -17316,17 +17222,9 @@
             </a:r>
           </a:p>
           <a:p>
-            <a:pPr marL="0" lvl="1" algn="just" fontAlgn="auto">
-              <a:spcBef>
-                <a:spcPts val="0"/>
-              </a:spcBef>
-              <a:spcAft>
-                <a:spcPts val="0"/>
-              </a:spcAft>
-              <a:defRPr/>
-            </a:pPr>
-            <a:r>
-              <a:rPr lang="es-PE" sz="2000" i="1" dirty="0" smtClean="0">
+            <a:pPr marL="0" lvl="1" algn="just"/>
+            <a:r>
+              <a:rPr lang="es-PE" sz="2000" i="1">
                 <a:solidFill>
                   <a:srgbClr val="0070C0"/>
                 </a:solidFill>
@@ -17336,7 +17234,7 @@
             </a:r>
           </a:p>
           <a:p>
-            <a:pPr lvl="0" eaLnBrk="0" hangingPunct="0">
+            <a:pPr eaLnBrk="0" hangingPunct="0">
               <a:spcBef>
                 <a:spcPct val="20000"/>
               </a:spcBef>
@@ -17346,7 +17244,7 @@
               <a:buSzPct val="100000"/>
             </a:pPr>
             <a:r>
-              <a:rPr lang="es-PE" sz="2000" b="1" i="1" dirty="0" smtClean="0">
+              <a:rPr lang="es-PE" sz="2000" b="1" i="1">
                 <a:solidFill>
                   <a:srgbClr val="0070C0"/>
                 </a:solidFill>
@@ -17356,7 +17254,7 @@
             </a:r>
           </a:p>
           <a:p>
-            <a:pPr lvl="0" eaLnBrk="0" hangingPunct="0">
+            <a:pPr eaLnBrk="0" hangingPunct="0">
               <a:spcBef>
                 <a:spcPct val="20000"/>
               </a:spcBef>
@@ -17366,87 +17264,15 @@
               <a:buSzPct val="100000"/>
             </a:pPr>
             <a:r>
-              <a:rPr lang="en-US" sz="2000" i="1" dirty="0" smtClean="0">
+              <a:rPr lang="en-US" sz="2000" i="1">
                 <a:solidFill>
                   <a:srgbClr val="0070C0"/>
                 </a:solidFill>
                 <a:latin typeface="Candara" pitchFamily="34" charset="0"/>
               </a:rPr>
-              <a:t>Este </a:t>
-            </a:r>
-            <a:r>
-              <a:rPr lang="en-US" sz="2000" i="1" dirty="0" err="1" smtClean="0">
-                <a:solidFill>
-                  <a:srgbClr val="0070C0"/>
-                </a:solidFill>
-                <a:latin typeface="Candara" pitchFamily="34" charset="0"/>
-              </a:rPr>
-              <a:t>es</a:t>
-            </a:r>
-            <a:r>
-              <a:rPr lang="en-US" sz="2000" i="1" dirty="0" smtClean="0">
-                <a:solidFill>
-                  <a:srgbClr val="0070C0"/>
-                </a:solidFill>
-                <a:latin typeface="Candara" pitchFamily="34" charset="0"/>
-              </a:rPr>
-              <a:t> un </a:t>
-            </a:r>
-            <a:r>
-              <a:rPr lang="en-US" sz="2000" i="1" dirty="0" err="1" smtClean="0">
-                <a:solidFill>
-                  <a:srgbClr val="0070C0"/>
-                </a:solidFill>
-                <a:latin typeface="Candara" pitchFamily="34" charset="0"/>
-              </a:rPr>
-              <a:t>requerimiento</a:t>
-            </a:r>
-            <a:r>
-              <a:rPr lang="en-US" sz="2000" i="1" dirty="0" smtClean="0">
-                <a:solidFill>
-                  <a:srgbClr val="0070C0"/>
-                </a:solidFill>
-                <a:latin typeface="Candara" pitchFamily="34" charset="0"/>
-              </a:rPr>
-              <a:t> no </a:t>
-            </a:r>
-            <a:r>
-              <a:rPr lang="en-US" sz="2000" i="1" dirty="0" err="1" smtClean="0">
-                <a:solidFill>
-                  <a:srgbClr val="0070C0"/>
-                </a:solidFill>
-                <a:latin typeface="Candara" pitchFamily="34" charset="0"/>
-              </a:rPr>
-              <a:t>funcional</a:t>
-            </a:r>
-            <a:r>
-              <a:rPr lang="en-US" sz="2000" i="1" dirty="0" smtClean="0">
-                <a:solidFill>
-                  <a:srgbClr val="0070C0"/>
-                </a:solidFill>
-                <a:latin typeface="Candara" pitchFamily="34" charset="0"/>
-              </a:rPr>
-              <a:t> de </a:t>
-            </a:r>
-            <a:r>
-              <a:rPr lang="en-US" sz="2000" i="1" dirty="0" err="1" smtClean="0">
-                <a:solidFill>
-                  <a:srgbClr val="0070C0"/>
-                </a:solidFill>
-                <a:latin typeface="Candara" pitchFamily="34" charset="0"/>
-              </a:rPr>
-              <a:t>Rendimiento</a:t>
-            </a:r>
-            <a:r>
-              <a:rPr lang="en-US" sz="2000" i="1" dirty="0" smtClean="0">
-                <a:solidFill>
-                  <a:srgbClr val="0070C0"/>
-                </a:solidFill>
-                <a:latin typeface="Candara" pitchFamily="34" charset="0"/>
-              </a:rPr>
-              <a:t>.</a:t>
-            </a:r>
-            <a:endParaRPr lang="es-PE" sz="2000" i="1" dirty="0" smtClean="0">
+              <a:t>Este es un requerimiento no funcional de Rendimiento.</a:t>
+            </a:r>
+            <a:endParaRPr lang="es-PE" sz="2000" i="1">
               <a:solidFill>
                 <a:srgbClr val="0070C0"/>
               </a:solidFill>
@@ -17634,226 +17460,16 @@
       </p:sp>
       <p:sp>
         <p:nvSpPr>
-          <p:cNvPr id="6" name="5 CuadroTexto"/>
-          <p:cNvSpPr txBox="1"/>
+          <p:cNvPr id="28674" name="5 CuadroTexto"/>
+          <p:cNvSpPr txBox="1">
+            <a:spLocks noChangeArrowheads="1"/>
+          </p:cNvSpPr>
           <p:nvPr/>
         </p:nvSpPr>
-        <p:spPr>
-          <a:xfrm>
-            <a:off x="251520" y="1844824"/>
-            <a:ext cx="8640960" cy="1631216"/>
-          </a:xfrm>
-          <a:prstGeom prst="rect">
-            <a:avLst/>
-          </a:prstGeom>
-          <a:noFill/>
-        </p:spPr>
-        <p:txBody>
-          <a:bodyPr wrap="square" rtlCol="0">
-            <a:spAutoFit/>
-          </a:bodyPr>
-          <a:lstStyle/>
-          <a:p>
-            <a:pPr lvl="0"/>
-            <a:r>
-              <a:rPr lang="es-PE" sz="2000" b="1" i="1" u="sng" dirty="0" smtClean="0">
-                <a:solidFill>
-                  <a:schemeClr val="tx2"/>
-                </a:solidFill>
-                <a:latin typeface="Candara" pitchFamily="34" charset="0"/>
-              </a:rPr>
-              <a:t>OBSERVACIÓN</a:t>
-            </a:r>
-            <a:r>
-              <a:rPr lang="es-PE" sz="2000" i="1" dirty="0" smtClean="0">
-                <a:solidFill>
-                  <a:schemeClr val="tx2"/>
-                </a:solidFill>
-                <a:latin typeface="Candara" pitchFamily="34" charset="0"/>
-              </a:rPr>
-              <a:t>: </a:t>
-            </a:r>
-          </a:p>
-          <a:p>
-            <a:pPr lvl="0"/>
-            <a:r>
-              <a:rPr lang="es-PE" sz="2000" i="1" dirty="0" smtClean="0">
-                <a:solidFill>
-                  <a:schemeClr val="tx2"/>
-                </a:solidFill>
-                <a:latin typeface="Candara" pitchFamily="34" charset="0"/>
-              </a:rPr>
-              <a:t>Unir los paquetes </a:t>
-            </a:r>
-            <a:r>
-              <a:rPr lang="es-PE" sz="2000" b="1" i="1" dirty="0" smtClean="0">
-                <a:solidFill>
-                  <a:schemeClr val="tx2"/>
-                </a:solidFill>
-                <a:latin typeface="Candara" pitchFamily="34" charset="0"/>
-              </a:rPr>
-              <a:t>Solicitud de Contrato</a:t>
-            </a:r>
-            <a:r>
-              <a:rPr lang="es-PE" sz="2000" i="1" dirty="0" smtClean="0">
-                <a:solidFill>
-                  <a:schemeClr val="tx2"/>
-                </a:solidFill>
-                <a:latin typeface="Candara" pitchFamily="34" charset="0"/>
-              </a:rPr>
-              <a:t> y </a:t>
-            </a:r>
-            <a:r>
-              <a:rPr lang="es-PE" sz="2000" b="1" i="1" dirty="0" smtClean="0">
-                <a:solidFill>
-                  <a:schemeClr val="tx2"/>
-                </a:solidFill>
-                <a:latin typeface="Candara" pitchFamily="34" charset="0"/>
-              </a:rPr>
-              <a:t>Evaluación de Contrato.</a:t>
-            </a:r>
-          </a:p>
-          <a:p>
-            <a:endParaRPr lang="en-US" sz="2000" b="1" i="1" u="sng" dirty="0" smtClean="0">
-              <a:solidFill>
-                <a:srgbClr val="0070C0"/>
-              </a:solidFill>
-              <a:latin typeface="Candara" pitchFamily="34" charset="0"/>
-            </a:endParaRPr>
-          </a:p>
-          <a:p>
-            <a:r>
-              <a:rPr lang="en-US" sz="2000" b="1" i="1" u="sng" dirty="0" smtClean="0">
-                <a:solidFill>
-                  <a:srgbClr val="0070C0"/>
-                </a:solidFill>
-                <a:latin typeface="Candara" pitchFamily="34" charset="0"/>
-              </a:rPr>
-              <a:t>CORRECCIÓN</a:t>
-            </a:r>
-            <a:r>
-              <a:rPr lang="en-US" sz="2000" i="1" dirty="0" smtClean="0">
-                <a:solidFill>
-                  <a:srgbClr val="0070C0"/>
-                </a:solidFill>
-                <a:latin typeface="Candara" pitchFamily="34" charset="0"/>
-              </a:rPr>
-              <a:t>:</a:t>
-            </a:r>
-          </a:p>
-          <a:p>
-            <a:r>
-              <a:rPr lang="en-US" sz="2000" i="1" dirty="0" smtClean="0">
-                <a:solidFill>
-                  <a:srgbClr val="0070C0"/>
-                </a:solidFill>
-                <a:latin typeface="Candara" pitchFamily="34" charset="0"/>
-              </a:rPr>
-              <a:t>Se </a:t>
-            </a:r>
-            <a:r>
-              <a:rPr lang="es-PE" sz="2000" i="1" dirty="0" smtClean="0">
-                <a:solidFill>
-                  <a:srgbClr val="0070C0"/>
-                </a:solidFill>
-                <a:latin typeface="Candara" pitchFamily="34" charset="0"/>
-              </a:rPr>
-              <a:t>unieron</a:t>
-            </a:r>
-            <a:r>
-              <a:rPr lang="en-US" sz="2000" i="1" dirty="0" smtClean="0">
-                <a:solidFill>
-                  <a:srgbClr val="0070C0"/>
-                </a:solidFill>
-                <a:latin typeface="Candara" pitchFamily="34" charset="0"/>
-              </a:rPr>
-              <a:t> </a:t>
-            </a:r>
-            <a:r>
-              <a:rPr lang="en-US" sz="2000" i="1" dirty="0" smtClean="0">
-                <a:solidFill>
-                  <a:srgbClr val="0070C0"/>
-                </a:solidFill>
-                <a:latin typeface="Candara" pitchFamily="34" charset="0"/>
-              </a:rPr>
-              <a:t>en un solo </a:t>
-            </a:r>
-            <a:r>
-              <a:rPr lang="en-US" sz="2000" i="1" dirty="0" err="1" smtClean="0">
-                <a:solidFill>
-                  <a:srgbClr val="0070C0"/>
-                </a:solidFill>
-                <a:latin typeface="Candara" pitchFamily="34" charset="0"/>
-              </a:rPr>
-              <a:t>paquete</a:t>
-            </a:r>
-            <a:r>
-              <a:rPr lang="en-US" sz="2000" b="1" i="1" dirty="0" smtClean="0">
-                <a:solidFill>
-                  <a:srgbClr val="0070C0"/>
-                </a:solidFill>
-                <a:latin typeface="Candara" pitchFamily="34" charset="0"/>
-              </a:rPr>
-              <a:t> </a:t>
-            </a:r>
-            <a:r>
-              <a:rPr lang="en-US" sz="2000" b="1" i="1" dirty="0" err="1" smtClean="0">
-                <a:solidFill>
-                  <a:srgbClr val="0070C0"/>
-                </a:solidFill>
-                <a:latin typeface="Candara" pitchFamily="34" charset="0"/>
-              </a:rPr>
-              <a:t>Solicitud</a:t>
-            </a:r>
-            <a:r>
-              <a:rPr lang="en-US" sz="2000" b="1" i="1" dirty="0" smtClean="0">
-                <a:solidFill>
-                  <a:srgbClr val="0070C0"/>
-                </a:solidFill>
-                <a:latin typeface="Candara" pitchFamily="34" charset="0"/>
-              </a:rPr>
-              <a:t> de </a:t>
-            </a:r>
-            <a:r>
-              <a:rPr lang="en-US" sz="2000" b="1" i="1" dirty="0" err="1" smtClean="0">
-                <a:solidFill>
-                  <a:srgbClr val="0070C0"/>
-                </a:solidFill>
-                <a:latin typeface="Candara" pitchFamily="34" charset="0"/>
-              </a:rPr>
-              <a:t>Contrato</a:t>
-            </a:r>
-            <a:r>
-              <a:rPr lang="en-US" sz="2000" b="1" i="1" dirty="0" smtClean="0">
-                <a:solidFill>
-                  <a:srgbClr val="0070C0"/>
-                </a:solidFill>
-                <a:latin typeface="Candara" pitchFamily="34" charset="0"/>
-              </a:rPr>
-              <a:t>.</a:t>
-            </a:r>
-          </a:p>
-        </p:txBody>
-      </p:sp>
-      <p:pic>
-        <p:nvPicPr>
-          <p:cNvPr id="24577" name="Picture 1"/>
-          <p:cNvPicPr>
-            <a:picLocks noChangeAspect="1" noChangeArrowheads="1"/>
-          </p:cNvPicPr>
-          <p:nvPr/>
-        </p:nvPicPr>
-        <p:blipFill>
-          <a:blip r:embed="rId2" cstate="print"/>
-          <a:srcRect/>
-          <a:stretch>
-            <a:fillRect/>
-          </a:stretch>
-        </p:blipFill>
         <p:spPr bwMode="auto">
           <a:xfrm>
-            <a:off x="2483768" y="3640142"/>
-            <a:ext cx="4320480" cy="2885202"/>
+            <a:off x="250825" y="1844675"/>
+            <a:ext cx="8642350" cy="1631950"/>
           </a:xfrm>
           <a:prstGeom prst="rect">
             <a:avLst/>
@@ -17865,7 +17481,168 @@
             <a:headEnd/>
             <a:tailEnd/>
           </a:ln>
-          <a:effectLst/>
+        </p:spPr>
+        <p:txBody>
+          <a:bodyPr>
+            <a:spAutoFit/>
+          </a:bodyPr>
+          <a:lstStyle/>
+          <a:p>
+            <a:r>
+              <a:rPr lang="es-PE" sz="2000" b="1" i="1" u="sng">
+                <a:solidFill>
+                  <a:schemeClr val="tx2"/>
+                </a:solidFill>
+                <a:latin typeface="Candara" pitchFamily="34" charset="0"/>
+              </a:rPr>
+              <a:t>OBSERVACIÓN</a:t>
+            </a:r>
+            <a:r>
+              <a:rPr lang="es-PE" sz="2000" i="1">
+                <a:solidFill>
+                  <a:schemeClr val="tx2"/>
+                </a:solidFill>
+                <a:latin typeface="Candara" pitchFamily="34" charset="0"/>
+              </a:rPr>
+              <a:t>: </a:t>
+            </a:r>
+          </a:p>
+          <a:p>
+            <a:r>
+              <a:rPr lang="es-PE" sz="2000" i="1">
+                <a:solidFill>
+                  <a:schemeClr val="tx2"/>
+                </a:solidFill>
+                <a:latin typeface="Candara" pitchFamily="34" charset="0"/>
+              </a:rPr>
+              <a:t>Unir los paquetes </a:t>
+            </a:r>
+            <a:r>
+              <a:rPr lang="es-PE" sz="2000" b="1" i="1">
+                <a:solidFill>
+                  <a:schemeClr val="tx2"/>
+                </a:solidFill>
+                <a:latin typeface="Candara" pitchFamily="34" charset="0"/>
+              </a:rPr>
+              <a:t>Solicitud de Contrato</a:t>
+            </a:r>
+            <a:r>
+              <a:rPr lang="es-PE" sz="2000" i="1">
+                <a:solidFill>
+                  <a:schemeClr val="tx2"/>
+                </a:solidFill>
+                <a:latin typeface="Candara" pitchFamily="34" charset="0"/>
+              </a:rPr>
+              <a:t> y </a:t>
+            </a:r>
+            <a:r>
+              <a:rPr lang="es-PE" sz="2000" b="1" i="1">
+                <a:solidFill>
+                  <a:schemeClr val="tx2"/>
+                </a:solidFill>
+                <a:latin typeface="Candara" pitchFamily="34" charset="0"/>
+              </a:rPr>
+              <a:t>Evaluación de Contrato.</a:t>
+            </a:r>
+          </a:p>
+          <a:p>
+            <a:endParaRPr lang="en-US" sz="2000" b="1" i="1" u="sng">
+              <a:solidFill>
+                <a:srgbClr val="0070C0"/>
+              </a:solidFill>
+              <a:latin typeface="Candara" pitchFamily="34" charset="0"/>
+            </a:endParaRPr>
+          </a:p>
+          <a:p>
+            <a:r>
+              <a:rPr lang="en-US" sz="2000" b="1" i="1" u="sng">
+                <a:solidFill>
+                  <a:srgbClr val="0070C0"/>
+                </a:solidFill>
+                <a:latin typeface="Candara" pitchFamily="34" charset="0"/>
+              </a:rPr>
+              <a:t>CORRECCIÓN</a:t>
+            </a:r>
+            <a:r>
+              <a:rPr lang="en-US" sz="2000" i="1">
+                <a:solidFill>
+                  <a:srgbClr val="0070C0"/>
+                </a:solidFill>
+                <a:latin typeface="Candara" pitchFamily="34" charset="0"/>
+              </a:rPr>
+              <a:t>:</a:t>
+            </a:r>
+          </a:p>
+          <a:p>
+            <a:r>
+              <a:rPr lang="en-US" sz="2000" i="1">
+                <a:solidFill>
+                  <a:srgbClr val="0070C0"/>
+                </a:solidFill>
+                <a:latin typeface="Candara" pitchFamily="34" charset="0"/>
+              </a:rPr>
+              <a:t>Se </a:t>
+            </a:r>
+            <a:r>
+              <a:rPr lang="es-PE" sz="2000" i="1">
+                <a:solidFill>
+                  <a:srgbClr val="0070C0"/>
+                </a:solidFill>
+                <a:latin typeface="Candara" pitchFamily="34" charset="0"/>
+              </a:rPr>
+              <a:t>unieron</a:t>
+            </a:r>
+            <a:r>
+              <a:rPr lang="en-US" sz="2000" i="1">
+                <a:solidFill>
+                  <a:srgbClr val="0070C0"/>
+                </a:solidFill>
+                <a:latin typeface="Candara" pitchFamily="34" charset="0"/>
+              </a:rPr>
+              <a:t> en un solo paquete</a:t>
+            </a:r>
+            <a:r>
+              <a:rPr lang="en-US" sz="2000" b="1" i="1">
+                <a:solidFill>
+                  <a:srgbClr val="0070C0"/>
+                </a:solidFill>
+                <a:latin typeface="Candara" pitchFamily="34" charset="0"/>
+              </a:rPr>
+              <a:t> Solicitud de Contrato.</a:t>
+            </a:r>
+          </a:p>
+        </p:txBody>
+      </p:sp>
+      <p:pic>
+        <p:nvPicPr>
+          <p:cNvPr id="28675" name="Picture 1"/>
+          <p:cNvPicPr>
+            <a:picLocks noChangeAspect="1" noChangeArrowheads="1"/>
+          </p:cNvPicPr>
+          <p:nvPr/>
+        </p:nvPicPr>
+        <p:blipFill>
+          <a:blip r:embed="rId2"/>
+          <a:srcRect/>
+          <a:stretch>
+            <a:fillRect/>
+          </a:stretch>
+        </p:blipFill>
+        <p:spPr bwMode="auto">
+          <a:xfrm>
+            <a:off x="2484438" y="3640138"/>
+            <a:ext cx="4319587" cy="2884487"/>
+          </a:xfrm>
+          <a:prstGeom prst="rect">
+            <a:avLst/>
+          </a:prstGeom>
+          <a:noFill/>
+          <a:ln w="9525">
+            <a:noFill/>
+            <a:miter lim="800000"/>
+            <a:headEnd/>
+            <a:tailEnd/>
+          </a:ln>
         </p:spPr>
       </p:pic>
     </p:spTree>
@@ -17895,7 +17672,7 @@
       </p:grpSpPr>
       <p:sp>
         <p:nvSpPr>
-          <p:cNvPr id="3" name="2 Título"/>
+          <p:cNvPr id="29697" name="2 Título"/>
           <p:cNvSpPr>
             <a:spLocks noGrp="1"/>
           </p:cNvSpPr>
@@ -17905,50 +17682,49 @@
         </p:nvSpPr>
         <p:spPr/>
         <p:txBody>
-          <a:bodyPr rtlCol="0">
-            <a:noAutofit/>
-          </a:bodyPr>
+          <a:bodyPr/>
           <a:lstStyle/>
           <a:p>
-            <a:pPr eaLnBrk="1" fontAlgn="auto" hangingPunct="1">
-              <a:spcAft>
-                <a:spcPts val="0"/>
-              </a:spcAft>
-              <a:defRPr/>
-            </a:pPr>
-            <a:r>
-              <a:rPr lang="es-PE" sz="4000" dirty="0" smtClean="0"/>
+            <a:pPr eaLnBrk="1" hangingPunct="1"/>
+            <a:r>
+              <a:rPr lang="es-PE" sz="4000" smtClean="0"/>
               <a:t>DIAGRAMA DE CASOS DE USO DEL SISTEMA POR PAQUETE</a:t>
             </a:r>
-            <a:endParaRPr lang="es-PE" sz="4000" dirty="0"/>
           </a:p>
         </p:txBody>
       </p:sp>
       <p:sp>
         <p:nvSpPr>
-          <p:cNvPr id="4" name="3 CuadroTexto"/>
-          <p:cNvSpPr txBox="1"/>
+          <p:cNvPr id="29698" name="3 CuadroTexto"/>
+          <p:cNvSpPr txBox="1">
+            <a:spLocks noChangeArrowheads="1"/>
+          </p:cNvSpPr>
           <p:nvPr/>
         </p:nvSpPr>
-        <p:spPr>
+        <p:spPr bwMode="auto">
           <a:xfrm>
-            <a:off x="251520" y="2694398"/>
-            <a:ext cx="4176464" cy="2966850"/>
+            <a:off x="250825" y="2693988"/>
+            <a:ext cx="4176713" cy="2967037"/>
           </a:xfrm>
           <a:prstGeom prst="rect">
             <a:avLst/>
           </a:prstGeom>
           <a:noFill/>
+          <a:ln w="9525">
+            <a:noFill/>
+            <a:miter lim="800000"/>
+            <a:headEnd/>
+            <a:tailEnd/>
+          </a:ln>
         </p:spPr>
         <p:txBody>
-          <a:bodyPr wrap="square" rtlCol="0">
+          <a:bodyPr>
             <a:spAutoFit/>
           </a:bodyPr>
           <a:lstStyle/>
           <a:p>
-            <a:pPr lvl="0"/>
-            <a:r>
-              <a:rPr lang="es-PE" sz="2000" b="1" i="1" u="sng" dirty="0" smtClean="0">
+            <a:r>
+              <a:rPr lang="es-PE" sz="2000" b="1" i="1" u="sng">
                 <a:solidFill>
                   <a:schemeClr val="tx2"/>
                 </a:solidFill>
@@ -17957,7 +17733,7 @@
               <a:t>OBSERVACIÓN</a:t>
             </a:r>
             <a:r>
-              <a:rPr lang="es-PE" sz="2000" i="1" dirty="0" smtClean="0">
+              <a:rPr lang="es-PE" sz="2000" i="1">
                 <a:solidFill>
                   <a:schemeClr val="tx2"/>
                 </a:solidFill>
@@ -17967,9 +17743,8 @@
             </a:r>
           </a:p>
           <a:p>
-            <a:pPr lvl="0"/>
-            <a:r>
-              <a:rPr lang="es-PE" sz="2000" i="1" dirty="0" smtClean="0">
+            <a:r>
+              <a:rPr lang="es-PE" sz="2000" i="1">
                 <a:solidFill>
                   <a:schemeClr val="tx2"/>
                 </a:solidFill>
@@ -17978,7 +17753,7 @@
               <a:t>Unir los CUS </a:t>
             </a:r>
             <a:r>
-              <a:rPr lang="es-PE" sz="2000" b="1" i="1" dirty="0" smtClean="0">
+              <a:rPr lang="es-PE" sz="2000" b="1" i="1">
                 <a:solidFill>
                   <a:schemeClr val="tx2"/>
                 </a:solidFill>
@@ -17987,7 +17762,7 @@
               <a:t>CC_CUS003_Consultar_informacion_solicitudes_contrato</a:t>
             </a:r>
             <a:r>
-              <a:rPr lang="es-PE" sz="2000" i="1" dirty="0" smtClean="0">
+              <a:rPr lang="es-PE" sz="2000" i="1">
                 <a:solidFill>
                   <a:schemeClr val="tx2"/>
                 </a:solidFill>
@@ -17996,7 +17771,7 @@
               <a:t>, </a:t>
             </a:r>
             <a:r>
-              <a:rPr lang="es-PE" sz="2000" b="1" i="1" dirty="0" smtClean="0">
+              <a:rPr lang="es-PE" sz="2000" b="1" i="1">
                 <a:solidFill>
                   <a:schemeClr val="tx2"/>
                 </a:solidFill>
@@ -18005,7 +17780,7 @@
               <a:t>CC_CUS004_Actualizar_informacion_contrato</a:t>
             </a:r>
             <a:r>
-              <a:rPr lang="es-PE" sz="2000" i="1" dirty="0" smtClean="0">
+              <a:rPr lang="es-PE" sz="2000" i="1">
                 <a:solidFill>
                   <a:schemeClr val="tx2"/>
                 </a:solidFill>
@@ -18014,7 +17789,7 @@
               <a:t> y </a:t>
             </a:r>
             <a:r>
-              <a:rPr lang="es-PE" sz="2000" b="1" i="1" dirty="0" smtClean="0">
+              <a:rPr lang="es-PE" sz="2000" b="1" i="1">
                 <a:solidFill>
                   <a:schemeClr val="tx2"/>
                 </a:solidFill>
@@ -18023,7 +17798,7 @@
               <a:t>CC_CUS005_Actualizar_informacion_adendas</a:t>
             </a:r>
             <a:r>
-              <a:rPr lang="es-PE" sz="2000" i="1" dirty="0" smtClean="0">
+              <a:rPr lang="es-PE" sz="2000" i="1">
                 <a:solidFill>
                   <a:schemeClr val="tx2"/>
                 </a:solidFill>
@@ -18033,7 +17808,7 @@
             </a:r>
           </a:p>
           <a:p>
-            <a:endParaRPr lang="en-US" sz="2000" b="1" i="1" u="sng" dirty="0" smtClean="0">
+            <a:endParaRPr lang="en-US" sz="2000" b="1" i="1" u="sng">
               <a:solidFill>
                 <a:srgbClr val="0070C0"/>
               </a:solidFill>
@@ -18044,20 +17819,14 @@
       </p:sp>
       <p:pic>
         <p:nvPicPr>
-          <p:cNvPr id="4098" name="Picture 2"/>
+          <p:cNvPr id="29699" name="Picture 2"/>
           <p:cNvPicPr>
             <a:picLocks noChangeAspect="1" noChangeArrowheads="1"/>
           </p:cNvPicPr>
           <p:nvPr/>
         </p:nvPicPr>
         <p:blipFill>
-          <a:blip r:embed="rId2">
-            <a:extLst>
-              <a:ext uri="{28A0092B-C50C-407E-A947-70E740481C1C}">
-                <a14:useLocalDpi xmlns:a14="http://schemas.microsoft.com/office/drawing/2010/main" val="0"/>
-              </a:ext>
-            </a:extLst>
-          </a:blip>
+          <a:blip r:embed="rId2"/>
           <a:srcRect/>
           <a:stretch>
             <a:fillRect/>
@@ -18065,45 +17834,19 @@
         </p:blipFill>
         <p:spPr bwMode="auto">
           <a:xfrm>
-            <a:off x="4788024" y="1824875"/>
-            <a:ext cx="4079156" cy="4389444"/>
+            <a:off x="4787900" y="1825625"/>
+            <a:ext cx="4079875" cy="4389438"/>
           </a:xfrm>
           <a:prstGeom prst="rect">
             <a:avLst/>
           </a:prstGeom>
           <a:noFill/>
-          <a:ln>
+          <a:ln w="9525">
             <a:noFill/>
+            <a:miter lim="800000"/>
+            <a:headEnd/>
+            <a:tailEnd/>
           </a:ln>
-          <a:effectLst/>
-          <a:extLst>
-            <a:ext uri="{909E8E84-426E-40DD-AFC4-6F175D3DCCD1}">
-              <a14:hiddenFill xmlns:a14="http://schemas.microsoft.com/office/drawing/2010/main">
-                <a:solidFill>
-                  <a:schemeClr val="accent1"/>
-                </a:solidFill>
-              </a14:hiddenFill>
-            </a:ext>
-            <a:ext uri="{91240B29-F687-4F45-9708-019B960494DF}">
-              <a14:hiddenLine xmlns:a14="http://schemas.microsoft.com/office/drawing/2010/main" w="9525">
-                <a:solidFill>
-                  <a:schemeClr val="tx1"/>
-                </a:solidFill>
-                <a:miter lim="800000"/>
-                <a:headEnd/>
-                <a:tailEnd/>
-              </a14:hiddenLine>
-            </a:ext>
-            <a:ext uri="{AF507438-7753-43E0-B8FC-AC1667EBCBE1}">
-              <a14:hiddenEffects xmlns:a14="http://schemas.microsoft.com/office/drawing/2010/main">
-                <a:effectLst>
-                  <a:outerShdw dist="35921" dir="2700000" algn="ctr" rotWithShape="0">
-                    <a:schemeClr val="bg2"/>
-                  </a:outerShdw>
-                </a:effectLst>
-              </a14:hiddenEffects>
-            </a:ext>
-          </a:extLst>
         </p:spPr>
       </p:pic>
     </p:spTree>
@@ -18140,7 +17883,7 @@
       </p:grpSpPr>
       <p:sp>
         <p:nvSpPr>
-          <p:cNvPr id="3" name="2 Título"/>
+          <p:cNvPr id="30721" name="2 Título"/>
           <p:cNvSpPr>
             <a:spLocks noGrp="1"/>
           </p:cNvSpPr>
@@ -18150,49 +17893,49 @@
         </p:nvSpPr>
         <p:spPr/>
         <p:txBody>
-          <a:bodyPr rtlCol="0">
-            <a:noAutofit/>
-          </a:bodyPr>
+          <a:bodyPr/>
           <a:lstStyle/>
           <a:p>
-            <a:pPr eaLnBrk="1" fontAlgn="auto" hangingPunct="1">
-              <a:spcAft>
-                <a:spcPts val="0"/>
-              </a:spcAft>
-              <a:defRPr/>
-            </a:pPr>
-            <a:r>
-              <a:rPr lang="es-PE" sz="4000" dirty="0" smtClean="0"/>
+            <a:pPr eaLnBrk="1" hangingPunct="1"/>
+            <a:r>
+              <a:rPr lang="es-PE" sz="4000" smtClean="0"/>
               <a:t>DIAGRAMA DE CASOS DE USO DEL SISTEMA POR PAQUETE</a:t>
             </a:r>
-            <a:endParaRPr lang="es-PE" sz="4000" dirty="0"/>
           </a:p>
         </p:txBody>
       </p:sp>
       <p:sp>
         <p:nvSpPr>
-          <p:cNvPr id="4" name="3 CuadroTexto"/>
-          <p:cNvSpPr txBox="1"/>
+          <p:cNvPr id="30722" name="3 CuadroTexto"/>
+          <p:cNvSpPr txBox="1">
+            <a:spLocks noChangeArrowheads="1"/>
+          </p:cNvSpPr>
           <p:nvPr/>
         </p:nvSpPr>
-        <p:spPr>
+        <p:spPr bwMode="auto">
           <a:xfrm>
-            <a:off x="251520" y="2694398"/>
-            <a:ext cx="3600400" cy="1323439"/>
+            <a:off x="250825" y="2693988"/>
+            <a:ext cx="3600450" cy="1323975"/>
           </a:xfrm>
           <a:prstGeom prst="rect">
             <a:avLst/>
           </a:prstGeom>
           <a:noFill/>
+          <a:ln w="9525">
+            <a:noFill/>
+            <a:miter lim="800000"/>
+            <a:headEnd/>
+            <a:tailEnd/>
+          </a:ln>
         </p:spPr>
         <p:txBody>
-          <a:bodyPr wrap="square" rtlCol="0">
+          <a:bodyPr>
             <a:spAutoFit/>
           </a:bodyPr>
           <a:lstStyle/>
           <a:p>
             <a:r>
-              <a:rPr lang="en-US" sz="2000" b="1" i="1" u="sng" dirty="0" smtClean="0">
+              <a:rPr lang="en-US" sz="2000" b="1" i="1" u="sng">
                 <a:solidFill>
                   <a:srgbClr val="0070C0"/>
                 </a:solidFill>
@@ -18201,7 +17944,7 @@
               <a:t>CORRECCIÓN</a:t>
             </a:r>
             <a:r>
-              <a:rPr lang="en-US" sz="2000" i="1" dirty="0" smtClean="0">
+              <a:rPr lang="en-US" sz="2000" i="1">
                 <a:solidFill>
                   <a:srgbClr val="0070C0"/>
                 </a:solidFill>
@@ -18212,34 +17955,16 @@
           </a:p>
           <a:p>
             <a:r>
-              <a:rPr lang="en-US" sz="2000" i="1" dirty="0" smtClean="0">
+              <a:rPr lang="en-US" sz="2000" i="1">
                 <a:solidFill>
                   <a:srgbClr val="0070C0"/>
                 </a:solidFill>
                 <a:latin typeface="Candara" pitchFamily="34" charset="0"/>
               </a:rPr>
-              <a:t>Se </a:t>
-            </a:r>
-            <a:r>
-              <a:rPr lang="en-US" sz="2000" i="1" dirty="0" err="1" smtClean="0">
-                <a:solidFill>
-                  <a:srgbClr val="0070C0"/>
-                </a:solidFill>
-                <a:latin typeface="Candara" pitchFamily="34" charset="0"/>
-              </a:rPr>
-              <a:t>unieron</a:t>
-            </a:r>
-            <a:r>
-              <a:rPr lang="en-US" sz="2000" i="1" dirty="0" smtClean="0">
-                <a:solidFill>
-                  <a:srgbClr val="0070C0"/>
-                </a:solidFill>
-                <a:latin typeface="Candara" pitchFamily="34" charset="0"/>
-              </a:rPr>
-              <a:t> en un solo CUS </a:t>
-            </a:r>
-            <a:r>
-              <a:rPr lang="es-PE" sz="2000" b="1" i="1" dirty="0" smtClean="0">
+              <a:t>Se unieron en un solo CUS </a:t>
+            </a:r>
+            <a:r>
+              <a:rPr lang="es-PE" sz="2000" b="1" i="1">
                 <a:solidFill>
                   <a:srgbClr val="0070C0"/>
                 </a:solidFill>
@@ -18248,7 +17973,7 @@
               <a:t>CC_CUS003_Actualizar_informacion_contrato</a:t>
             </a:r>
             <a:r>
-              <a:rPr lang="en-US" sz="2000" i="1" dirty="0" smtClean="0">
+              <a:rPr lang="en-US" sz="2000" i="1">
                 <a:solidFill>
                   <a:srgbClr val="0070C0"/>
                 </a:solidFill>
@@ -18261,20 +17986,14 @@
       </p:sp>
       <p:pic>
         <p:nvPicPr>
-          <p:cNvPr id="5123" name="Picture 3"/>
+          <p:cNvPr id="30723" name="Picture 3"/>
           <p:cNvPicPr>
             <a:picLocks noChangeAspect="1" noChangeArrowheads="1"/>
           </p:cNvPicPr>
           <p:nvPr/>
         </p:nvPicPr>
         <p:blipFill>
-          <a:blip r:embed="rId2">
-            <a:extLst>
-              <a:ext uri="{28A0092B-C50C-407E-A947-70E740481C1C}">
-                <a14:useLocalDpi xmlns:a14="http://schemas.microsoft.com/office/drawing/2010/main" val="0"/>
-              </a:ext>
-            </a:extLst>
-          </a:blip>
+          <a:blip r:embed="rId2"/>
           <a:srcRect/>
           <a:stretch>
             <a:fillRect/>
@@ -18282,53 +18001,22 @@
         </p:blipFill>
         <p:spPr bwMode="auto">
           <a:xfrm>
-            <a:off x="4680445" y="2425319"/>
+            <a:off x="4679950" y="2425700"/>
             <a:ext cx="4038600" cy="3390900"/>
           </a:xfrm>
           <a:prstGeom prst="rect">
             <a:avLst/>
           </a:prstGeom>
           <a:noFill/>
-          <a:ln>
+          <a:ln w="9525">
             <a:noFill/>
+            <a:miter lim="800000"/>
+            <a:headEnd/>
+            <a:tailEnd/>
           </a:ln>
-          <a:effectLst/>
-          <a:extLst>
-            <a:ext uri="{909E8E84-426E-40DD-AFC4-6F175D3DCCD1}">
-              <a14:hiddenFill xmlns:a14="http://schemas.microsoft.com/office/drawing/2010/main">
-                <a:solidFill>
-                  <a:schemeClr val="accent1"/>
-                </a:solidFill>
-              </a14:hiddenFill>
-            </a:ext>
-            <a:ext uri="{91240B29-F687-4F45-9708-019B960494DF}">
-              <a14:hiddenLine xmlns:a14="http://schemas.microsoft.com/office/drawing/2010/main" w="9525">
-                <a:solidFill>
-                  <a:schemeClr val="tx1"/>
-                </a:solidFill>
-                <a:miter lim="800000"/>
-                <a:headEnd/>
-                <a:tailEnd/>
-              </a14:hiddenLine>
-            </a:ext>
-            <a:ext uri="{AF507438-7753-43E0-B8FC-AC1667EBCBE1}">
-              <a14:hiddenEffects xmlns:a14="http://schemas.microsoft.com/office/drawing/2010/main">
-                <a:effectLst>
-                  <a:outerShdw dist="35921" dir="2700000" algn="ctr" rotWithShape="0">
-                    <a:schemeClr val="bg2"/>
-                  </a:outerShdw>
-                </a:effectLst>
-              </a14:hiddenEffects>
-            </a:ext>
-          </a:extLst>
         </p:spPr>
       </p:pic>
     </p:spTree>
-    <p:extLst>
-      <p:ext uri="{BB962C8B-B14F-4D97-AF65-F5344CB8AC3E}">
-        <p14:creationId xmlns:p14="http://schemas.microsoft.com/office/powerpoint/2010/main" val="3984012859"/>
-      </p:ext>
-    </p:extLst>
   </p:cSld>
   <p:clrMapOvr>
     <a:masterClrMapping/>
@@ -18362,7 +18050,7 @@
       </p:grpSpPr>
       <p:sp>
         <p:nvSpPr>
-          <p:cNvPr id="52225" name="1 Título"/>
+          <p:cNvPr id="31745" name="1 Título"/>
           <p:cNvSpPr>
             <a:spLocks noGrp="1"/>
           </p:cNvSpPr>
@@ -18391,7 +18079,7 @@
       </p:sp>
       <p:sp>
         <p:nvSpPr>
-          <p:cNvPr id="52227" name="3 CuadroTexto"/>
+          <p:cNvPr id="31746" name="3 CuadroTexto"/>
           <p:cNvSpPr txBox="1">
             <a:spLocks noChangeArrowheads="1"/>
           </p:cNvSpPr>
@@ -18400,7 +18088,7 @@
         <p:spPr bwMode="auto">
           <a:xfrm>
             <a:off x="4489450" y="3713163"/>
-            <a:ext cx="4186238" cy="2677656"/>
+            <a:ext cx="4186238" cy="2678112"/>
           </a:xfrm>
           <a:prstGeom prst="rect">
             <a:avLst/>
@@ -18421,49 +18109,25 @@
           <a:p>
             <a:pPr algn="r"/>
             <a:r>
-              <a:rPr lang="es-PE" sz="2400" dirty="0" smtClean="0">
+              <a:rPr lang="es-PE" sz="2400">
                 <a:latin typeface="Candara" pitchFamily="34" charset="0"/>
               </a:rPr>
-              <a:t>Orlando </a:t>
-            </a:r>
-            <a:r>
-              <a:rPr lang="es-PE" sz="2400" dirty="0" err="1" smtClean="0">
+              <a:t>Orlando Sedamano Cornejo</a:t>
+            </a:r>
+          </a:p>
+          <a:p>
+            <a:pPr algn="r"/>
+            <a:r>
+              <a:rPr lang="es-PE" sz="2400">
                 <a:latin typeface="Candara" pitchFamily="34" charset="0"/>
               </a:rPr>
-              <a:t>Sedamano</a:t>
-            </a:r>
-            <a:r>
-              <a:rPr lang="es-PE" sz="2400" dirty="0" smtClean="0">
-                <a:latin typeface="Candara" pitchFamily="34" charset="0"/>
-              </a:rPr>
-              <a:t> Cornejo</a:t>
+              <a:t>Marco Bustinza </a:t>
             </a:r>
           </a:p>
           <a:p>
             <a:pPr algn="r"/>
             <a:r>
-              <a:rPr lang="es-PE" sz="2400" dirty="0" smtClean="0">
-                <a:latin typeface="Candara" pitchFamily="34" charset="0"/>
-              </a:rPr>
-              <a:t>Marco </a:t>
-            </a:r>
-            <a:r>
-              <a:rPr lang="es-PE" sz="2400" dirty="0" err="1" smtClean="0">
-                <a:latin typeface="Candara" pitchFamily="34" charset="0"/>
-              </a:rPr>
-              <a:t>Bustinza</a:t>
-            </a:r>
-            <a:r>
-              <a:rPr lang="es-PE" sz="2400" dirty="0" smtClean="0">
-                <a:latin typeface="Candara" pitchFamily="34" charset="0"/>
-              </a:rPr>
-              <a:t> </a:t>
-            </a:r>
-          </a:p>
-          <a:p>
-            <a:pPr algn="r"/>
-            <a:r>
-              <a:rPr lang="es-PE" sz="2400" dirty="0" smtClean="0">
+              <a:rPr lang="es-PE" sz="2400">
                 <a:latin typeface="Candara" pitchFamily="34" charset="0"/>
               </a:rPr>
               <a:t>Néstor Robles Cacha</a:t>
@@ -18472,46 +18136,25 @@
           <a:p>
             <a:pPr algn="r"/>
             <a:r>
-              <a:rPr lang="es-PE" sz="2400" dirty="0" smtClean="0">
+              <a:rPr lang="es-PE" sz="2400">
                 <a:latin typeface="Candara" pitchFamily="34" charset="0"/>
               </a:rPr>
-              <a:t>Gabriela Rojas </a:t>
-            </a:r>
-            <a:r>
-              <a:rPr lang="es-PE" sz="2400" dirty="0" err="1" smtClean="0">
+              <a:t>Gabriela Rojas Munive </a:t>
+            </a:r>
+          </a:p>
+          <a:p>
+            <a:pPr algn="r"/>
+            <a:r>
+              <a:rPr lang="es-PE" sz="2400">
                 <a:latin typeface="Candara" pitchFamily="34" charset="0"/>
               </a:rPr>
-              <a:t>Munive</a:t>
-            </a:r>
-            <a:r>
-              <a:rPr lang="es-PE" sz="2400" dirty="0" smtClean="0">
-                <a:latin typeface="Candara" pitchFamily="34" charset="0"/>
-              </a:rPr>
-              <a:t> </a:t>
+              <a:t>Paola Rojas Chicoma</a:t>
             </a:r>
           </a:p>
           <a:p>
             <a:pPr algn="r"/>
             <a:r>
-              <a:rPr lang="es-PE" sz="2400" dirty="0" smtClean="0">
-                <a:latin typeface="Candara" pitchFamily="34" charset="0"/>
-              </a:rPr>
-              <a:t>Paola Rojas </a:t>
-            </a:r>
-            <a:r>
-              <a:rPr lang="es-PE" sz="2400" dirty="0" err="1" smtClean="0">
-                <a:latin typeface="Candara" pitchFamily="34" charset="0"/>
-              </a:rPr>
-              <a:t>Chicoma</a:t>
-            </a:r>
-            <a:endParaRPr lang="es-PE" sz="2400" dirty="0" smtClean="0">
-              <a:latin typeface="Candara" pitchFamily="34" charset="0"/>
-            </a:endParaRPr>
-          </a:p>
-          <a:p>
-            <a:pPr algn="r"/>
-            <a:r>
-              <a:rPr lang="es-PE" sz="2400" dirty="0" smtClean="0">
+              <a:rPr lang="es-PE" sz="2400">
                 <a:latin typeface="Candara" pitchFamily="34" charset="0"/>
               </a:rPr>
               <a:t>Augusto Suárez Gutiérrez</a:t>
@@ -18519,7 +18162,7 @@
           </a:p>
           <a:p>
             <a:pPr algn="r"/>
-            <a:endParaRPr lang="es-PE" sz="2400" dirty="0">
+            <a:endParaRPr lang="es-PE" sz="2400">
               <a:solidFill>
                 <a:schemeClr val="bg1"/>
               </a:solidFill>
@@ -18530,7 +18173,7 @@
       </p:sp>
       <p:sp>
         <p:nvSpPr>
-          <p:cNvPr id="52228" name="4 CuadroTexto"/>
+          <p:cNvPr id="31747" name="4 CuadroTexto"/>
           <p:cNvSpPr txBox="1">
             <a:spLocks noChangeArrowheads="1"/>
           </p:cNvSpPr>
@@ -18613,7 +18256,7 @@
       </p:grpSpPr>
       <p:sp>
         <p:nvSpPr>
-          <p:cNvPr id="18433" name="2 Título"/>
+          <p:cNvPr id="16385" name="2 Título"/>
           <p:cNvSpPr>
             <a:spLocks noGrp="1"/>
           </p:cNvSpPr>
@@ -18633,7 +18276,7 @@
           <a:p>
             <a:pPr eaLnBrk="1" hangingPunct="1"/>
             <a:r>
-              <a:rPr lang="es-PE" b="1" dirty="0" smtClean="0">
+              <a:rPr lang="es-PE" b="1" smtClean="0">
                 <a:solidFill>
                   <a:schemeClr val="tx2"/>
                 </a:solidFill>
@@ -18670,29 +18313,36 @@
       </p:grpSpPr>
       <p:sp>
         <p:nvSpPr>
-          <p:cNvPr id="2" name="1 CuadroTexto"/>
-          <p:cNvSpPr txBox="1"/>
+          <p:cNvPr id="17409" name="1 CuadroTexto"/>
+          <p:cNvSpPr txBox="1">
+            <a:spLocks noChangeArrowheads="1"/>
+          </p:cNvSpPr>
           <p:nvPr/>
         </p:nvSpPr>
-        <p:spPr>
+        <p:spPr bwMode="auto">
           <a:xfrm>
-            <a:off x="251520" y="2420888"/>
-            <a:ext cx="8640960" cy="1938992"/>
+            <a:off x="250825" y="2420938"/>
+            <a:ext cx="8642350" cy="1938337"/>
           </a:xfrm>
           <a:prstGeom prst="rect">
             <a:avLst/>
           </a:prstGeom>
           <a:noFill/>
+          <a:ln w="9525">
+            <a:noFill/>
+            <a:miter lim="800000"/>
+            <a:headEnd/>
+            <a:tailEnd/>
+          </a:ln>
         </p:spPr>
         <p:txBody>
-          <a:bodyPr wrap="square" rtlCol="0">
+          <a:bodyPr>
             <a:spAutoFit/>
           </a:bodyPr>
           <a:lstStyle/>
           <a:p>
-            <a:pPr lvl="0"/>
-            <a:r>
-              <a:rPr lang="es-PE" sz="2000" b="1" i="1" u="sng" dirty="0" smtClean="0">
+            <a:r>
+              <a:rPr lang="es-PE" sz="2000" b="1" i="1" u="sng">
                 <a:solidFill>
                   <a:schemeClr val="tx2"/>
                 </a:solidFill>
@@ -18701,7 +18351,7 @@
               <a:t>OBSERVACIÓN</a:t>
             </a:r>
             <a:r>
-              <a:rPr lang="es-PE" sz="2000" i="1" dirty="0" smtClean="0">
+              <a:rPr lang="es-PE" sz="2000" i="1">
                 <a:solidFill>
                   <a:schemeClr val="tx2"/>
                 </a:solidFill>
@@ -18710,7 +18360,7 @@
               <a:t>: Las reglas de negocio </a:t>
             </a:r>
             <a:r>
-              <a:rPr lang="es-PE" sz="2000" b="1" i="1" dirty="0">
+              <a:rPr lang="es-PE" sz="2000" b="1" i="1">
                 <a:solidFill>
                   <a:schemeClr val="tx2"/>
                 </a:solidFill>
@@ -18719,7 +18369,7 @@
               <a:t>CC_RN002_Categoria_de_Tipos_de_Cliente </a:t>
             </a:r>
             <a:r>
-              <a:rPr lang="es-PE" sz="2000" i="1" dirty="0">
+              <a:rPr lang="es-PE" sz="2000" i="1">
                 <a:solidFill>
                   <a:schemeClr val="tx2"/>
                 </a:solidFill>
@@ -18728,25 +18378,16 @@
               <a:t>y</a:t>
             </a:r>
             <a:r>
-              <a:rPr lang="es-PE" sz="2000" b="1" i="1" dirty="0">
+              <a:rPr lang="es-PE" sz="2000" b="1" i="1">
                 <a:solidFill>
                   <a:schemeClr val="tx2"/>
                 </a:solidFill>
                 <a:latin typeface="Candara" pitchFamily="34" charset="0"/>
               </a:rPr>
-              <a:t> </a:t>
-            </a:r>
-            <a:r>
-              <a:rPr lang="es-PE" sz="2000" b="1" i="1" dirty="0" smtClean="0">
-                <a:solidFill>
-                  <a:schemeClr val="tx2"/>
-                </a:solidFill>
-                <a:latin typeface="Candara" pitchFamily="34" charset="0"/>
-              </a:rPr>
-              <a:t>CC_RN003_Tipos_de_Servicio</a:t>
-            </a:r>
-            <a:r>
-              <a:rPr lang="es-PE" sz="2000" i="1" dirty="0" smtClean="0">
+              <a:t> CC_RN003_Tipos_de_Servicio</a:t>
+            </a:r>
+            <a:r>
+              <a:rPr lang="es-PE" sz="2000" i="1">
                 <a:solidFill>
                   <a:schemeClr val="tx2"/>
                 </a:solidFill>
@@ -18756,8 +18397,7 @@
             </a:r>
           </a:p>
           <a:p>
-            <a:pPr lvl="0"/>
-            <a:endParaRPr lang="es-PE" sz="2000" i="1" dirty="0" smtClean="0">
+            <a:endParaRPr lang="es-PE" sz="2000" i="1">
               <a:solidFill>
                 <a:schemeClr val="tx2"/>
               </a:solidFill>
@@ -18766,7 +18406,7 @@
           </a:p>
           <a:p>
             <a:r>
-              <a:rPr lang="en-US" sz="2000" b="1" i="1" u="sng" dirty="0" smtClean="0">
+              <a:rPr lang="en-US" sz="2000" b="1" i="1" u="sng">
                 <a:solidFill>
                   <a:srgbClr val="0070C0"/>
                 </a:solidFill>
@@ -18775,87 +18415,15 @@
               <a:t>CORRECCIÓN</a:t>
             </a:r>
             <a:r>
-              <a:rPr lang="en-US" sz="2000" i="1" dirty="0" smtClean="0">
+              <a:rPr lang="en-US" sz="2000" i="1">
                 <a:solidFill>
                   <a:srgbClr val="0070C0"/>
                 </a:solidFill>
                 <a:latin typeface="Candara" pitchFamily="34" charset="0"/>
               </a:rPr>
-              <a:t>: </a:t>
-            </a:r>
-            <a:r>
-              <a:rPr lang="en-US" sz="2000" i="1" dirty="0" err="1" smtClean="0">
-                <a:solidFill>
-                  <a:srgbClr val="0070C0"/>
-                </a:solidFill>
-                <a:latin typeface="Candara" pitchFamily="34" charset="0"/>
-              </a:rPr>
-              <a:t>Ya</a:t>
-            </a:r>
-            <a:r>
-              <a:rPr lang="en-US" sz="2000" i="1" dirty="0" smtClean="0">
-                <a:solidFill>
-                  <a:srgbClr val="0070C0"/>
-                </a:solidFill>
-                <a:latin typeface="Candara" pitchFamily="34" charset="0"/>
-              </a:rPr>
-              <a:t> no </a:t>
-            </a:r>
-            <a:r>
-              <a:rPr lang="en-US" sz="2000" i="1" dirty="0" err="1" smtClean="0">
-                <a:solidFill>
-                  <a:srgbClr val="0070C0"/>
-                </a:solidFill>
-                <a:latin typeface="Candara" pitchFamily="34" charset="0"/>
-              </a:rPr>
-              <a:t>serán</a:t>
-            </a:r>
-            <a:r>
-              <a:rPr lang="en-US" sz="2000" i="1" dirty="0" smtClean="0">
-                <a:solidFill>
-                  <a:srgbClr val="0070C0"/>
-                </a:solidFill>
-                <a:latin typeface="Candara" pitchFamily="34" charset="0"/>
-              </a:rPr>
-              <a:t> </a:t>
-            </a:r>
-            <a:r>
-              <a:rPr lang="en-US" sz="2000" i="1" dirty="0" err="1" smtClean="0">
-                <a:solidFill>
-                  <a:srgbClr val="0070C0"/>
-                </a:solidFill>
-                <a:latin typeface="Candara" pitchFamily="34" charset="0"/>
-              </a:rPr>
-              <a:t>reglas</a:t>
-            </a:r>
-            <a:r>
-              <a:rPr lang="en-US" sz="2000" i="1" dirty="0" smtClean="0">
-                <a:solidFill>
-                  <a:srgbClr val="0070C0"/>
-                </a:solidFill>
-                <a:latin typeface="Candara" pitchFamily="34" charset="0"/>
-              </a:rPr>
-              <a:t> de </a:t>
-            </a:r>
-            <a:r>
-              <a:rPr lang="en-US" sz="2000" i="1" dirty="0" err="1" smtClean="0">
-                <a:solidFill>
-                  <a:srgbClr val="0070C0"/>
-                </a:solidFill>
-                <a:latin typeface="Candara" pitchFamily="34" charset="0"/>
-              </a:rPr>
-              <a:t>negocio</a:t>
-            </a:r>
-            <a:r>
-              <a:rPr lang="en-US" sz="2000" i="1" dirty="0" smtClean="0">
-                <a:solidFill>
-                  <a:srgbClr val="0070C0"/>
-                </a:solidFill>
-                <a:latin typeface="Candara" pitchFamily="34" charset="0"/>
-              </a:rPr>
-              <a:t>.</a:t>
-            </a:r>
-            <a:endParaRPr lang="en-US" sz="2000" b="1" i="1" dirty="0" smtClean="0">
+              <a:t>: Ya no serán reglas de negocio.</a:t>
+            </a:r>
+            <a:endParaRPr lang="en-US" sz="2000" b="1" i="1">
               <a:solidFill>
                 <a:srgbClr val="0070C0"/>
               </a:solidFill>
@@ -18863,8 +18431,7 @@
             </a:endParaRPr>
           </a:p>
           <a:p>
-            <a:pPr lvl="0"/>
-            <a:endParaRPr lang="es-PE" sz="2000" i="1" dirty="0" smtClean="0">
+            <a:endParaRPr lang="es-PE" sz="2000" i="1">
               <a:solidFill>
                 <a:schemeClr val="tx2"/>
               </a:solidFill>
@@ -18872,8 +18439,7 @@
             </a:endParaRPr>
           </a:p>
           <a:p>
-            <a:pPr lvl="0"/>
-            <a:endParaRPr lang="en-US" sz="2000" b="1" i="1" dirty="0" smtClean="0">
+            <a:endParaRPr lang="en-US" sz="2000" b="1" i="1">
               <a:solidFill>
                 <a:schemeClr val="tx2"/>
               </a:solidFill>
@@ -18907,33 +18473,19 @@
           </a:ln>
         </p:spPr>
         <p:txBody>
-          <a:bodyPr vert="horz" wrap="square" lIns="91440" tIns="45720" rIns="91440" bIns="45720" numCol="1" rtlCol="0" anchor="ctr" anchorCtr="0" compatLnSpc="1">
-            <a:prstTxWarp prst="textNoShape">
-              <a:avLst/>
-            </a:prstTxWarp>
+          <a:bodyPr anchor="ctr">
             <a:normAutofit fontScale="97500"/>
           </a:bodyPr>
           <a:lstStyle/>
           <a:p>
-            <a:pPr marL="0" marR="0" lvl="0" indent="0" algn="ctr" defTabSz="914400" rtl="0" eaLnBrk="1" fontAlgn="auto" latinLnBrk="0" hangingPunct="1">
-              <a:lnSpc>
-                <a:spcPct val="100000"/>
-              </a:lnSpc>
-              <a:spcBef>
-                <a:spcPct val="0"/>
-              </a:spcBef>
+            <a:pPr algn="ctr" fontAlgn="auto">
               <a:spcAft>
                 <a:spcPts val="0"/>
               </a:spcAft>
-              <a:buClrTx/>
-              <a:buSzTx/>
-              <a:buFontTx/>
-              <a:buNone/>
-              <a:tabLst/>
               <a:defRPr/>
             </a:pPr>
             <a:r>
-              <a:rPr lang="en-US" sz="4400" dirty="0" smtClean="0">
+              <a:rPr lang="en-US" sz="4400" dirty="0">
                 <a:solidFill>
                   <a:srgbClr val="FFFFFF"/>
                 </a:solidFill>
@@ -18943,16 +18495,10 @@
               </a:rPr>
               <a:t>REGLAS DEL NEGOCIO</a:t>
             </a:r>
-            <a:endParaRPr kumimoji="0" lang="es-PE" sz="4400" b="0" i="0" u="none" strike="noStrike" kern="1200" cap="none" spc="0" normalizeH="0" baseline="0" noProof="0" dirty="0">
-              <a:ln>
-                <a:noFill/>
-              </a:ln>
+            <a:endParaRPr lang="es-PE" sz="4400" dirty="0">
               <a:solidFill>
                 <a:srgbClr val="FFFFFF"/>
               </a:solidFill>
-              <a:effectLst/>
-              <a:uLnTx/>
-              <a:uFillTx/>
               <a:latin typeface="+mj-lt"/>
               <a:ea typeface="+mj-ea"/>
               <a:cs typeface="+mj-cs"/>
@@ -18987,28 +18533,36 @@
       </p:grpSpPr>
       <p:sp>
         <p:nvSpPr>
-          <p:cNvPr id="2" name="1 CuadroTexto"/>
-          <p:cNvSpPr txBox="1"/>
+          <p:cNvPr id="18433" name="1 CuadroTexto"/>
+          <p:cNvSpPr txBox="1">
+            <a:spLocks noChangeArrowheads="1"/>
+          </p:cNvSpPr>
           <p:nvPr/>
         </p:nvSpPr>
-        <p:spPr>
+        <p:spPr bwMode="auto">
           <a:xfrm>
-            <a:off x="251520" y="2420888"/>
-            <a:ext cx="8640960" cy="2246769"/>
+            <a:off x="250825" y="2420938"/>
+            <a:ext cx="8642350" cy="2246312"/>
           </a:xfrm>
           <a:prstGeom prst="rect">
             <a:avLst/>
           </a:prstGeom>
           <a:noFill/>
+          <a:ln w="9525">
+            <a:noFill/>
+            <a:miter lim="800000"/>
+            <a:headEnd/>
+            <a:tailEnd/>
+          </a:ln>
         </p:spPr>
         <p:txBody>
-          <a:bodyPr wrap="square" rtlCol="0">
+          <a:bodyPr>
             <a:spAutoFit/>
           </a:bodyPr>
           <a:lstStyle/>
           <a:p>
             <a:r>
-              <a:rPr lang="es-PE" sz="2000" b="1" i="1" u="sng" dirty="0" smtClean="0">
+              <a:rPr lang="es-PE" sz="2000" b="1" i="1" u="sng">
                 <a:solidFill>
                   <a:schemeClr val="tx2"/>
                 </a:solidFill>
@@ -19017,7 +18571,7 @@
               <a:t>OBSERVACIÓN</a:t>
             </a:r>
             <a:r>
-              <a:rPr lang="es-PE" sz="2000" b="1" i="1" dirty="0" smtClean="0">
+              <a:rPr lang="es-PE" sz="2000" b="1" i="1">
                 <a:solidFill>
                   <a:schemeClr val="tx2"/>
                 </a:solidFill>
@@ -19026,11 +18580,11 @@
               <a:t>: No se han analizados los actores</a:t>
             </a:r>
             <a:r>
-              <a:rPr lang="es-PE" sz="2000" b="1" dirty="0" smtClean="0"/>
+              <a:rPr lang="es-PE" sz="2000" b="1"/>
               <a:t> </a:t>
             </a:r>
             <a:r>
-              <a:rPr lang="es-PE" sz="2000" b="1" i="1" dirty="0" smtClean="0">
+              <a:rPr lang="es-PE" sz="2000" b="1" i="1">
                 <a:solidFill>
                   <a:schemeClr val="tx2"/>
                 </a:solidFill>
@@ -19039,11 +18593,11 @@
               <a:t>CC_AN001_Gestor_Requerimiento</a:t>
             </a:r>
             <a:r>
-              <a:rPr lang="es-PE" sz="2000" b="1" dirty="0" smtClean="0"/>
+              <a:rPr lang="es-PE" sz="2000" b="1"/>
               <a:t> </a:t>
             </a:r>
             <a:r>
-              <a:rPr lang="en-US" sz="2000" b="1" i="1" dirty="0" smtClean="0">
+              <a:rPr lang="en-US" sz="2000" b="1" i="1">
                 <a:solidFill>
                   <a:schemeClr val="tx2"/>
                 </a:solidFill>
@@ -19052,7 +18606,7 @@
               <a:t>y </a:t>
             </a:r>
             <a:r>
-              <a:rPr lang="es-PE" sz="2000" b="1" i="1" dirty="0" smtClean="0">
+              <a:rPr lang="es-PE" sz="2000" b="1" i="1">
                 <a:solidFill>
                   <a:schemeClr val="tx2"/>
                 </a:solidFill>
@@ -19062,7 +18616,7 @@
             </a:r>
           </a:p>
           <a:p>
-            <a:endParaRPr lang="es-PE" sz="2000" b="1" i="1" dirty="0" smtClean="0">
+            <a:endParaRPr lang="es-PE" sz="2000" b="1" i="1">
               <a:solidFill>
                 <a:schemeClr val="tx2"/>
               </a:solidFill>
@@ -19070,9 +18624,9 @@
             </a:endParaRPr>
           </a:p>
           <a:p>
-            <a:pPr lvl="0" algn="just"/>
-            <a:r>
-              <a:rPr lang="en-US" sz="2000" b="1" i="1" u="sng" dirty="0" smtClean="0">
+            <a:pPr algn="just"/>
+            <a:r>
+              <a:rPr lang="en-US" sz="2000" b="1" i="1" u="sng">
                 <a:solidFill>
                   <a:srgbClr val="0070C0"/>
                 </a:solidFill>
@@ -19081,7 +18635,7 @@
               <a:t>COMENTARIO</a:t>
             </a:r>
             <a:r>
-              <a:rPr lang="en-US" sz="2000" b="1" i="1" dirty="0" smtClean="0">
+              <a:rPr lang="en-US" sz="2000" b="1" i="1">
                 <a:solidFill>
                   <a:srgbClr val="0070C0"/>
                 </a:solidFill>
@@ -19090,124 +18644,16 @@
               <a:t>:</a:t>
             </a:r>
             <a:r>
-              <a:rPr lang="en-US" sz="2000" i="1" dirty="0" smtClean="0">
+              <a:rPr lang="en-US" sz="2000" i="1">
                 <a:solidFill>
                   <a:srgbClr val="0070C0"/>
                 </a:solidFill>
                 <a:latin typeface="Candara" pitchFamily="34" charset="0"/>
               </a:rPr>
-              <a:t> </a:t>
-            </a:r>
-            <a:r>
-              <a:rPr lang="en-US" sz="2000" i="1" dirty="0" err="1">
-                <a:solidFill>
-                  <a:srgbClr val="0070C0"/>
-                </a:solidFill>
-                <a:latin typeface="Candara" pitchFamily="34" charset="0"/>
-              </a:rPr>
-              <a:t>Estos</a:t>
-            </a:r>
-            <a:r>
-              <a:rPr lang="en-US" sz="2000" i="1" dirty="0">
-                <a:solidFill>
-                  <a:srgbClr val="0070C0"/>
-                </a:solidFill>
-                <a:latin typeface="Candara" pitchFamily="34" charset="0"/>
-              </a:rPr>
-              <a:t> </a:t>
-            </a:r>
-            <a:r>
-              <a:rPr lang="en-US" sz="2000" i="1" dirty="0" err="1">
-                <a:solidFill>
-                  <a:srgbClr val="0070C0"/>
-                </a:solidFill>
-                <a:latin typeface="Candara" pitchFamily="34" charset="0"/>
-              </a:rPr>
-              <a:t>actores</a:t>
-            </a:r>
-            <a:r>
-              <a:rPr lang="en-US" sz="2000" i="1" dirty="0">
-                <a:solidFill>
-                  <a:srgbClr val="0070C0"/>
-                </a:solidFill>
-                <a:latin typeface="Candara" pitchFamily="34" charset="0"/>
-              </a:rPr>
-              <a:t> </a:t>
-            </a:r>
-            <a:r>
-              <a:rPr lang="en-US" sz="2000" i="1" dirty="0" err="1">
-                <a:solidFill>
-                  <a:srgbClr val="0070C0"/>
-                </a:solidFill>
-                <a:latin typeface="Candara" pitchFamily="34" charset="0"/>
-              </a:rPr>
-              <a:t>provienen</a:t>
-            </a:r>
-            <a:r>
-              <a:rPr lang="en-US" sz="2000" i="1" dirty="0">
-                <a:solidFill>
-                  <a:srgbClr val="0070C0"/>
-                </a:solidFill>
-                <a:latin typeface="Candara" pitchFamily="34" charset="0"/>
-              </a:rPr>
-              <a:t> del modulo de </a:t>
-            </a:r>
-            <a:r>
-              <a:rPr lang="en-US" sz="2000" i="1" dirty="0" err="1">
-                <a:solidFill>
-                  <a:srgbClr val="0070C0"/>
-                </a:solidFill>
-                <a:latin typeface="Candara" pitchFamily="34" charset="0"/>
-              </a:rPr>
-              <a:t>Gestión</a:t>
-            </a:r>
-            <a:r>
-              <a:rPr lang="en-US" sz="2000" i="1" dirty="0">
-                <a:solidFill>
-                  <a:srgbClr val="0070C0"/>
-                </a:solidFill>
-                <a:latin typeface="Candara" pitchFamily="34" charset="0"/>
-              </a:rPr>
-              <a:t> de </a:t>
-            </a:r>
-            <a:r>
-              <a:rPr lang="en-US" sz="2000" i="1" dirty="0" err="1">
-                <a:solidFill>
-                  <a:srgbClr val="0070C0"/>
-                </a:solidFill>
-                <a:latin typeface="Candara" pitchFamily="34" charset="0"/>
-              </a:rPr>
-              <a:t>Requerimientos</a:t>
-            </a:r>
-            <a:r>
-              <a:rPr lang="en-US" sz="2000" i="1" dirty="0">
-                <a:solidFill>
-                  <a:srgbClr val="0070C0"/>
-                </a:solidFill>
-                <a:latin typeface="Candara" pitchFamily="34" charset="0"/>
-              </a:rPr>
-              <a:t> y </a:t>
-            </a:r>
-            <a:r>
-              <a:rPr lang="en-US" sz="2000" i="1" dirty="0" err="1">
-                <a:solidFill>
-                  <a:srgbClr val="0070C0"/>
-                </a:solidFill>
-                <a:latin typeface="Candara" pitchFamily="34" charset="0"/>
-              </a:rPr>
-              <a:t>Gestión</a:t>
-            </a:r>
-            <a:r>
-              <a:rPr lang="en-US" sz="2000" i="1" dirty="0">
-                <a:solidFill>
-                  <a:srgbClr val="0070C0"/>
-                </a:solidFill>
-                <a:latin typeface="Candara" pitchFamily="34" charset="0"/>
-              </a:rPr>
-              <a:t> de </a:t>
-            </a:r>
-            <a:r>
-              <a:rPr lang="es-PE" sz="2000" i="1" dirty="0">
+              <a:t> Estos actores provienen del modulo de Gestión de Requerimientos y Gestión de </a:t>
+            </a:r>
+            <a:r>
+              <a:rPr lang="es-PE" sz="2000" i="1">
                 <a:solidFill>
                   <a:srgbClr val="0070C0"/>
                 </a:solidFill>
@@ -19216,7 +18662,7 @@
               <a:t>Cambios</a:t>
             </a:r>
             <a:r>
-              <a:rPr lang="en-US" sz="2000" i="1" dirty="0">
+              <a:rPr lang="en-US" sz="2000" i="1">
                 <a:solidFill>
                   <a:srgbClr val="0070C0"/>
                 </a:solidFill>
@@ -19225,7 +18671,7 @@
               <a:t>, los </a:t>
             </a:r>
             <a:r>
-              <a:rPr lang="es-PE" sz="2000" i="1" dirty="0">
+              <a:rPr lang="es-PE" sz="2000" i="1">
                 <a:solidFill>
                   <a:srgbClr val="0070C0"/>
                 </a:solidFill>
@@ -19234,108 +18680,17 @@
               <a:t>cuales</a:t>
             </a:r>
             <a:r>
-              <a:rPr lang="en-US" sz="2000" i="1" dirty="0">
+              <a:rPr lang="en-US" sz="2000" i="1">
                 <a:solidFill>
                   <a:srgbClr val="0070C0"/>
                 </a:solidFill>
                 <a:latin typeface="Candara" pitchFamily="34" charset="0"/>
               </a:rPr>
-              <a:t> </a:t>
-            </a:r>
-            <a:r>
-              <a:rPr lang="en-US" sz="2000" i="1" dirty="0" err="1">
-                <a:solidFill>
-                  <a:srgbClr val="0070C0"/>
-                </a:solidFill>
-                <a:latin typeface="Candara" pitchFamily="34" charset="0"/>
-              </a:rPr>
-              <a:t>envian</a:t>
-            </a:r>
-            <a:r>
-              <a:rPr lang="en-US" sz="2000" i="1" dirty="0">
-                <a:solidFill>
-                  <a:srgbClr val="0070C0"/>
-                </a:solidFill>
-                <a:latin typeface="Candara" pitchFamily="34" charset="0"/>
-              </a:rPr>
-              <a:t> </a:t>
-            </a:r>
-            <a:r>
-              <a:rPr lang="en-US" sz="2000" i="1" dirty="0" err="1">
-                <a:solidFill>
-                  <a:srgbClr val="0070C0"/>
-                </a:solidFill>
-                <a:latin typeface="Candara" pitchFamily="34" charset="0"/>
-              </a:rPr>
-              <a:t>las</a:t>
-            </a:r>
-            <a:r>
-              <a:rPr lang="en-US" sz="2000" i="1" dirty="0">
-                <a:solidFill>
-                  <a:srgbClr val="0070C0"/>
-                </a:solidFill>
-                <a:latin typeface="Candara" pitchFamily="34" charset="0"/>
-              </a:rPr>
-              <a:t> solicitudes de </a:t>
-            </a:r>
-            <a:r>
-              <a:rPr lang="en-US" sz="2000" i="1" dirty="0" err="1">
-                <a:solidFill>
-                  <a:srgbClr val="0070C0"/>
-                </a:solidFill>
-                <a:latin typeface="Candara" pitchFamily="34" charset="0"/>
-              </a:rPr>
-              <a:t>requerimientos</a:t>
-            </a:r>
-            <a:r>
-              <a:rPr lang="en-US" sz="2000" i="1" dirty="0">
-                <a:solidFill>
-                  <a:srgbClr val="0070C0"/>
-                </a:solidFill>
-                <a:latin typeface="Candara" pitchFamily="34" charset="0"/>
-              </a:rPr>
-              <a:t> y </a:t>
-            </a:r>
-            <a:r>
-              <a:rPr lang="en-US" sz="2000" i="1" dirty="0" err="1">
-                <a:solidFill>
-                  <a:srgbClr val="0070C0"/>
-                </a:solidFill>
-                <a:latin typeface="Candara" pitchFamily="34" charset="0"/>
-              </a:rPr>
-              <a:t>cambios</a:t>
-            </a:r>
-            <a:r>
-              <a:rPr lang="en-US" sz="2000" i="1" dirty="0">
-                <a:solidFill>
-                  <a:srgbClr val="0070C0"/>
-                </a:solidFill>
-                <a:latin typeface="Candara" pitchFamily="34" charset="0"/>
-              </a:rPr>
-              <a:t> </a:t>
-            </a:r>
-            <a:r>
-              <a:rPr lang="en-US" sz="2000" i="1" dirty="0" err="1">
-                <a:solidFill>
-                  <a:srgbClr val="0070C0"/>
-                </a:solidFill>
-                <a:latin typeface="Candara" pitchFamily="34" charset="0"/>
-              </a:rPr>
-              <a:t>respectivamente</a:t>
-            </a:r>
-            <a:r>
-              <a:rPr lang="en-US" sz="2000" i="1" dirty="0">
-                <a:solidFill>
-                  <a:srgbClr val="0070C0"/>
-                </a:solidFill>
-                <a:latin typeface="Candara" pitchFamily="34" charset="0"/>
-              </a:rPr>
-              <a:t>.</a:t>
-            </a:r>
-          </a:p>
-          <a:p>
-            <a:pPr lvl="0"/>
-            <a:endParaRPr lang="en-US" sz="2000" b="1" i="1" dirty="0" smtClean="0">
+              <a:t> envian las solicitudes de requerimientos y cambios respectivamente.</a:t>
+            </a:r>
+          </a:p>
+          <a:p>
+            <a:endParaRPr lang="en-US" sz="2000" b="1" i="1">
               <a:solidFill>
                 <a:schemeClr val="tx2"/>
               </a:solidFill>
@@ -19369,33 +18724,19 @@
           </a:ln>
         </p:spPr>
         <p:txBody>
-          <a:bodyPr vert="horz" wrap="square" lIns="91440" tIns="45720" rIns="91440" bIns="45720" numCol="1" rtlCol="0" anchor="ctr" anchorCtr="0" compatLnSpc="1">
-            <a:prstTxWarp prst="textNoShape">
-              <a:avLst/>
-            </a:prstTxWarp>
+          <a:bodyPr anchor="ctr">
             <a:normAutofit fontScale="97500"/>
           </a:bodyPr>
           <a:lstStyle/>
           <a:p>
-            <a:pPr marL="0" marR="0" lvl="0" indent="0" algn="ctr" defTabSz="914400" rtl="0" eaLnBrk="1" fontAlgn="auto" latinLnBrk="0" hangingPunct="1">
-              <a:lnSpc>
-                <a:spcPct val="100000"/>
-              </a:lnSpc>
-              <a:spcBef>
-                <a:spcPct val="0"/>
-              </a:spcBef>
+            <a:pPr algn="ctr" fontAlgn="auto">
               <a:spcAft>
                 <a:spcPts val="0"/>
               </a:spcAft>
-              <a:buClrTx/>
-              <a:buSzTx/>
-              <a:buFontTx/>
-              <a:buNone/>
-              <a:tabLst/>
               <a:defRPr/>
             </a:pPr>
             <a:r>
-              <a:rPr lang="en-US" sz="4400" dirty="0" smtClean="0">
+              <a:rPr lang="en-US" sz="4400" dirty="0">
                 <a:solidFill>
                   <a:srgbClr val="FFFFFF"/>
                 </a:solidFill>
@@ -19405,16 +18746,10 @@
               </a:rPr>
               <a:t>ACTORES DEL NEGOCIO</a:t>
             </a:r>
-            <a:endParaRPr kumimoji="0" lang="es-PE" sz="4400" b="0" i="0" u="none" strike="noStrike" kern="1200" cap="none" spc="0" normalizeH="0" baseline="0" noProof="0" dirty="0">
-              <a:ln>
-                <a:noFill/>
-              </a:ln>
+            <a:endParaRPr lang="es-PE" sz="4400" dirty="0">
               <a:solidFill>
                 <a:srgbClr val="FFFFFF"/>
               </a:solidFill>
-              <a:effectLst/>
-              <a:uLnTx/>
-              <a:uFillTx/>
               <a:latin typeface="+mj-lt"/>
               <a:ea typeface="+mj-ea"/>
               <a:cs typeface="+mj-cs"/>
@@ -19423,11 +18758,6 @@
         </p:txBody>
       </p:sp>
     </p:spTree>
-    <p:extLst>
-      <p:ext uri="{BB962C8B-B14F-4D97-AF65-F5344CB8AC3E}">
-        <p14:creationId xmlns:p14="http://schemas.microsoft.com/office/powerpoint/2010/main" val="3311823230"/>
-      </p:ext>
-    </p:extLst>
   </p:cSld>
   <p:clrMapOvr>
     <a:masterClrMapping/>
@@ -19454,29 +18784,36 @@
       </p:grpSpPr>
       <p:sp>
         <p:nvSpPr>
-          <p:cNvPr id="2" name="1 CuadroTexto"/>
-          <p:cNvSpPr txBox="1"/>
+          <p:cNvPr id="19457" name="1 CuadroTexto"/>
+          <p:cNvSpPr txBox="1">
+            <a:spLocks noChangeArrowheads="1"/>
+          </p:cNvSpPr>
           <p:nvPr/>
         </p:nvSpPr>
-        <p:spPr>
+        <p:spPr bwMode="auto">
           <a:xfrm>
-            <a:off x="251520" y="2420888"/>
-            <a:ext cx="8640960" cy="1015663"/>
+            <a:off x="250825" y="2420938"/>
+            <a:ext cx="8642350" cy="1016000"/>
           </a:xfrm>
           <a:prstGeom prst="rect">
             <a:avLst/>
           </a:prstGeom>
           <a:noFill/>
+          <a:ln w="9525">
+            <a:noFill/>
+            <a:miter lim="800000"/>
+            <a:headEnd/>
+            <a:tailEnd/>
+          </a:ln>
         </p:spPr>
         <p:txBody>
-          <a:bodyPr wrap="square" rtlCol="0">
+          <a:bodyPr>
             <a:spAutoFit/>
           </a:bodyPr>
           <a:lstStyle/>
           <a:p>
-            <a:pPr lvl="0"/>
-            <a:r>
-              <a:rPr lang="es-PE" sz="2000" b="1" i="1" u="sng" dirty="0" smtClean="0">
+            <a:r>
+              <a:rPr lang="es-PE" sz="2000" b="1" i="1" u="sng">
                 <a:solidFill>
                   <a:schemeClr val="tx2"/>
                 </a:solidFill>
@@ -19485,7 +18822,7 @@
               <a:t>OBSERVACIÓN</a:t>
             </a:r>
             <a:r>
-              <a:rPr lang="es-PE" sz="2000" b="1" i="1" dirty="0" smtClean="0">
+              <a:rPr lang="es-PE" sz="2000" b="1" i="1">
                 <a:solidFill>
                   <a:schemeClr val="tx2"/>
                 </a:solidFill>
@@ -19494,7 +18831,7 @@
               <a:t>: </a:t>
             </a:r>
             <a:r>
-              <a:rPr lang="es-PE" sz="2000" i="1" dirty="0" smtClean="0">
+              <a:rPr lang="es-PE" sz="2000" i="1">
                 <a:solidFill>
                   <a:schemeClr val="tx2"/>
                 </a:solidFill>
@@ -19504,8 +18841,7 @@
             </a:r>
           </a:p>
           <a:p>
-            <a:pPr lvl="0"/>
-            <a:endParaRPr lang="es-PE" sz="2000" i="1" dirty="0" smtClean="0">
+            <a:endParaRPr lang="es-PE" sz="2000" i="1">
               <a:solidFill>
                 <a:schemeClr val="tx2"/>
               </a:solidFill>
@@ -19514,7 +18850,7 @@
           </a:p>
           <a:p>
             <a:r>
-              <a:rPr lang="es-PE" sz="2000" b="1" i="1" u="sng" dirty="0" smtClean="0">
+              <a:rPr lang="es-PE" sz="2000" b="1" i="1" u="sng">
                 <a:solidFill>
                   <a:srgbClr val="0070C0"/>
                 </a:solidFill>
@@ -19523,7 +18859,7 @@
               <a:t>CORRECCIÓN</a:t>
             </a:r>
             <a:r>
-              <a:rPr lang="es-PE" sz="2000" b="1" i="1" dirty="0" smtClean="0">
+              <a:rPr lang="es-PE" sz="2000" b="1" i="1">
                 <a:solidFill>
                   <a:srgbClr val="0070C0"/>
                 </a:solidFill>
@@ -19532,51 +18868,15 @@
               <a:t>: </a:t>
             </a:r>
             <a:r>
-              <a:rPr lang="es-PE" sz="2000" i="1" dirty="0" smtClean="0">
+              <a:rPr lang="es-PE" sz="2000" i="1">
                 <a:solidFill>
                   <a:srgbClr val="0070C0"/>
                 </a:solidFill>
                 <a:latin typeface="Candara" pitchFamily="34" charset="0"/>
               </a:rPr>
-              <a:t>Se agrego </a:t>
-            </a:r>
-            <a:r>
-              <a:rPr lang="es-PE" sz="2000" i="1" dirty="0" smtClean="0">
-                <a:solidFill>
-                  <a:srgbClr val="0070C0"/>
-                </a:solidFill>
-                <a:latin typeface="Candara" pitchFamily="34" charset="0"/>
-              </a:rPr>
-              <a:t>el </a:t>
-            </a:r>
-            <a:r>
-              <a:rPr lang="es-PE" sz="2000" i="1" dirty="0" smtClean="0">
-                <a:solidFill>
-                  <a:srgbClr val="0070C0"/>
-                </a:solidFill>
-                <a:latin typeface="Candara" pitchFamily="34" charset="0"/>
-              </a:rPr>
-              <a:t>gráfico </a:t>
-            </a:r>
-            <a:r>
-              <a:rPr lang="es-PE" sz="2000" i="1" dirty="0" smtClean="0">
-                <a:solidFill>
-                  <a:srgbClr val="0070C0"/>
-                </a:solidFill>
-                <a:latin typeface="Candara" pitchFamily="34" charset="0"/>
-              </a:rPr>
-              <a:t>de </a:t>
-            </a:r>
-            <a:r>
-              <a:rPr lang="es-PE" sz="2000" i="1" dirty="0" smtClean="0">
-                <a:solidFill>
-                  <a:srgbClr val="0070C0"/>
-                </a:solidFill>
-                <a:latin typeface="Candara" pitchFamily="34" charset="0"/>
-              </a:rPr>
-              <a:t>generalización.</a:t>
-            </a:r>
-            <a:endParaRPr lang="es-PE" sz="2000" b="1" i="1" dirty="0" smtClean="0">
+              <a:t>Se agrego el gráfico de generalización.</a:t>
+            </a:r>
+            <a:endParaRPr lang="es-PE" sz="2000" b="1" i="1">
               <a:solidFill>
                 <a:srgbClr val="0070C0"/>
               </a:solidFill>
@@ -19610,33 +18910,19 @@
           </a:ln>
         </p:spPr>
         <p:txBody>
-          <a:bodyPr vert="horz" wrap="square" lIns="91440" tIns="45720" rIns="91440" bIns="45720" numCol="1" rtlCol="0" anchor="ctr" anchorCtr="0" compatLnSpc="1">
-            <a:prstTxWarp prst="textNoShape">
-              <a:avLst/>
-            </a:prstTxWarp>
+          <a:bodyPr anchor="ctr">
             <a:normAutofit fontScale="90000" lnSpcReduction="10000"/>
           </a:bodyPr>
           <a:lstStyle/>
           <a:p>
-            <a:pPr marL="0" marR="0" lvl="0" indent="0" algn="ctr" defTabSz="914400" rtl="0" eaLnBrk="1" fontAlgn="auto" latinLnBrk="0" hangingPunct="1">
-              <a:lnSpc>
-                <a:spcPct val="100000"/>
-              </a:lnSpc>
-              <a:spcBef>
-                <a:spcPct val="0"/>
-              </a:spcBef>
+            <a:pPr algn="ctr" fontAlgn="auto">
               <a:spcAft>
                 <a:spcPts val="0"/>
               </a:spcAft>
-              <a:buClrTx/>
-              <a:buSzTx/>
-              <a:buFontTx/>
-              <a:buNone/>
-              <a:tabLst/>
               <a:defRPr/>
             </a:pPr>
             <a:r>
-              <a:rPr lang="en-US" sz="4400" dirty="0" smtClean="0">
+              <a:rPr lang="en-US" sz="4400" dirty="0">
                 <a:solidFill>
                   <a:srgbClr val="FFFFFF"/>
                 </a:solidFill>
@@ -19646,16 +18932,10 @@
               </a:rPr>
               <a:t>DIAGRAMA DE CASOS DE USO DEL NEGOCIO</a:t>
             </a:r>
-            <a:endParaRPr kumimoji="0" lang="es-PE" sz="4400" b="0" i="0" u="none" strike="noStrike" kern="1200" cap="none" spc="0" normalizeH="0" baseline="0" noProof="0" dirty="0">
-              <a:ln>
-                <a:noFill/>
-              </a:ln>
+            <a:endParaRPr lang="es-PE" sz="4400" dirty="0">
               <a:solidFill>
                 <a:srgbClr val="FFFFFF"/>
               </a:solidFill>
-              <a:effectLst/>
-              <a:uLnTx/>
-              <a:uFillTx/>
               <a:latin typeface="+mj-lt"/>
               <a:ea typeface="+mj-ea"/>
               <a:cs typeface="+mj-cs"/>
@@ -19665,20 +18945,14 @@
       </p:sp>
       <p:pic>
         <p:nvPicPr>
-          <p:cNvPr id="1027" name="Picture 3"/>
+          <p:cNvPr id="19459" name="Picture 3"/>
           <p:cNvPicPr>
             <a:picLocks noChangeAspect="1" noChangeArrowheads="1"/>
           </p:cNvPicPr>
           <p:nvPr/>
         </p:nvPicPr>
         <p:blipFill>
-          <a:blip r:embed="rId2">
-            <a:extLst>
-              <a:ext uri="{28A0092B-C50C-407E-A947-70E740481C1C}">
-                <a14:useLocalDpi xmlns:a14="http://schemas.microsoft.com/office/drawing/2010/main" val="0"/>
-              </a:ext>
-            </a:extLst>
-          </a:blip>
+          <a:blip r:embed="rId2"/>
           <a:srcRect/>
           <a:stretch>
             <a:fillRect/>
@@ -19686,45 +18960,19 @@
         </p:blipFill>
         <p:spPr bwMode="auto">
           <a:xfrm>
-            <a:off x="3059832" y="3789040"/>
-            <a:ext cx="2660530" cy="2280454"/>
+            <a:off x="3059113" y="3789363"/>
+            <a:ext cx="2660650" cy="2279650"/>
           </a:xfrm>
           <a:prstGeom prst="rect">
             <a:avLst/>
           </a:prstGeom>
           <a:noFill/>
-          <a:ln>
+          <a:ln w="9525">
             <a:noFill/>
+            <a:miter lim="800000"/>
+            <a:headEnd/>
+            <a:tailEnd/>
           </a:ln>
-          <a:effectLst/>
-          <a:extLst>
-            <a:ext uri="{909E8E84-426E-40DD-AFC4-6F175D3DCCD1}">
-              <a14:hiddenFill xmlns:a14="http://schemas.microsoft.com/office/drawing/2010/main">
-                <a:solidFill>
-                  <a:schemeClr val="accent1"/>
-                </a:solidFill>
-              </a14:hiddenFill>
-            </a:ext>
-            <a:ext uri="{91240B29-F687-4F45-9708-019B960494DF}">
-              <a14:hiddenLine xmlns:a14="http://schemas.microsoft.com/office/drawing/2010/main" w="9525">
-                <a:solidFill>
-                  <a:schemeClr val="tx1"/>
-                </a:solidFill>
-                <a:miter lim="800000"/>
-                <a:headEnd/>
-                <a:tailEnd/>
-              </a14:hiddenLine>
-            </a:ext>
-            <a:ext uri="{AF507438-7753-43E0-B8FC-AC1667EBCBE1}">
-              <a14:hiddenEffects xmlns:a14="http://schemas.microsoft.com/office/drawing/2010/main">
-                <a:effectLst>
-                  <a:outerShdw dist="35921" dir="2700000" algn="ctr" rotWithShape="0">
-                    <a:schemeClr val="bg2"/>
-                  </a:outerShdw>
-                </a:effectLst>
-              </a14:hiddenEffects>
-            </a:ext>
-          </a:extLst>
         </p:spPr>
       </p:pic>
     </p:spTree>
@@ -19754,28 +19002,36 @@
       </p:grpSpPr>
       <p:sp>
         <p:nvSpPr>
-          <p:cNvPr id="2" name="1 CuadroTexto"/>
-          <p:cNvSpPr txBox="1"/>
+          <p:cNvPr id="20481" name="1 CuadroTexto"/>
+          <p:cNvSpPr txBox="1">
+            <a:spLocks noChangeArrowheads="1"/>
+          </p:cNvSpPr>
           <p:nvPr/>
         </p:nvSpPr>
-        <p:spPr>
+        <p:spPr bwMode="auto">
           <a:xfrm>
-            <a:off x="251520" y="2429787"/>
-            <a:ext cx="8640960" cy="3170099"/>
+            <a:off x="250825" y="2349500"/>
+            <a:ext cx="8642350" cy="4359275"/>
           </a:xfrm>
           <a:prstGeom prst="rect">
             <a:avLst/>
           </a:prstGeom>
           <a:noFill/>
+          <a:ln w="9525">
+            <a:noFill/>
+            <a:miter lim="800000"/>
+            <a:headEnd/>
+            <a:tailEnd/>
+          </a:ln>
         </p:spPr>
         <p:txBody>
-          <a:bodyPr wrap="square" rtlCol="0">
+          <a:bodyPr>
             <a:spAutoFit/>
           </a:bodyPr>
           <a:lstStyle/>
           <a:p>
             <a:r>
-              <a:rPr lang="es-PE" sz="2000" b="1" i="1" u="sng" dirty="0" smtClean="0">
+              <a:rPr lang="es-PE" sz="2000" b="1" i="1" u="sng">
                 <a:solidFill>
                   <a:schemeClr val="tx2"/>
                 </a:solidFill>
@@ -19784,7 +19040,7 @@
               <a:t>OBSERVACIÓN</a:t>
             </a:r>
             <a:r>
-              <a:rPr lang="es-PE" sz="2000" b="1" i="1" dirty="0" smtClean="0">
+              <a:rPr lang="es-PE" sz="2000" b="1" i="1">
                 <a:solidFill>
                   <a:schemeClr val="tx2"/>
                 </a:solidFill>
@@ -19793,7 +19049,7 @@
               <a:t>: </a:t>
             </a:r>
             <a:r>
-              <a:rPr lang="es-PE" sz="2000" i="1" dirty="0">
+              <a:rPr lang="es-PE" sz="2000" i="1">
                 <a:solidFill>
                   <a:schemeClr val="tx2"/>
                 </a:solidFill>
@@ -19802,7 +19058,7 @@
               <a:t>Las entidades de negocio </a:t>
             </a:r>
             <a:r>
-              <a:rPr lang="es-PE" sz="2000" b="1" i="1" dirty="0" smtClean="0">
+              <a:rPr lang="es-PE" sz="2000" b="1" i="1">
                 <a:solidFill>
                   <a:schemeClr val="tx2"/>
                 </a:solidFill>
@@ -19811,24 +19067,15 @@
               <a:t>CC_EN002_Adenda, CC_EN003_Cliente </a:t>
             </a:r>
             <a:r>
-              <a:rPr lang="es-PE" sz="2000" i="1" dirty="0">
+              <a:rPr lang="es-PE" sz="2000" i="1">
                 <a:solidFill>
                   <a:schemeClr val="tx2"/>
                 </a:solidFill>
                 <a:latin typeface="Candara" pitchFamily="34" charset="0"/>
               </a:rPr>
-              <a:t>parecen ser pensadas como </a:t>
-            </a:r>
-            <a:r>
-              <a:rPr lang="es-PE" sz="2000" i="1" dirty="0" smtClean="0">
-                <a:solidFill>
-                  <a:schemeClr val="tx2"/>
-                </a:solidFill>
-                <a:latin typeface="Candara" pitchFamily="34" charset="0"/>
-              </a:rPr>
-              <a:t>sistema.</a:t>
-            </a:r>
-            <a:endParaRPr lang="en-US" sz="2000" i="1" dirty="0">
+              <a:t>parecen ser pensadas como sistema.</a:t>
+            </a:r>
+            <a:endParaRPr lang="en-US" sz="2000" i="1">
               <a:solidFill>
                 <a:schemeClr val="tx2"/>
               </a:solidFill>
@@ -19836,8 +19083,7 @@
             </a:endParaRPr>
           </a:p>
           <a:p>
-            <a:pPr lvl="0"/>
-            <a:endParaRPr lang="es-PE" sz="2000" i="1" dirty="0" smtClean="0">
+            <a:endParaRPr lang="es-PE" sz="2000" i="1">
               <a:solidFill>
                 <a:schemeClr val="tx2"/>
               </a:solidFill>
@@ -19846,7 +19092,7 @@
           </a:p>
           <a:p>
             <a:r>
-              <a:rPr lang="en-US" sz="2000" b="1" i="1" u="sng" dirty="0" smtClean="0">
+              <a:rPr lang="en-US" sz="2000" b="1" i="1" u="sng">
                 <a:solidFill>
                   <a:srgbClr val="0070C0"/>
                 </a:solidFill>
@@ -19855,7 +19101,7 @@
               <a:t>COMENTARIO</a:t>
             </a:r>
             <a:r>
-              <a:rPr lang="en-US" sz="2000" b="1" i="1" dirty="0" smtClean="0">
+              <a:rPr lang="en-US" sz="2000" b="1" i="1">
                 <a:solidFill>
                   <a:srgbClr val="0070C0"/>
                 </a:solidFill>
@@ -19864,25 +19110,61 @@
               <a:t>: </a:t>
             </a:r>
             <a:r>
-              <a:rPr lang="en-US" sz="2000" i="1" dirty="0" smtClean="0">
+              <a:rPr lang="en-US" sz="2000" i="1">
                 <a:solidFill>
                   <a:srgbClr val="0070C0"/>
                 </a:solidFill>
                 <a:latin typeface="Candara" pitchFamily="34" charset="0"/>
               </a:rPr>
-              <a:t>La </a:t>
-            </a:r>
-            <a:r>
-              <a:rPr lang="en-US" sz="2000" i="1" dirty="0" err="1" smtClean="0">
+              <a:t>La Adenda representa un documento que modifica a un contrato</a:t>
+            </a:r>
+            <a:r>
+              <a:rPr lang="en-US" sz="2000" b="1" i="1">
                 <a:solidFill>
                   <a:srgbClr val="0070C0"/>
                 </a:solidFill>
                 <a:latin typeface="Candara" pitchFamily="34" charset="0"/>
               </a:rPr>
-              <a:t>Adenda</a:t>
-            </a:r>
-            <a:r>
-              <a:rPr lang="en-US" sz="2000" i="1" dirty="0" smtClean="0">
+              <a:t>. </a:t>
+            </a:r>
+            <a:r>
+              <a:rPr lang="en-US" sz="2000" i="1">
+                <a:solidFill>
+                  <a:srgbClr val="0070C0"/>
+                </a:solidFill>
+                <a:latin typeface="Candara" pitchFamily="34" charset="0"/>
+              </a:rPr>
+              <a:t>El cliente representa la institución o empresa con la cual se realiza un contrato</a:t>
+            </a:r>
+            <a:r>
+              <a:rPr lang="en-US" sz="2000" b="1" i="1">
+                <a:solidFill>
+                  <a:srgbClr val="0070C0"/>
+                </a:solidFill>
+                <a:latin typeface="Candara" pitchFamily="34" charset="0"/>
+              </a:rPr>
+              <a:t>. </a:t>
+            </a:r>
+            <a:r>
+              <a:rPr lang="en-US" sz="2000" b="1" i="1">
+                <a:solidFill>
+                  <a:srgbClr val="8C2902"/>
+                </a:solidFill>
+                <a:latin typeface="Candara" pitchFamily="34" charset="0"/>
+              </a:rPr>
+              <a:t>Basándonos en la sgte definición: </a:t>
+            </a:r>
+            <a:r>
+              <a:rPr lang="es-ES" sz="2000" b="1" i="1">
+                <a:solidFill>
+                  <a:srgbClr val="8C2902"/>
+                </a:solidFill>
+                <a:latin typeface="Candara" pitchFamily="34" charset="0"/>
+              </a:rPr>
+              <a:t>Este artefacto representa una pieza de información significativa que es manipulada por los actores y trabajadores del negocio.</a:t>
+            </a:r>
+            <a:r>
+              <a:rPr lang="es-ES" sz="2000" b="1" i="1">
                 <a:solidFill>
                   <a:srgbClr val="0070C0"/>
                 </a:solidFill>
@@ -19890,224 +19172,137 @@
               </a:rPr>
               <a:t> </a:t>
             </a:r>
-            <a:r>
-              <a:rPr lang="en-US" sz="2000" i="1" dirty="0" err="1" smtClean="0">
+            <a:endParaRPr lang="en-US" sz="2000" b="1" i="1">
+              <a:solidFill>
+                <a:srgbClr val="0070C0"/>
+              </a:solidFill>
+              <a:latin typeface="Candara" pitchFamily="34" charset="0"/>
+            </a:endParaRPr>
+          </a:p>
+          <a:p>
+            <a:endParaRPr lang="es-PE" sz="2000" b="1" i="1" u="sng">
+              <a:solidFill>
+                <a:schemeClr val="tx2"/>
+              </a:solidFill>
+              <a:latin typeface="Candara" pitchFamily="34" charset="0"/>
+            </a:endParaRPr>
+          </a:p>
+          <a:p>
+            <a:r>
+              <a:rPr lang="es-PE" sz="2000" b="1" i="1" u="sng">
+                <a:solidFill>
+                  <a:schemeClr val="tx2"/>
+                </a:solidFill>
+                <a:latin typeface="Candara" pitchFamily="34" charset="0"/>
+              </a:rPr>
+              <a:t>OBSERVACIÓN</a:t>
+            </a:r>
+            <a:r>
+              <a:rPr lang="es-PE" sz="2000" b="1" i="1">
+                <a:solidFill>
+                  <a:schemeClr val="tx2"/>
+                </a:solidFill>
+                <a:latin typeface="Candara" pitchFamily="34" charset="0"/>
+              </a:rPr>
+              <a:t>: </a:t>
+            </a:r>
+            <a:r>
+              <a:rPr lang="es-PE" sz="2000" i="1">
+                <a:solidFill>
+                  <a:schemeClr val="tx2"/>
+                </a:solidFill>
+                <a:latin typeface="Candara" pitchFamily="34" charset="0"/>
+              </a:rPr>
+              <a:t>La entidad de negocio </a:t>
+            </a:r>
+            <a:r>
+              <a:rPr lang="es-PE" sz="2000" b="1" i="1">
+                <a:solidFill>
+                  <a:schemeClr val="tx2"/>
+                </a:solidFill>
+                <a:latin typeface="Candara" pitchFamily="34" charset="0"/>
+              </a:rPr>
+              <a:t>CC_EN004_SLA</a:t>
+            </a:r>
+            <a:r>
+              <a:rPr lang="es-PE" sz="2000" b="1"/>
+              <a:t> </a:t>
+            </a:r>
+            <a:r>
+              <a:rPr lang="es-PE" sz="2000" i="1">
+                <a:solidFill>
+                  <a:schemeClr val="tx2"/>
+                </a:solidFill>
+                <a:latin typeface="Candara" pitchFamily="34" charset="0"/>
+              </a:rPr>
+              <a:t>No se ha corregido </a:t>
+            </a:r>
+            <a:endParaRPr lang="en-US" sz="2000" i="1">
+              <a:solidFill>
+                <a:schemeClr val="tx2"/>
+              </a:solidFill>
+              <a:latin typeface="Candara" pitchFamily="34" charset="0"/>
+            </a:endParaRPr>
+          </a:p>
+          <a:p>
+            <a:endParaRPr lang="es-PE" sz="2000" b="1" u="sng"/>
+          </a:p>
+          <a:p>
+            <a:r>
+              <a:rPr lang="en-US" sz="2000" b="1" i="1" u="sng">
                 <a:solidFill>
                   <a:srgbClr val="0070C0"/>
                 </a:solidFill>
                 <a:latin typeface="Candara" pitchFamily="34" charset="0"/>
               </a:rPr>
-              <a:t>representa</a:t>
-            </a:r>
-            <a:r>
-              <a:rPr lang="en-US" sz="2000" i="1" dirty="0" smtClean="0">
+              <a:t>COMENTARIO</a:t>
+            </a:r>
+            <a:r>
+              <a:rPr lang="en-US" sz="2000" b="1" i="1">
                 <a:solidFill>
                   <a:srgbClr val="0070C0"/>
                 </a:solidFill>
                 <a:latin typeface="Candara" pitchFamily="34" charset="0"/>
               </a:rPr>
-              <a:t> un </a:t>
-            </a:r>
-            <a:r>
-              <a:rPr lang="en-US" sz="2000" i="1" dirty="0" err="1" smtClean="0">
+              <a:t>: </a:t>
+            </a:r>
+            <a:r>
+              <a:rPr lang="en-US" sz="2000" i="1">
                 <a:solidFill>
                   <a:srgbClr val="0070C0"/>
                 </a:solidFill>
                 <a:latin typeface="Candara" pitchFamily="34" charset="0"/>
               </a:rPr>
-              <a:t>documento</a:t>
-            </a:r>
-            <a:r>
-              <a:rPr lang="en-US" sz="2000" i="1" dirty="0" smtClean="0">
+              <a:t>Esta entidad fue agregada por </a:t>
+            </a:r>
+            <a:r>
+              <a:rPr lang="es-PE" sz="2000" i="1">
                 <a:solidFill>
                   <a:srgbClr val="0070C0"/>
                 </a:solidFill>
                 <a:latin typeface="Candara" pitchFamily="34" charset="0"/>
               </a:rPr>
-              <a:t> </a:t>
-            </a:r>
-            <a:r>
-              <a:rPr lang="en-US" sz="2000" i="1" dirty="0" err="1" smtClean="0">
+              <a:t>acuerdo </a:t>
+            </a:r>
+            <a:r>
+              <a:rPr lang="en-US" sz="2000" i="1">
                 <a:solidFill>
                   <a:srgbClr val="0070C0"/>
                 </a:solidFill>
                 <a:latin typeface="Candara" pitchFamily="34" charset="0"/>
               </a:rPr>
-              <a:t>que</a:t>
-            </a:r>
-            <a:r>
-              <a:rPr lang="en-US" sz="2000" i="1" dirty="0" smtClean="0">
+              <a:t>con los demás grupos ya que otros Procesos referenciaban a dicha Entidad y se determinó que Gestión de Contratos sería el Dueño de la Entidad </a:t>
+            </a:r>
+            <a:r>
+              <a:rPr lang="es-PE" b="1" i="1">
                 <a:solidFill>
-                  <a:srgbClr val="0070C0"/>
+                  <a:schemeClr val="tx2"/>
                 </a:solidFill>
-                <a:latin typeface="Candara" pitchFamily="34" charset="0"/>
               </a:rPr>
-              <a:t> </a:t>
-            </a:r>
-            <a:r>
-              <a:rPr lang="en-US" sz="2000" i="1" dirty="0" err="1" smtClean="0">
-                <a:solidFill>
-                  <a:srgbClr val="0070C0"/>
-                </a:solidFill>
-                <a:latin typeface="Candara" pitchFamily="34" charset="0"/>
-              </a:rPr>
-              <a:t>modifica</a:t>
-            </a:r>
-            <a:r>
-              <a:rPr lang="en-US" sz="2000" i="1" dirty="0" smtClean="0">
-                <a:solidFill>
-                  <a:srgbClr val="0070C0"/>
-                </a:solidFill>
-                <a:latin typeface="Candara" pitchFamily="34" charset="0"/>
-              </a:rPr>
-              <a:t> a un </a:t>
-            </a:r>
-            <a:r>
-              <a:rPr lang="en-US" sz="2000" i="1" dirty="0" err="1" smtClean="0">
-                <a:solidFill>
-                  <a:srgbClr val="0070C0"/>
-                </a:solidFill>
-                <a:latin typeface="Candara" pitchFamily="34" charset="0"/>
-              </a:rPr>
-              <a:t>contrato</a:t>
-            </a:r>
-            <a:r>
-              <a:rPr lang="en-US" sz="2000" b="1" i="1" dirty="0" smtClean="0">
-                <a:solidFill>
-                  <a:srgbClr val="0070C0"/>
-                </a:solidFill>
-                <a:latin typeface="Candara" pitchFamily="34" charset="0"/>
-              </a:rPr>
-              <a:t>. </a:t>
-            </a:r>
-            <a:r>
-              <a:rPr lang="en-US" sz="2000" i="1" dirty="0">
-                <a:solidFill>
-                  <a:srgbClr val="0070C0"/>
-                </a:solidFill>
-                <a:latin typeface="Candara" pitchFamily="34" charset="0"/>
-              </a:rPr>
-              <a:t>El </a:t>
-            </a:r>
-            <a:r>
-              <a:rPr lang="en-US" sz="2000" i="1" dirty="0" err="1">
-                <a:solidFill>
-                  <a:srgbClr val="0070C0"/>
-                </a:solidFill>
-                <a:latin typeface="Candara" pitchFamily="34" charset="0"/>
-              </a:rPr>
-              <a:t>cliente</a:t>
-            </a:r>
-            <a:r>
-              <a:rPr lang="en-US" sz="2000" i="1" dirty="0">
-                <a:solidFill>
-                  <a:srgbClr val="0070C0"/>
-                </a:solidFill>
-                <a:latin typeface="Candara" pitchFamily="34" charset="0"/>
-              </a:rPr>
-              <a:t> </a:t>
-            </a:r>
-            <a:r>
-              <a:rPr lang="en-US" sz="2000" i="1" dirty="0" err="1">
-                <a:solidFill>
-                  <a:srgbClr val="0070C0"/>
-                </a:solidFill>
-                <a:latin typeface="Candara" pitchFamily="34" charset="0"/>
-              </a:rPr>
-              <a:t>representa</a:t>
-            </a:r>
-            <a:r>
-              <a:rPr lang="en-US" sz="2000" i="1" dirty="0">
-                <a:solidFill>
-                  <a:srgbClr val="0070C0"/>
-                </a:solidFill>
-                <a:latin typeface="Candara" pitchFamily="34" charset="0"/>
-              </a:rPr>
-              <a:t> la </a:t>
-            </a:r>
-            <a:r>
-              <a:rPr lang="en-US" sz="2000" i="1" dirty="0" err="1">
-                <a:solidFill>
-                  <a:srgbClr val="0070C0"/>
-                </a:solidFill>
-                <a:latin typeface="Candara" pitchFamily="34" charset="0"/>
-              </a:rPr>
-              <a:t>institución</a:t>
-            </a:r>
-            <a:r>
-              <a:rPr lang="en-US" sz="2000" i="1" dirty="0">
-                <a:solidFill>
-                  <a:srgbClr val="0070C0"/>
-                </a:solidFill>
-                <a:latin typeface="Candara" pitchFamily="34" charset="0"/>
-              </a:rPr>
-              <a:t> o </a:t>
-            </a:r>
-            <a:r>
-              <a:rPr lang="en-US" sz="2000" i="1" dirty="0" err="1">
-                <a:solidFill>
-                  <a:srgbClr val="0070C0"/>
-                </a:solidFill>
-                <a:latin typeface="Candara" pitchFamily="34" charset="0"/>
-              </a:rPr>
-              <a:t>empresa</a:t>
-            </a:r>
-            <a:r>
-              <a:rPr lang="en-US" sz="2000" i="1" dirty="0">
-                <a:solidFill>
-                  <a:srgbClr val="0070C0"/>
-                </a:solidFill>
-                <a:latin typeface="Candara" pitchFamily="34" charset="0"/>
-              </a:rPr>
-              <a:t> con la </a:t>
-            </a:r>
-            <a:r>
-              <a:rPr lang="en-US" sz="2000" i="1" dirty="0" err="1">
-                <a:solidFill>
-                  <a:srgbClr val="0070C0"/>
-                </a:solidFill>
-                <a:latin typeface="Candara" pitchFamily="34" charset="0"/>
-              </a:rPr>
-              <a:t>cual</a:t>
-            </a:r>
-            <a:r>
-              <a:rPr lang="en-US" sz="2000" i="1" dirty="0">
-                <a:solidFill>
-                  <a:srgbClr val="0070C0"/>
-                </a:solidFill>
-                <a:latin typeface="Candara" pitchFamily="34" charset="0"/>
-              </a:rPr>
-              <a:t> se </a:t>
-            </a:r>
-            <a:r>
-              <a:rPr lang="en-US" sz="2000" i="1" dirty="0" err="1">
-                <a:solidFill>
-                  <a:srgbClr val="0070C0"/>
-                </a:solidFill>
-                <a:latin typeface="Candara" pitchFamily="34" charset="0"/>
-              </a:rPr>
-              <a:t>realiza</a:t>
-            </a:r>
-            <a:r>
-              <a:rPr lang="en-US" sz="2000" i="1" dirty="0">
-                <a:solidFill>
-                  <a:srgbClr val="0070C0"/>
-                </a:solidFill>
-                <a:latin typeface="Candara" pitchFamily="34" charset="0"/>
-              </a:rPr>
-              <a:t> un </a:t>
-            </a:r>
-            <a:r>
-              <a:rPr lang="en-US" sz="2000" i="1" dirty="0" err="1">
-                <a:solidFill>
-                  <a:srgbClr val="0070C0"/>
-                </a:solidFill>
-                <a:latin typeface="Candara" pitchFamily="34" charset="0"/>
-              </a:rPr>
-              <a:t>contrato</a:t>
-            </a:r>
-            <a:r>
-              <a:rPr lang="en-US" sz="2000" b="1" i="1" dirty="0" smtClean="0">
+              <a:t>CC_EN004_SLA</a:t>
+            </a:r>
+            <a:r>
+              <a:rPr lang="en-US" sz="2000" i="1">
                 <a:solidFill>
                   <a:srgbClr val="0070C0"/>
                 </a:solidFill>
@@ -20115,252 +19310,6 @@
               </a:rPr>
               <a:t>.</a:t>
             </a:r>
-          </a:p>
-          <a:p>
-            <a:endParaRPr lang="en-US" sz="2000" b="1" i="1" dirty="0">
-              <a:solidFill>
-                <a:srgbClr val="0070C0"/>
-              </a:solidFill>
-              <a:latin typeface="Candara" pitchFamily="34" charset="0"/>
-            </a:endParaRPr>
-          </a:p>
-          <a:p>
-            <a:endParaRPr lang="es-PE" sz="2000" b="1" i="1" u="sng" dirty="0" smtClean="0">
-              <a:solidFill>
-                <a:schemeClr val="tx2"/>
-              </a:solidFill>
-              <a:latin typeface="Candara" pitchFamily="34" charset="0"/>
-            </a:endParaRPr>
-          </a:p>
-          <a:p>
-            <a:r>
-              <a:rPr lang="es-PE" sz="2000" b="1" i="1" u="sng" dirty="0" smtClean="0">
-                <a:solidFill>
-                  <a:schemeClr val="tx2"/>
-                </a:solidFill>
-                <a:latin typeface="Candara" pitchFamily="34" charset="0"/>
-              </a:rPr>
-              <a:t>OBSERVACIÓN</a:t>
-            </a:r>
-            <a:r>
-              <a:rPr lang="es-PE" sz="2000" b="1" i="1" dirty="0" smtClean="0">
-                <a:solidFill>
-                  <a:schemeClr val="tx2"/>
-                </a:solidFill>
-                <a:latin typeface="Candara" pitchFamily="34" charset="0"/>
-              </a:rPr>
-              <a:t>: </a:t>
-            </a:r>
-            <a:r>
-              <a:rPr lang="es-PE" sz="2000" i="1" dirty="0" smtClean="0">
-                <a:solidFill>
-                  <a:schemeClr val="tx2"/>
-                </a:solidFill>
-                <a:latin typeface="Candara" pitchFamily="34" charset="0"/>
-              </a:rPr>
-              <a:t>La entidad de negocio </a:t>
-            </a:r>
-            <a:r>
-              <a:rPr lang="es-PE" sz="2000" b="1" i="1" dirty="0">
-                <a:solidFill>
-                  <a:schemeClr val="tx2"/>
-                </a:solidFill>
-                <a:latin typeface="Candara" pitchFamily="34" charset="0"/>
-              </a:rPr>
-              <a:t>CC_EN004_SLA</a:t>
-            </a:r>
-            <a:r>
-              <a:rPr lang="es-PE" sz="2000" b="1" dirty="0"/>
-              <a:t> </a:t>
-            </a:r>
-            <a:r>
-              <a:rPr lang="es-PE" sz="2000" i="1" dirty="0">
-                <a:solidFill>
-                  <a:schemeClr val="tx2"/>
-                </a:solidFill>
-                <a:latin typeface="Candara" pitchFamily="34" charset="0"/>
-              </a:rPr>
-              <a:t>No se ha corregido </a:t>
-            </a:r>
-            <a:endParaRPr lang="en-US" sz="2000" i="1" dirty="0">
-              <a:solidFill>
-                <a:schemeClr val="tx2"/>
-              </a:solidFill>
-              <a:latin typeface="Candara" pitchFamily="34" charset="0"/>
-            </a:endParaRPr>
-          </a:p>
-          <a:p>
-            <a:endParaRPr lang="es-PE" sz="2000" b="1" u="sng" dirty="0" smtClean="0"/>
-          </a:p>
-          <a:p>
-            <a:r>
-              <a:rPr lang="en-US" sz="2000" b="1" i="1" u="sng" dirty="0">
-                <a:solidFill>
-                  <a:srgbClr val="0070C0"/>
-                </a:solidFill>
-                <a:latin typeface="Candara" pitchFamily="34" charset="0"/>
-              </a:rPr>
-              <a:t>COMENTARIO</a:t>
-            </a:r>
-            <a:r>
-              <a:rPr lang="en-US" sz="2000" b="1" i="1" dirty="0">
-                <a:solidFill>
-                  <a:srgbClr val="0070C0"/>
-                </a:solidFill>
-                <a:latin typeface="Candara" pitchFamily="34" charset="0"/>
-              </a:rPr>
-              <a:t>: </a:t>
-            </a:r>
-            <a:r>
-              <a:rPr lang="en-US" sz="2000" i="1" dirty="0" err="1" smtClean="0">
-                <a:solidFill>
-                  <a:srgbClr val="0070C0"/>
-                </a:solidFill>
-                <a:latin typeface="Candara" pitchFamily="34" charset="0"/>
-              </a:rPr>
-              <a:t>Esta</a:t>
-            </a:r>
-            <a:r>
-              <a:rPr lang="en-US" sz="2000" i="1" dirty="0" smtClean="0">
-                <a:solidFill>
-                  <a:srgbClr val="0070C0"/>
-                </a:solidFill>
-                <a:latin typeface="Candara" pitchFamily="34" charset="0"/>
-              </a:rPr>
-              <a:t> </a:t>
-            </a:r>
-            <a:r>
-              <a:rPr lang="en-US" sz="2000" i="1" dirty="0" err="1" smtClean="0">
-                <a:solidFill>
-                  <a:srgbClr val="0070C0"/>
-                </a:solidFill>
-                <a:latin typeface="Candara" pitchFamily="34" charset="0"/>
-              </a:rPr>
-              <a:t>entidad</a:t>
-            </a:r>
-            <a:r>
-              <a:rPr lang="en-US" sz="2000" i="1" dirty="0" smtClean="0">
-                <a:solidFill>
-                  <a:srgbClr val="0070C0"/>
-                </a:solidFill>
-                <a:latin typeface="Candara" pitchFamily="34" charset="0"/>
-              </a:rPr>
-              <a:t> </a:t>
-            </a:r>
-            <a:r>
-              <a:rPr lang="en-US" sz="2000" i="1" dirty="0" err="1" smtClean="0">
-                <a:solidFill>
-                  <a:srgbClr val="0070C0"/>
-                </a:solidFill>
-                <a:latin typeface="Candara" pitchFamily="34" charset="0"/>
-              </a:rPr>
-              <a:t>fue</a:t>
-            </a:r>
-            <a:r>
-              <a:rPr lang="en-US" sz="2000" i="1" dirty="0" smtClean="0">
-                <a:solidFill>
-                  <a:srgbClr val="0070C0"/>
-                </a:solidFill>
-                <a:latin typeface="Candara" pitchFamily="34" charset="0"/>
-              </a:rPr>
-              <a:t> </a:t>
-            </a:r>
-            <a:r>
-              <a:rPr lang="en-US" sz="2000" i="1" dirty="0" err="1" smtClean="0">
-                <a:solidFill>
-                  <a:srgbClr val="0070C0"/>
-                </a:solidFill>
-                <a:latin typeface="Candara" pitchFamily="34" charset="0"/>
-              </a:rPr>
-              <a:t>agregada</a:t>
-            </a:r>
-            <a:r>
-              <a:rPr lang="en-US" sz="2000" i="1" dirty="0" smtClean="0">
-                <a:solidFill>
-                  <a:srgbClr val="0070C0"/>
-                </a:solidFill>
-                <a:latin typeface="Candara" pitchFamily="34" charset="0"/>
-              </a:rPr>
-              <a:t> </a:t>
-            </a:r>
-            <a:r>
-              <a:rPr lang="en-US" sz="2000" i="1" dirty="0" err="1" smtClean="0">
-                <a:solidFill>
-                  <a:srgbClr val="0070C0"/>
-                </a:solidFill>
-                <a:latin typeface="Candara" pitchFamily="34" charset="0"/>
-              </a:rPr>
-              <a:t>por</a:t>
-            </a:r>
-            <a:r>
-              <a:rPr lang="en-US" sz="2000" i="1" dirty="0" smtClean="0">
-                <a:solidFill>
-                  <a:srgbClr val="0070C0"/>
-                </a:solidFill>
-                <a:latin typeface="Candara" pitchFamily="34" charset="0"/>
-              </a:rPr>
-              <a:t> </a:t>
-            </a:r>
-            <a:r>
-              <a:rPr lang="es-PE" sz="2000" i="1" dirty="0" smtClean="0">
-                <a:solidFill>
-                  <a:srgbClr val="0070C0"/>
-                </a:solidFill>
-                <a:latin typeface="Candara" pitchFamily="34" charset="0"/>
-              </a:rPr>
-              <a:t>acuerdo </a:t>
-            </a:r>
-            <a:r>
-              <a:rPr lang="en-US" sz="2000" i="1" dirty="0" smtClean="0">
-                <a:solidFill>
-                  <a:srgbClr val="0070C0"/>
-                </a:solidFill>
-                <a:latin typeface="Candara" pitchFamily="34" charset="0"/>
-              </a:rPr>
-              <a:t>con los </a:t>
-            </a:r>
-            <a:r>
-              <a:rPr lang="en-US" sz="2000" i="1" dirty="0" err="1" smtClean="0">
-                <a:solidFill>
-                  <a:srgbClr val="0070C0"/>
-                </a:solidFill>
-                <a:latin typeface="Candara" pitchFamily="34" charset="0"/>
-              </a:rPr>
-              <a:t>demás</a:t>
-            </a:r>
-            <a:r>
-              <a:rPr lang="en-US" sz="2000" i="1" dirty="0" smtClean="0">
-                <a:solidFill>
-                  <a:srgbClr val="0070C0"/>
-                </a:solidFill>
-                <a:latin typeface="Candara" pitchFamily="34" charset="0"/>
-              </a:rPr>
-              <a:t> </a:t>
-            </a:r>
-            <a:r>
-              <a:rPr lang="en-US" sz="2000" i="1" dirty="0" err="1" smtClean="0">
-                <a:solidFill>
-                  <a:srgbClr val="0070C0"/>
-                </a:solidFill>
-                <a:latin typeface="Candara" pitchFamily="34" charset="0"/>
-              </a:rPr>
-              <a:t>grupos</a:t>
-            </a:r>
-            <a:r>
-              <a:rPr lang="en-US" sz="2000" i="1" dirty="0" smtClean="0">
-                <a:solidFill>
-                  <a:srgbClr val="0070C0"/>
-                </a:solidFill>
-                <a:latin typeface="Candara" pitchFamily="34" charset="0"/>
-              </a:rPr>
-              <a:t>.</a:t>
-            </a:r>
-            <a:endParaRPr lang="en-US" sz="2000" b="1" i="1" dirty="0">
-              <a:solidFill>
-                <a:srgbClr val="0070C0"/>
-              </a:solidFill>
-              <a:latin typeface="Candara" pitchFamily="34" charset="0"/>
-            </a:endParaRPr>
           </a:p>
         </p:txBody>
       </p:sp>
@@ -20389,33 +19338,19 @@
           </a:ln>
         </p:spPr>
         <p:txBody>
-          <a:bodyPr vert="horz" wrap="square" lIns="91440" tIns="45720" rIns="91440" bIns="45720" numCol="1" rtlCol="0" anchor="ctr" anchorCtr="0" compatLnSpc="1">
-            <a:prstTxWarp prst="textNoShape">
-              <a:avLst/>
-            </a:prstTxWarp>
+          <a:bodyPr anchor="ctr">
             <a:normAutofit fontScale="97500"/>
           </a:bodyPr>
           <a:lstStyle/>
           <a:p>
-            <a:pPr marL="0" marR="0" lvl="0" indent="0" algn="ctr" defTabSz="914400" rtl="0" eaLnBrk="1" fontAlgn="auto" latinLnBrk="0" hangingPunct="1">
-              <a:lnSpc>
-                <a:spcPct val="100000"/>
-              </a:lnSpc>
-              <a:spcBef>
-                <a:spcPct val="0"/>
-              </a:spcBef>
+            <a:pPr algn="ctr" fontAlgn="auto">
               <a:spcAft>
                 <a:spcPts val="0"/>
               </a:spcAft>
-              <a:buClrTx/>
-              <a:buSzTx/>
-              <a:buFontTx/>
-              <a:buNone/>
-              <a:tabLst/>
               <a:defRPr/>
             </a:pPr>
             <a:r>
-              <a:rPr lang="en-US" sz="4400" dirty="0" smtClean="0">
+              <a:rPr lang="en-US" sz="4400" dirty="0">
                 <a:solidFill>
                   <a:srgbClr val="FFFFFF"/>
                 </a:solidFill>
@@ -20425,16 +19360,10 @@
               </a:rPr>
               <a:t>ENTIDAD DE NEGOCIO</a:t>
             </a:r>
-            <a:endParaRPr kumimoji="0" lang="es-PE" sz="4400" b="0" i="0" u="none" strike="noStrike" kern="1200" cap="none" spc="0" normalizeH="0" baseline="0" noProof="0" dirty="0">
-              <a:ln>
-                <a:noFill/>
-              </a:ln>
+            <a:endParaRPr lang="es-PE" sz="4400" dirty="0">
               <a:solidFill>
                 <a:srgbClr val="FFFFFF"/>
               </a:solidFill>
-              <a:effectLst/>
-              <a:uLnTx/>
-              <a:uFillTx/>
               <a:latin typeface="+mj-lt"/>
               <a:ea typeface="+mj-ea"/>
               <a:cs typeface="+mj-cs"/>
@@ -20469,29 +19398,37 @@
       </p:grpSpPr>
       <p:sp>
         <p:nvSpPr>
-          <p:cNvPr id="2" name="1 CuadroTexto"/>
-          <p:cNvSpPr txBox="1"/>
+          <p:cNvPr id="21505" name="1 CuadroTexto"/>
+          <p:cNvSpPr txBox="1">
+            <a:spLocks noChangeArrowheads="1"/>
+          </p:cNvSpPr>
           <p:nvPr/>
         </p:nvSpPr>
-        <p:spPr>
+        <p:spPr bwMode="auto">
           <a:xfrm>
-            <a:off x="251520" y="2429787"/>
-            <a:ext cx="8640960" cy="1938992"/>
+            <a:off x="250825" y="2430463"/>
+            <a:ext cx="8642350" cy="1920875"/>
           </a:xfrm>
           <a:prstGeom prst="rect">
             <a:avLst/>
           </a:prstGeom>
           <a:noFill/>
+          <a:ln w="9525">
+            <a:noFill/>
+            <a:miter lim="800000"/>
+            <a:headEnd/>
+            <a:tailEnd/>
+          </a:ln>
         </p:spPr>
         <p:txBody>
-          <a:bodyPr wrap="square" rtlCol="0">
+          <a:bodyPr>
             <a:spAutoFit/>
           </a:bodyPr>
           <a:lstStyle/>
           <a:p>
             <a:pPr algn="just"/>
             <a:r>
-              <a:rPr lang="es-PE" sz="2000" b="1" i="1" u="sng" dirty="0" smtClean="0">
+              <a:rPr lang="es-PE" sz="2000" b="1" i="1" u="sng">
                 <a:solidFill>
                   <a:schemeClr val="tx2"/>
                 </a:solidFill>
@@ -20500,7 +19437,7 @@
               <a:t>OBSERVACIÓN</a:t>
             </a:r>
             <a:r>
-              <a:rPr lang="es-PE" sz="2000" b="1" i="1" dirty="0" smtClean="0">
+              <a:rPr lang="es-PE" sz="2000" b="1" i="1">
                 <a:solidFill>
                   <a:schemeClr val="tx2"/>
                 </a:solidFill>
@@ -20509,198 +19446,18 @@
               <a:t>: </a:t>
             </a:r>
             <a:r>
-              <a:rPr lang="en-US" sz="2000" i="1" dirty="0" smtClean="0">
+              <a:rPr lang="en-US" sz="2000" i="1">
                 <a:solidFill>
                   <a:schemeClr val="tx2"/>
                 </a:solidFill>
                 <a:latin typeface="Candara" pitchFamily="34" charset="0"/>
               </a:rPr>
-              <a:t>En el </a:t>
-            </a:r>
-            <a:r>
-              <a:rPr lang="en-US" sz="2000" i="1" dirty="0" err="1" smtClean="0">
-                <a:solidFill>
-                  <a:schemeClr val="tx2"/>
-                </a:solidFill>
-                <a:latin typeface="Candara" pitchFamily="34" charset="0"/>
-              </a:rPr>
-              <a:t>flujo</a:t>
-            </a:r>
-            <a:r>
-              <a:rPr lang="en-US" sz="2000" i="1" dirty="0" smtClean="0">
-                <a:solidFill>
-                  <a:schemeClr val="tx2"/>
-                </a:solidFill>
-                <a:latin typeface="Candara" pitchFamily="34" charset="0"/>
-              </a:rPr>
-              <a:t> </a:t>
-            </a:r>
-            <a:r>
-              <a:rPr lang="en-US" sz="2000" i="1" dirty="0" err="1" smtClean="0">
-                <a:solidFill>
-                  <a:schemeClr val="tx2"/>
-                </a:solidFill>
-                <a:latin typeface="Candara" pitchFamily="34" charset="0"/>
-              </a:rPr>
-              <a:t>básico</a:t>
-            </a:r>
-            <a:r>
-              <a:rPr lang="en-US" sz="2000" i="1" dirty="0" smtClean="0">
-                <a:solidFill>
-                  <a:schemeClr val="tx2"/>
-                </a:solidFill>
-                <a:latin typeface="Candara" pitchFamily="34" charset="0"/>
-              </a:rPr>
-              <a:t> de </a:t>
-            </a:r>
-            <a:r>
-              <a:rPr lang="en-US" sz="2000" i="1" dirty="0" err="1" smtClean="0">
-                <a:solidFill>
-                  <a:schemeClr val="tx2"/>
-                </a:solidFill>
-                <a:latin typeface="Candara" pitchFamily="34" charset="0"/>
-              </a:rPr>
-              <a:t>cada</a:t>
-            </a:r>
-            <a:r>
-              <a:rPr lang="en-US" sz="2000" i="1" dirty="0" smtClean="0">
-                <a:solidFill>
-                  <a:schemeClr val="tx2"/>
-                </a:solidFill>
-                <a:latin typeface="Candara" pitchFamily="34" charset="0"/>
-              </a:rPr>
-              <a:t>  </a:t>
-            </a:r>
-            <a:r>
-              <a:rPr lang="en-US" sz="2000" i="1" dirty="0" err="1" smtClean="0">
-                <a:solidFill>
-                  <a:schemeClr val="tx2"/>
-                </a:solidFill>
-                <a:latin typeface="Candara" pitchFamily="34" charset="0"/>
-              </a:rPr>
-              <a:t>caso</a:t>
-            </a:r>
-            <a:r>
-              <a:rPr lang="en-US" sz="2000" i="1" dirty="0" smtClean="0">
-                <a:solidFill>
-                  <a:schemeClr val="tx2"/>
-                </a:solidFill>
-                <a:latin typeface="Candara" pitchFamily="34" charset="0"/>
-              </a:rPr>
-              <a:t> de </a:t>
-            </a:r>
-            <a:r>
-              <a:rPr lang="en-US" sz="2000" i="1" dirty="0" err="1" smtClean="0">
-                <a:solidFill>
-                  <a:schemeClr val="tx2"/>
-                </a:solidFill>
-                <a:latin typeface="Candara" pitchFamily="34" charset="0"/>
-              </a:rPr>
-              <a:t>uso</a:t>
-            </a:r>
-            <a:r>
-              <a:rPr lang="en-US" sz="2000" i="1" dirty="0" smtClean="0">
-                <a:solidFill>
-                  <a:schemeClr val="tx2"/>
-                </a:solidFill>
-                <a:latin typeface="Candara" pitchFamily="34" charset="0"/>
-              </a:rPr>
-              <a:t> no se </a:t>
-            </a:r>
-            <a:r>
-              <a:rPr lang="en-US" sz="2000" i="1" dirty="0" err="1" smtClean="0">
-                <a:solidFill>
-                  <a:schemeClr val="tx2"/>
-                </a:solidFill>
-                <a:latin typeface="Candara" pitchFamily="34" charset="0"/>
-              </a:rPr>
-              <a:t>indica</a:t>
-            </a:r>
-            <a:r>
-              <a:rPr lang="en-US" sz="2000" i="1" dirty="0" smtClean="0">
-                <a:solidFill>
-                  <a:schemeClr val="tx2"/>
-                </a:solidFill>
-                <a:latin typeface="Candara" pitchFamily="34" charset="0"/>
-              </a:rPr>
-              <a:t> </a:t>
-            </a:r>
-            <a:r>
-              <a:rPr lang="en-US" sz="2000" i="1" dirty="0" err="1" smtClean="0">
-                <a:solidFill>
-                  <a:schemeClr val="tx2"/>
-                </a:solidFill>
-                <a:latin typeface="Candara" pitchFamily="34" charset="0"/>
-              </a:rPr>
-              <a:t>donde</a:t>
-            </a:r>
-            <a:r>
-              <a:rPr lang="en-US" sz="2000" i="1" dirty="0" smtClean="0">
-                <a:solidFill>
-                  <a:schemeClr val="tx2"/>
-                </a:solidFill>
-                <a:latin typeface="Candara" pitchFamily="34" charset="0"/>
-              </a:rPr>
-              <a:t> se </a:t>
-            </a:r>
-            <a:r>
-              <a:rPr lang="en-US" sz="2000" i="1" dirty="0" err="1" smtClean="0">
-                <a:solidFill>
-                  <a:schemeClr val="tx2"/>
-                </a:solidFill>
-                <a:latin typeface="Candara" pitchFamily="34" charset="0"/>
-              </a:rPr>
-              <a:t>aplican</a:t>
-            </a:r>
-            <a:r>
-              <a:rPr lang="en-US" sz="2000" i="1" dirty="0" smtClean="0">
-                <a:solidFill>
-                  <a:schemeClr val="tx2"/>
-                </a:solidFill>
-                <a:latin typeface="Candara" pitchFamily="34" charset="0"/>
-              </a:rPr>
-              <a:t> los </a:t>
-            </a:r>
-            <a:r>
-              <a:rPr lang="en-US" sz="2000" i="1" dirty="0" err="1" smtClean="0">
-                <a:solidFill>
-                  <a:schemeClr val="tx2"/>
-                </a:solidFill>
-                <a:latin typeface="Candara" pitchFamily="34" charset="0"/>
-              </a:rPr>
-              <a:t>reglas</a:t>
-            </a:r>
-            <a:r>
-              <a:rPr lang="en-US" sz="2000" i="1" dirty="0" smtClean="0">
-                <a:solidFill>
-                  <a:schemeClr val="tx2"/>
-                </a:solidFill>
-                <a:latin typeface="Candara" pitchFamily="34" charset="0"/>
-              </a:rPr>
-              <a:t> de </a:t>
-            </a:r>
-            <a:r>
-              <a:rPr lang="en-US" sz="2000" i="1" dirty="0" err="1" smtClean="0">
-                <a:solidFill>
-                  <a:schemeClr val="tx2"/>
-                </a:solidFill>
-                <a:latin typeface="Candara" pitchFamily="34" charset="0"/>
-              </a:rPr>
-              <a:t>negocio</a:t>
-            </a:r>
-            <a:r>
-              <a:rPr lang="en-US" sz="2000" i="1" dirty="0" smtClean="0">
-                <a:solidFill>
-                  <a:schemeClr val="tx2"/>
-                </a:solidFill>
-                <a:latin typeface="Candara" pitchFamily="34" charset="0"/>
-              </a:rPr>
-              <a:t>.</a:t>
+              <a:t>En el flujo básico de cada  caso de uso no se indica donde se aplican los reglas de negocio.</a:t>
             </a:r>
           </a:p>
           <a:p>
             <a:pPr algn="just"/>
-            <a:endParaRPr lang="en-US" sz="2000" i="1" dirty="0">
+            <a:endParaRPr lang="en-US" sz="2000" i="1">
               <a:solidFill>
                 <a:schemeClr val="tx2"/>
               </a:solidFill>
@@ -20709,7 +19466,7 @@
           </a:p>
           <a:p>
             <a:r>
-              <a:rPr lang="en-US" sz="2000" b="1" i="1" u="sng" dirty="0" smtClean="0">
+              <a:rPr lang="en-US" sz="2000" b="1" i="1" u="sng">
                 <a:solidFill>
                   <a:srgbClr val="0070C0"/>
                 </a:solidFill>
@@ -20718,7 +19475,7 @@
               <a:t>CORRECCION</a:t>
             </a:r>
             <a:r>
-              <a:rPr lang="en-US" sz="2000" b="1" i="1" dirty="0" smtClean="0">
+              <a:rPr lang="en-US" sz="2000" b="1" i="1">
                 <a:solidFill>
                   <a:srgbClr val="0070C0"/>
                 </a:solidFill>
@@ -20727,159 +19484,15 @@
               <a:t>: </a:t>
             </a:r>
             <a:r>
-              <a:rPr lang="en-US" sz="2000" i="1" dirty="0" smtClean="0">
+              <a:rPr lang="en-US" sz="2000" i="1">
                 <a:solidFill>
                   <a:srgbClr val="0070C0"/>
                 </a:solidFill>
                 <a:latin typeface="Candara" pitchFamily="34" charset="0"/>
               </a:rPr>
-              <a:t>Se </a:t>
-            </a:r>
-            <a:r>
-              <a:rPr lang="en-US" sz="2000" i="1" dirty="0" err="1" smtClean="0">
-                <a:solidFill>
-                  <a:srgbClr val="0070C0"/>
-                </a:solidFill>
-                <a:latin typeface="Candara" pitchFamily="34" charset="0"/>
-              </a:rPr>
-              <a:t>agrego</a:t>
-            </a:r>
-            <a:r>
-              <a:rPr lang="en-US" sz="2000" i="1" dirty="0" smtClean="0">
-                <a:solidFill>
-                  <a:srgbClr val="0070C0"/>
-                </a:solidFill>
-                <a:latin typeface="Candara" pitchFamily="34" charset="0"/>
-              </a:rPr>
-              <a:t> a los </a:t>
-            </a:r>
-            <a:r>
-              <a:rPr lang="en-US" sz="2000" i="1" dirty="0" err="1" smtClean="0">
-                <a:solidFill>
-                  <a:srgbClr val="0070C0"/>
-                </a:solidFill>
-                <a:latin typeface="Candara" pitchFamily="34" charset="0"/>
-              </a:rPr>
-              <a:t>flujos</a:t>
-            </a:r>
-            <a:r>
-              <a:rPr lang="en-US" sz="2000" i="1" dirty="0" smtClean="0">
-                <a:solidFill>
-                  <a:srgbClr val="0070C0"/>
-                </a:solidFill>
-                <a:latin typeface="Candara" pitchFamily="34" charset="0"/>
-              </a:rPr>
-              <a:t> </a:t>
-            </a:r>
-            <a:r>
-              <a:rPr lang="en-US" sz="2000" i="1" dirty="0" err="1" smtClean="0">
-                <a:solidFill>
-                  <a:srgbClr val="0070C0"/>
-                </a:solidFill>
-                <a:latin typeface="Candara" pitchFamily="34" charset="0"/>
-              </a:rPr>
-              <a:t>básicos</a:t>
-            </a:r>
-            <a:r>
-              <a:rPr lang="en-US" sz="2000" i="1" dirty="0" smtClean="0">
-                <a:solidFill>
-                  <a:srgbClr val="0070C0"/>
-                </a:solidFill>
-                <a:latin typeface="Candara" pitchFamily="34" charset="0"/>
-              </a:rPr>
-              <a:t>, la </a:t>
-            </a:r>
-            <a:r>
-              <a:rPr lang="en-US" sz="2000" i="1" dirty="0" err="1" smtClean="0">
-                <a:solidFill>
-                  <a:srgbClr val="0070C0"/>
-                </a:solidFill>
-                <a:latin typeface="Candara" pitchFamily="34" charset="0"/>
-              </a:rPr>
-              <a:t>regla</a:t>
-            </a:r>
-            <a:r>
-              <a:rPr lang="en-US" sz="2000" i="1" dirty="0" smtClean="0">
-                <a:solidFill>
-                  <a:srgbClr val="0070C0"/>
-                </a:solidFill>
-                <a:latin typeface="Candara" pitchFamily="34" charset="0"/>
-              </a:rPr>
-              <a:t> de </a:t>
-            </a:r>
-            <a:r>
-              <a:rPr lang="en-US" sz="2000" i="1" dirty="0" err="1" smtClean="0">
-                <a:solidFill>
-                  <a:srgbClr val="0070C0"/>
-                </a:solidFill>
-                <a:latin typeface="Candara" pitchFamily="34" charset="0"/>
-              </a:rPr>
-              <a:t>negocio</a:t>
-            </a:r>
-            <a:r>
-              <a:rPr lang="en-US" sz="2000" i="1" dirty="0" smtClean="0">
-                <a:solidFill>
-                  <a:srgbClr val="0070C0"/>
-                </a:solidFill>
-                <a:latin typeface="Candara" pitchFamily="34" charset="0"/>
-              </a:rPr>
-              <a:t> entre </a:t>
-            </a:r>
-            <a:r>
-              <a:rPr lang="en-US" sz="2000" i="1" dirty="0" err="1" smtClean="0">
-                <a:solidFill>
-                  <a:srgbClr val="0070C0"/>
-                </a:solidFill>
-                <a:latin typeface="Candara" pitchFamily="34" charset="0"/>
-              </a:rPr>
-              <a:t>corchetes</a:t>
-            </a:r>
-            <a:r>
-              <a:rPr lang="en-US" sz="2000" i="1" dirty="0" smtClean="0">
-                <a:solidFill>
-                  <a:srgbClr val="0070C0"/>
-                </a:solidFill>
-                <a:latin typeface="Candara" pitchFamily="34" charset="0"/>
-              </a:rPr>
-              <a:t> </a:t>
-            </a:r>
-            <a:r>
-              <a:rPr lang="en-US" sz="2000" i="1" dirty="0" err="1" smtClean="0">
-                <a:solidFill>
-                  <a:srgbClr val="0070C0"/>
-                </a:solidFill>
-                <a:latin typeface="Candara" pitchFamily="34" charset="0"/>
-              </a:rPr>
-              <a:t>según</a:t>
-            </a:r>
-            <a:r>
-              <a:rPr lang="en-US" sz="2000" i="1" dirty="0" smtClean="0">
-                <a:solidFill>
-                  <a:srgbClr val="0070C0"/>
-                </a:solidFill>
-                <a:latin typeface="Candara" pitchFamily="34" charset="0"/>
-              </a:rPr>
-              <a:t> sea </a:t>
-            </a:r>
-            <a:r>
-              <a:rPr lang="en-US" sz="2000" i="1" dirty="0" err="1" smtClean="0">
-                <a:solidFill>
-                  <a:srgbClr val="0070C0"/>
-                </a:solidFill>
-                <a:latin typeface="Candara" pitchFamily="34" charset="0"/>
-              </a:rPr>
-              <a:t>caso</a:t>
-            </a:r>
-            <a:r>
-              <a:rPr lang="en-US" sz="2000" i="1" dirty="0" smtClean="0">
-                <a:solidFill>
-                  <a:srgbClr val="0070C0"/>
-                </a:solidFill>
-                <a:latin typeface="Candara" pitchFamily="34" charset="0"/>
-              </a:rPr>
-              <a:t>.</a:t>
-            </a:r>
-            <a:endParaRPr lang="en-US" sz="2000" b="1" i="1" dirty="0" smtClean="0">
+              <a:t>Se agrego a los flujos básicos, la(s) regla(s) de negocio entre corchetes (De acuerdo a reglas notacionales de UML) según sea caso.</a:t>
+            </a:r>
+            <a:endParaRPr lang="en-US" sz="2000" b="1" i="1">
               <a:solidFill>
                 <a:srgbClr val="0070C0"/>
               </a:solidFill>
@@ -20887,7 +19500,7 @@
             </a:endParaRPr>
           </a:p>
           <a:p>
-            <a:endParaRPr lang="en-US" sz="2000" b="1" i="1" dirty="0">
+            <a:endParaRPr lang="en-US" sz="2000" b="1" i="1">
               <a:solidFill>
                 <a:srgbClr val="0070C0"/>
               </a:solidFill>
@@ -20921,33 +19534,19 @@
           </a:ln>
         </p:spPr>
         <p:txBody>
-          <a:bodyPr vert="horz" wrap="square" lIns="91440" tIns="45720" rIns="91440" bIns="45720" numCol="1" rtlCol="0" anchor="ctr" anchorCtr="0" compatLnSpc="1">
-            <a:prstTxWarp prst="textNoShape">
-              <a:avLst/>
-            </a:prstTxWarp>
+          <a:bodyPr anchor="ctr">
             <a:normAutofit fontScale="90000" lnSpcReduction="10000"/>
           </a:bodyPr>
           <a:lstStyle/>
           <a:p>
-            <a:pPr marL="0" marR="0" lvl="0" indent="0" algn="ctr" defTabSz="914400" rtl="0" eaLnBrk="1" fontAlgn="auto" latinLnBrk="0" hangingPunct="1">
-              <a:lnSpc>
-                <a:spcPct val="100000"/>
-              </a:lnSpc>
-              <a:spcBef>
-                <a:spcPct val="0"/>
-              </a:spcBef>
+            <a:pPr algn="ctr" fontAlgn="auto">
               <a:spcAft>
                 <a:spcPts val="0"/>
               </a:spcAft>
-              <a:buClrTx/>
-              <a:buSzTx/>
-              <a:buFontTx/>
-              <a:buNone/>
-              <a:tabLst/>
               <a:defRPr/>
             </a:pPr>
             <a:r>
-              <a:rPr lang="en-US" sz="4400" dirty="0" smtClean="0">
+              <a:rPr lang="en-US" sz="4400" dirty="0">
                 <a:solidFill>
                   <a:srgbClr val="FFFFFF"/>
                 </a:solidFill>
@@ -20957,16 +19556,10 @@
               </a:rPr>
               <a:t>REALIZACION DE LOS CASOS DE USO DEL NEGOCIO</a:t>
             </a:r>
-            <a:endParaRPr kumimoji="0" lang="es-PE" sz="4400" b="0" i="0" u="none" strike="noStrike" kern="1200" cap="none" spc="0" normalizeH="0" baseline="0" noProof="0" dirty="0">
-              <a:ln>
-                <a:noFill/>
-              </a:ln>
+            <a:endParaRPr lang="es-PE" sz="4400" dirty="0">
               <a:solidFill>
                 <a:srgbClr val="FFFFFF"/>
               </a:solidFill>
-              <a:effectLst/>
-              <a:uLnTx/>
-              <a:uFillTx/>
               <a:latin typeface="+mj-lt"/>
               <a:ea typeface="+mj-ea"/>
               <a:cs typeface="+mj-cs"/>
@@ -20975,11 +19568,6 @@
         </p:txBody>
       </p:sp>
     </p:spTree>
-    <p:extLst>
-      <p:ext uri="{BB962C8B-B14F-4D97-AF65-F5344CB8AC3E}">
-        <p14:creationId xmlns:p14="http://schemas.microsoft.com/office/powerpoint/2010/main" val="824588894"/>
-      </p:ext>
-    </p:extLst>
   </p:cSld>
   <p:clrMapOvr>
     <a:masterClrMapping/>
@@ -21006,29 +19594,37 @@
       </p:grpSpPr>
       <p:sp>
         <p:nvSpPr>
-          <p:cNvPr id="2" name="1 CuadroTexto"/>
-          <p:cNvSpPr txBox="1"/>
+          <p:cNvPr id="22529" name="1 CuadroTexto"/>
+          <p:cNvSpPr txBox="1">
+            <a:spLocks noChangeArrowheads="1"/>
+          </p:cNvSpPr>
           <p:nvPr/>
         </p:nvSpPr>
-        <p:spPr>
+        <p:spPr bwMode="auto">
           <a:xfrm>
-            <a:off x="251520" y="2429787"/>
-            <a:ext cx="8640960" cy="1631216"/>
+            <a:off x="250825" y="2430463"/>
+            <a:ext cx="8642350" cy="1630362"/>
           </a:xfrm>
           <a:prstGeom prst="rect">
             <a:avLst/>
           </a:prstGeom>
           <a:noFill/>
+          <a:ln w="9525">
+            <a:noFill/>
+            <a:miter lim="800000"/>
+            <a:headEnd/>
+            <a:tailEnd/>
+          </a:ln>
         </p:spPr>
         <p:txBody>
-          <a:bodyPr wrap="square" rtlCol="0">
+          <a:bodyPr>
             <a:spAutoFit/>
           </a:bodyPr>
           <a:lstStyle/>
           <a:p>
             <a:pPr algn="just"/>
             <a:r>
-              <a:rPr lang="es-PE" sz="2000" b="1" i="1" u="sng" dirty="0" smtClean="0">
+              <a:rPr lang="es-PE" sz="2000" b="1" i="1" u="sng">
                 <a:solidFill>
                   <a:schemeClr val="tx2"/>
                 </a:solidFill>
@@ -21037,7 +19633,7 @@
               <a:t>OBSERVACIÓN</a:t>
             </a:r>
             <a:r>
-              <a:rPr lang="es-PE" sz="2000" b="1" i="1" dirty="0" smtClean="0">
+              <a:rPr lang="es-PE" sz="2000" b="1" i="1">
                 <a:solidFill>
                   <a:schemeClr val="tx2"/>
                 </a:solidFill>
@@ -21046,51 +19642,18 @@
               <a:t>: </a:t>
             </a:r>
             <a:r>
-              <a:rPr lang="en-US" sz="2000" i="1" dirty="0" err="1" smtClean="0">
+              <a:rPr lang="en-US" sz="2000" i="1">
                 <a:solidFill>
                   <a:schemeClr val="tx2"/>
                 </a:solidFill>
                 <a:latin typeface="Candara" pitchFamily="34" charset="0"/>
               </a:rPr>
-              <a:t>Quitar</a:t>
-            </a:r>
-            <a:r>
-              <a:rPr lang="en-US" sz="2000" i="1" dirty="0" smtClean="0">
-                <a:solidFill>
-                  <a:schemeClr val="tx2"/>
-                </a:solidFill>
-                <a:latin typeface="Candara" pitchFamily="34" charset="0"/>
-              </a:rPr>
-              <a:t> la </a:t>
-            </a:r>
-            <a:r>
-              <a:rPr lang="en-US" sz="2000" i="1" dirty="0" err="1" smtClean="0">
-                <a:solidFill>
-                  <a:schemeClr val="tx2"/>
-                </a:solidFill>
-                <a:latin typeface="Candara" pitchFamily="34" charset="0"/>
-              </a:rPr>
-              <a:t>relación</a:t>
-            </a:r>
-            <a:r>
-              <a:rPr lang="en-US" sz="2000" i="1" dirty="0" smtClean="0">
-                <a:solidFill>
-                  <a:schemeClr val="tx2"/>
-                </a:solidFill>
-                <a:latin typeface="Candara" pitchFamily="34" charset="0"/>
-              </a:rPr>
-              <a:t> entre </a:t>
-            </a:r>
-            <a:r>
-              <a:rPr lang="en-US" sz="2000" i="1" dirty="0" err="1" smtClean="0">
-                <a:solidFill>
-                  <a:schemeClr val="tx2"/>
-                </a:solidFill>
-                <a:latin typeface="Candara" pitchFamily="34" charset="0"/>
-              </a:rPr>
-              <a:t>Entidades</a:t>
-            </a:r>
-            <a:endParaRPr lang="en-US" sz="2000" i="1" dirty="0" smtClean="0">
+              <a:t>Quitar la relación entre Entidades</a:t>
+            </a:r>
+          </a:p>
+          <a:p>
+            <a:pPr algn="just"/>
+            <a:endParaRPr lang="en-US" sz="2000" i="1">
               <a:solidFill>
                 <a:schemeClr val="tx2"/>
               </a:solidFill>
@@ -21099,7 +19662,7 @@
           </a:p>
           <a:p>
             <a:pPr algn="just"/>
-            <a:endParaRPr lang="en-US" sz="2000" i="1" dirty="0" smtClean="0">
+            <a:endParaRPr lang="en-US" sz="2000" i="1">
               <a:solidFill>
                 <a:schemeClr val="tx2"/>
               </a:solidFill>
@@ -21108,7 +19671,7 @@
           </a:p>
           <a:p>
             <a:pPr algn="just"/>
-            <a:endParaRPr lang="en-US" sz="2000" i="1" dirty="0">
+            <a:endParaRPr lang="en-US" sz="2000" i="1">
               <a:solidFill>
                 <a:schemeClr val="tx2"/>
               </a:solidFill>
@@ -21116,16 +19679,7 @@
             </a:endParaRPr>
           </a:p>
           <a:p>
-            <a:pPr algn="just"/>
-            <a:endParaRPr lang="en-US" sz="2000" i="1" dirty="0">
-              <a:solidFill>
-                <a:schemeClr val="tx2"/>
-              </a:solidFill>
-              <a:latin typeface="Candara" pitchFamily="34" charset="0"/>
-            </a:endParaRPr>
-          </a:p>
-          <a:p>
-            <a:endParaRPr lang="en-US" sz="2000" b="1" i="1" dirty="0">
+            <a:endParaRPr lang="en-US" sz="2000" b="1" i="1">
               <a:solidFill>
                 <a:srgbClr val="0070C0"/>
               </a:solidFill>
@@ -21159,33 +19713,19 @@
           </a:ln>
         </p:spPr>
         <p:txBody>
-          <a:bodyPr vert="horz" wrap="square" lIns="91440" tIns="45720" rIns="91440" bIns="45720" numCol="1" rtlCol="0" anchor="ctr" anchorCtr="0" compatLnSpc="1">
-            <a:prstTxWarp prst="textNoShape">
-              <a:avLst/>
-            </a:prstTxWarp>
+          <a:bodyPr anchor="ctr">
             <a:normAutofit fontScale="90000"/>
           </a:bodyPr>
           <a:lstStyle/>
           <a:p>
-            <a:pPr marL="0" marR="0" lvl="0" indent="0" algn="ctr" defTabSz="914400" rtl="0" eaLnBrk="1" fontAlgn="auto" latinLnBrk="0" hangingPunct="1">
-              <a:lnSpc>
-                <a:spcPct val="100000"/>
-              </a:lnSpc>
-              <a:spcBef>
-                <a:spcPct val="0"/>
-              </a:spcBef>
+            <a:pPr algn="ctr" fontAlgn="auto">
               <a:spcAft>
                 <a:spcPts val="0"/>
               </a:spcAft>
-              <a:buClrTx/>
-              <a:buSzTx/>
-              <a:buFontTx/>
-              <a:buNone/>
-              <a:tabLst/>
               <a:defRPr/>
             </a:pPr>
             <a:r>
-              <a:rPr lang="en-US" sz="4400" dirty="0" smtClean="0">
+              <a:rPr lang="en-US" sz="4400" dirty="0">
                 <a:solidFill>
                   <a:srgbClr val="FFFFFF"/>
                 </a:solidFill>
@@ -21193,29 +19733,12 @@
                 <a:ea typeface="+mj-ea"/>
                 <a:cs typeface="+mj-cs"/>
               </a:rPr>
-              <a:t>DIAGRAMA DE CLASES DEL </a:t>
-            </a:r>
-            <a:r>
-              <a:rPr lang="en-US" sz="4400" dirty="0" smtClean="0">
-                <a:solidFill>
-                  <a:srgbClr val="FFFFFF"/>
-                </a:solidFill>
-                <a:latin typeface="+mj-lt"/>
-                <a:ea typeface="+mj-ea"/>
-                <a:cs typeface="+mj-cs"/>
-              </a:rPr>
-              <a:t>NEGOCIO</a:t>
-            </a:r>
-            <a:endParaRPr kumimoji="0" lang="es-PE" sz="4400" b="0" i="0" u="none" strike="noStrike" kern="1200" cap="none" spc="0" normalizeH="0" baseline="0" noProof="0" dirty="0">
-              <a:ln>
-                <a:noFill/>
-              </a:ln>
+              <a:t>DIAGRAMA DE CLASES DEL NEGOCIO</a:t>
+            </a:r>
+            <a:endParaRPr lang="es-PE" sz="4400" dirty="0">
               <a:solidFill>
                 <a:srgbClr val="FFFFFF"/>
               </a:solidFill>
-              <a:effectLst/>
-              <a:uLnTx/>
-              <a:uFillTx/>
               <a:latin typeface="+mj-lt"/>
               <a:ea typeface="+mj-ea"/>
               <a:cs typeface="+mj-cs"/>
@@ -21225,20 +19748,14 @@
       </p:sp>
       <p:pic>
         <p:nvPicPr>
-          <p:cNvPr id="2050" name="Picture 2"/>
+          <p:cNvPr id="22531" name="Picture 2"/>
           <p:cNvPicPr>
             <a:picLocks noChangeAspect="1" noChangeArrowheads="1"/>
           </p:cNvPicPr>
           <p:nvPr/>
         </p:nvPicPr>
         <p:blipFill>
-          <a:blip r:embed="rId2">
-            <a:extLst>
-              <a:ext uri="{28A0092B-C50C-407E-A947-70E740481C1C}">
-                <a14:useLocalDpi xmlns:a14="http://schemas.microsoft.com/office/drawing/2010/main" val="0"/>
-              </a:ext>
-            </a:extLst>
-          </a:blip>
+          <a:blip r:embed="rId2"/>
           <a:srcRect/>
           <a:stretch>
             <a:fillRect/>
@@ -21246,53 +19763,22 @@
         </p:blipFill>
         <p:spPr bwMode="auto">
           <a:xfrm>
-            <a:off x="2339752" y="2924944"/>
-            <a:ext cx="4018258" cy="3660734"/>
+            <a:off x="2339975" y="2924175"/>
+            <a:ext cx="4017963" cy="3660775"/>
           </a:xfrm>
           <a:prstGeom prst="rect">
             <a:avLst/>
           </a:prstGeom>
           <a:noFill/>
-          <a:ln>
+          <a:ln w="9525">
             <a:noFill/>
+            <a:miter lim="800000"/>
+            <a:headEnd/>
+            <a:tailEnd/>
           </a:ln>
-          <a:effectLst/>
-          <a:extLst>
-            <a:ext uri="{909E8E84-426E-40DD-AFC4-6F175D3DCCD1}">
-              <a14:hiddenFill xmlns:a14="http://schemas.microsoft.com/office/drawing/2010/main">
-                <a:solidFill>
-                  <a:schemeClr val="accent1"/>
-                </a:solidFill>
-              </a14:hiddenFill>
-            </a:ext>
-            <a:ext uri="{91240B29-F687-4F45-9708-019B960494DF}">
-              <a14:hiddenLine xmlns:a14="http://schemas.microsoft.com/office/drawing/2010/main" w="9525">
-                <a:solidFill>
-                  <a:schemeClr val="tx1"/>
-                </a:solidFill>
-                <a:miter lim="800000"/>
-                <a:headEnd/>
-                <a:tailEnd/>
-              </a14:hiddenLine>
-            </a:ext>
-            <a:ext uri="{AF507438-7753-43E0-B8FC-AC1667EBCBE1}">
-              <a14:hiddenEffects xmlns:a14="http://schemas.microsoft.com/office/drawing/2010/main">
-                <a:effectLst>
-                  <a:outerShdw dist="35921" dir="2700000" algn="ctr" rotWithShape="0">
-                    <a:schemeClr val="bg2"/>
-                  </a:outerShdw>
-                </a:effectLst>
-              </a14:hiddenEffects>
-            </a:ext>
-          </a:extLst>
         </p:spPr>
       </p:pic>
     </p:spTree>
-    <p:extLst>
-      <p:ext uri="{BB962C8B-B14F-4D97-AF65-F5344CB8AC3E}">
-        <p14:creationId xmlns:p14="http://schemas.microsoft.com/office/powerpoint/2010/main" val="3049469667"/>
-      </p:ext>
-    </p:extLst>
   </p:cSld>
   <p:clrMapOvr>
     <a:masterClrMapping/>
@@ -21319,28 +19805,36 @@
       </p:grpSpPr>
       <p:sp>
         <p:nvSpPr>
-          <p:cNvPr id="2" name="1 CuadroTexto"/>
-          <p:cNvSpPr txBox="1"/>
+          <p:cNvPr id="23553" name="1 CuadroTexto"/>
+          <p:cNvSpPr txBox="1">
+            <a:spLocks noChangeArrowheads="1"/>
+          </p:cNvSpPr>
           <p:nvPr/>
         </p:nvSpPr>
-        <p:spPr>
+        <p:spPr bwMode="auto">
           <a:xfrm>
-            <a:off x="251520" y="2412588"/>
-            <a:ext cx="8640960" cy="400110"/>
+            <a:off x="250825" y="2413000"/>
+            <a:ext cx="8642350" cy="400050"/>
           </a:xfrm>
           <a:prstGeom prst="rect">
             <a:avLst/>
           </a:prstGeom>
           <a:noFill/>
+          <a:ln w="9525">
+            <a:noFill/>
+            <a:miter lim="800000"/>
+            <a:headEnd/>
+            <a:tailEnd/>
+          </a:ln>
         </p:spPr>
         <p:txBody>
-          <a:bodyPr wrap="square" rtlCol="0">
+          <a:bodyPr>
             <a:spAutoFit/>
           </a:bodyPr>
           <a:lstStyle/>
           <a:p>
             <a:r>
-              <a:rPr lang="en-US" sz="2000" b="1" i="1" u="sng" dirty="0" smtClean="0">
+              <a:rPr lang="en-US" sz="2000" b="1" i="1" u="sng">
                 <a:solidFill>
                   <a:srgbClr val="0070C0"/>
                 </a:solidFill>
@@ -21349,7 +19843,7 @@
               <a:t>CORRECCION</a:t>
             </a:r>
             <a:r>
-              <a:rPr lang="en-US" sz="2000" b="1" i="1" dirty="0" smtClean="0">
+              <a:rPr lang="en-US" sz="2000" b="1" i="1">
                 <a:solidFill>
                   <a:srgbClr val="0070C0"/>
                 </a:solidFill>
@@ -21358,7 +19852,7 @@
               <a:t>: </a:t>
             </a:r>
             <a:r>
-              <a:rPr lang="en-US" sz="2000" i="1" dirty="0" smtClean="0">
+              <a:rPr lang="en-US" sz="2000" i="1">
                 <a:solidFill>
                   <a:srgbClr val="0070C0"/>
                 </a:solidFill>
@@ -21367,7 +19861,7 @@
               <a:t>Se </a:t>
             </a:r>
             <a:r>
-              <a:rPr lang="es-PE" sz="2000" i="1" dirty="0" smtClean="0">
+              <a:rPr lang="es-PE" sz="2000" i="1">
                 <a:solidFill>
                   <a:srgbClr val="0070C0"/>
                 </a:solidFill>
@@ -21376,7 +19870,7 @@
               <a:t>corrigió</a:t>
             </a:r>
             <a:r>
-              <a:rPr lang="en-US" sz="2000" i="1" dirty="0" smtClean="0">
+              <a:rPr lang="en-US" sz="2000" i="1">
                 <a:solidFill>
                   <a:srgbClr val="0070C0"/>
                 </a:solidFill>
@@ -21385,7 +19879,7 @@
               <a:t> los </a:t>
             </a:r>
             <a:r>
-              <a:rPr lang="es-PE" sz="2000" i="1" dirty="0" smtClean="0">
+              <a:rPr lang="es-PE" sz="2000" i="1">
                 <a:solidFill>
                   <a:srgbClr val="0070C0"/>
                 </a:solidFill>
@@ -21393,7 +19887,7 @@
               </a:rPr>
               <a:t>diagramas</a:t>
             </a:r>
-            <a:endParaRPr lang="es-PE" sz="2000" b="1" i="1" dirty="0">
+            <a:endParaRPr lang="es-PE" sz="2000" b="1" i="1">
               <a:solidFill>
                 <a:srgbClr val="0070C0"/>
               </a:solidFill>
@@ -21427,33 +19921,19 @@
           </a:ln>
         </p:spPr>
         <p:txBody>
-          <a:bodyPr vert="horz" wrap="square" lIns="91440" tIns="45720" rIns="91440" bIns="45720" numCol="1" rtlCol="0" anchor="ctr" anchorCtr="0" compatLnSpc="1">
-            <a:prstTxWarp prst="textNoShape">
-              <a:avLst/>
-            </a:prstTxWarp>
+          <a:bodyPr anchor="ctr">
             <a:normAutofit fontScale="90000"/>
           </a:bodyPr>
           <a:lstStyle/>
           <a:p>
-            <a:pPr marL="0" marR="0" lvl="0" indent="0" algn="ctr" defTabSz="914400" rtl="0" eaLnBrk="1" fontAlgn="auto" latinLnBrk="0" hangingPunct="1">
-              <a:lnSpc>
-                <a:spcPct val="100000"/>
-              </a:lnSpc>
-              <a:spcBef>
-                <a:spcPct val="0"/>
-              </a:spcBef>
+            <a:pPr algn="ctr" fontAlgn="auto">
               <a:spcAft>
                 <a:spcPts val="0"/>
               </a:spcAft>
-              <a:buClrTx/>
-              <a:buSzTx/>
-              <a:buFontTx/>
-              <a:buNone/>
-              <a:tabLst/>
               <a:defRPr/>
             </a:pPr>
             <a:r>
-              <a:rPr lang="en-US" sz="4400" dirty="0" smtClean="0">
+              <a:rPr lang="en-US" sz="4400" dirty="0">
                 <a:solidFill>
                   <a:srgbClr val="FFFFFF"/>
                 </a:solidFill>
@@ -21461,29 +19941,12 @@
                 <a:ea typeface="+mj-ea"/>
                 <a:cs typeface="+mj-cs"/>
               </a:rPr>
-              <a:t>DIAGRAMA DE CLASES DEL </a:t>
-            </a:r>
-            <a:r>
-              <a:rPr lang="en-US" sz="4400" dirty="0" smtClean="0">
-                <a:solidFill>
-                  <a:srgbClr val="FFFFFF"/>
-                </a:solidFill>
-                <a:latin typeface="+mj-lt"/>
-                <a:ea typeface="+mj-ea"/>
-                <a:cs typeface="+mj-cs"/>
-              </a:rPr>
-              <a:t>NEGOCIO</a:t>
-            </a:r>
-            <a:endParaRPr kumimoji="0" lang="es-PE" sz="4400" b="0" i="0" u="none" strike="noStrike" kern="1200" cap="none" spc="0" normalizeH="0" baseline="0" noProof="0" dirty="0">
-              <a:ln>
-                <a:noFill/>
-              </a:ln>
+              <a:t>DIAGRAMA DE CLASES DEL NEGOCIO</a:t>
+            </a:r>
+            <a:endParaRPr lang="es-PE" sz="4400" dirty="0">
               <a:solidFill>
                 <a:srgbClr val="FFFFFF"/>
               </a:solidFill>
-              <a:effectLst/>
-              <a:uLnTx/>
-              <a:uFillTx/>
               <a:latin typeface="+mj-lt"/>
               <a:ea typeface="+mj-ea"/>
               <a:cs typeface="+mj-cs"/>
@@ -21493,20 +19956,14 @@
       </p:sp>
       <p:pic>
         <p:nvPicPr>
-          <p:cNvPr id="3074" name="Picture 2"/>
+          <p:cNvPr id="23555" name="Picture 2"/>
           <p:cNvPicPr>
             <a:picLocks noChangeAspect="1" noChangeArrowheads="1"/>
           </p:cNvPicPr>
           <p:nvPr/>
         </p:nvPicPr>
         <p:blipFill>
-          <a:blip r:embed="rId2">
-            <a:extLst>
-              <a:ext uri="{28A0092B-C50C-407E-A947-70E740481C1C}">
-                <a14:useLocalDpi xmlns:a14="http://schemas.microsoft.com/office/drawing/2010/main" val="0"/>
-              </a:ext>
-            </a:extLst>
-          </a:blip>
+          <a:blip r:embed="rId2"/>
           <a:srcRect/>
           <a:stretch>
             <a:fillRect/>
@@ -21514,53 +19971,22 @@
         </p:blipFill>
         <p:spPr bwMode="auto">
           <a:xfrm>
-            <a:off x="2123728" y="3019297"/>
-            <a:ext cx="4689630" cy="3578055"/>
+            <a:off x="2124075" y="3019425"/>
+            <a:ext cx="4689475" cy="3578225"/>
           </a:xfrm>
           <a:prstGeom prst="rect">
             <a:avLst/>
           </a:prstGeom>
           <a:noFill/>
-          <a:ln>
+          <a:ln w="9525">
             <a:noFill/>
+            <a:miter lim="800000"/>
+            <a:headEnd/>
+            <a:tailEnd/>
           </a:ln>
-          <a:effectLst/>
-          <a:extLst>
-            <a:ext uri="{909E8E84-426E-40DD-AFC4-6F175D3DCCD1}">
-              <a14:hiddenFill xmlns:a14="http://schemas.microsoft.com/office/drawing/2010/main">
-                <a:solidFill>
-                  <a:schemeClr val="accent1"/>
-                </a:solidFill>
-              </a14:hiddenFill>
-            </a:ext>
-            <a:ext uri="{91240B29-F687-4F45-9708-019B960494DF}">
-              <a14:hiddenLine xmlns:a14="http://schemas.microsoft.com/office/drawing/2010/main" w="9525">
-                <a:solidFill>
-                  <a:schemeClr val="tx1"/>
-                </a:solidFill>
-                <a:miter lim="800000"/>
-                <a:headEnd/>
-                <a:tailEnd/>
-              </a14:hiddenLine>
-            </a:ext>
-            <a:ext uri="{AF507438-7753-43E0-B8FC-AC1667EBCBE1}">
-              <a14:hiddenEffects xmlns:a14="http://schemas.microsoft.com/office/drawing/2010/main">
-                <a:effectLst>
-                  <a:outerShdw dist="35921" dir="2700000" algn="ctr" rotWithShape="0">
-                    <a:schemeClr val="bg2"/>
-                  </a:outerShdw>
-                </a:effectLst>
-              </a14:hiddenEffects>
-            </a:ext>
-          </a:extLst>
         </p:spPr>
       </p:pic>
     </p:spTree>
-    <p:extLst>
-      <p:ext uri="{BB962C8B-B14F-4D97-AF65-F5344CB8AC3E}">
-        <p14:creationId xmlns:p14="http://schemas.microsoft.com/office/powerpoint/2010/main" val="2426990679"/>
-      </p:ext>
-    </p:extLst>
   </p:cSld>
   <p:clrMapOvr>
     <a:masterClrMapping/>

--- a/trunk/ITERACION 3/SUB ITERACION 1/PPT SUB-ITERACION I v2.0.pptx
+++ b/trunk/ITERACION 3/SUB ITERACION 1/PPT SUB-ITERACION I v2.0.pptx
@@ -455,6 +455,11 @@
         </p:txBody>
       </p:sp>
     </p:spTree>
+    <p:extLst>
+      <p:ext uri="{BB962C8B-B14F-4D97-AF65-F5344CB8AC3E}">
+        <p14:creationId xmlns:p14="http://schemas.microsoft.com/office/powerpoint/2010/main" val="2115902986"/>
+      </p:ext>
+    </p:extLst>
   </p:cSld>
   <p:clrMap bg1="lt1" tx1="dk1" bg2="lt2" tx2="dk2" accent1="accent1" accent2="accent2" accent3="accent3" accent4="accent4" accent5="accent5" accent6="accent6" hlink="hlink" folHlink="folHlink"/>
   <p:notesStyle>
@@ -16298,7 +16303,7 @@
         </p:nvGraphicFramePr>
         <p:xfrm>
           <a:off x="323850" y="2565400"/>
-          <a:ext cx="8569325" cy="2163763"/>
+          <a:ext cx="8568630" cy="2163928"/>
         </p:xfrm>
         <a:graphic>
           <a:graphicData uri="http://schemas.openxmlformats.org/drawingml/2006/table">
@@ -16644,7 +16649,7 @@
           <a:lstStyle/>
           <a:p>
             <a:r>
-              <a:rPr lang="es-PE" sz="2000" b="1" i="1" u="sng">
+              <a:rPr lang="es-PE" sz="2000" b="1" i="1" u="sng" dirty="0">
                 <a:solidFill>
                   <a:srgbClr val="0070C0"/>
                 </a:solidFill>
@@ -16653,7 +16658,7 @@
               <a:t>CORRECCIÓN</a:t>
             </a:r>
             <a:r>
-              <a:rPr lang="es-PE" sz="2000" i="1">
+              <a:rPr lang="es-PE" sz="2000" i="1" dirty="0">
                 <a:solidFill>
                   <a:srgbClr val="0070C0"/>
                 </a:solidFill>
@@ -16664,15 +16669,69 @@
           </a:p>
           <a:p>
             <a:r>
-              <a:rPr lang="en-US" sz="2000" i="1">
+              <a:rPr lang="en-US" sz="2000" i="1" dirty="0">
                 <a:solidFill>
                   <a:srgbClr val="0070C0"/>
                 </a:solidFill>
                 <a:latin typeface="Candara" pitchFamily="34" charset="0"/>
               </a:rPr>
-              <a:t>Se encapsuló en un solo requerimiento funcional:</a:t>
-            </a:r>
-            <a:endParaRPr lang="es-PE" sz="2000" i="1">
+              <a:t>Se </a:t>
+            </a:r>
+            <a:r>
+              <a:rPr lang="en-US" sz="2000" i="1" dirty="0" err="1">
+                <a:solidFill>
+                  <a:srgbClr val="0070C0"/>
+                </a:solidFill>
+                <a:latin typeface="Candara" pitchFamily="34" charset="0"/>
+              </a:rPr>
+              <a:t>encapsuló</a:t>
+            </a:r>
+            <a:r>
+              <a:rPr lang="en-US" sz="2000" i="1" dirty="0">
+                <a:solidFill>
+                  <a:srgbClr val="0070C0"/>
+                </a:solidFill>
+                <a:latin typeface="Candara" pitchFamily="34" charset="0"/>
+              </a:rPr>
+              <a:t> en un solo </a:t>
+            </a:r>
+            <a:r>
+              <a:rPr lang="en-US" sz="2000" i="1" dirty="0" err="1">
+                <a:solidFill>
+                  <a:srgbClr val="0070C0"/>
+                </a:solidFill>
+                <a:latin typeface="Candara" pitchFamily="34" charset="0"/>
+              </a:rPr>
+              <a:t>requerimiento</a:t>
+            </a:r>
+            <a:r>
+              <a:rPr lang="en-US" sz="2000" i="1" dirty="0">
+                <a:solidFill>
+                  <a:srgbClr val="0070C0"/>
+                </a:solidFill>
+                <a:latin typeface="Candara" pitchFamily="34" charset="0"/>
+              </a:rPr>
+              <a:t> </a:t>
+            </a:r>
+            <a:r>
+              <a:rPr lang="en-US" sz="2000" i="1" dirty="0" err="1">
+                <a:solidFill>
+                  <a:srgbClr val="0070C0"/>
+                </a:solidFill>
+                <a:latin typeface="Candara" pitchFamily="34" charset="0"/>
+              </a:rPr>
+              <a:t>funcional</a:t>
+            </a:r>
+            <a:r>
+              <a:rPr lang="en-US" sz="2000" i="1" dirty="0">
+                <a:solidFill>
+                  <a:srgbClr val="0070C0"/>
+                </a:solidFill>
+                <a:latin typeface="Candara" pitchFamily="34" charset="0"/>
+              </a:rPr>
+              <a:t>:</a:t>
+            </a:r>
+            <a:endParaRPr lang="es-PE" sz="2000" i="1" dirty="0">
               <a:solidFill>
                 <a:srgbClr val="0070C0"/>
               </a:solidFill>
@@ -16690,7 +16749,7 @@
               <a:buSzPct val="100000"/>
             </a:pPr>
             <a:r>
-              <a:rPr lang="es-PE" sz="2000" b="1" i="1">
+              <a:rPr lang="es-PE" sz="2000" b="1" i="1" dirty="0">
                 <a:solidFill>
                   <a:srgbClr val="0070C0"/>
                 </a:solidFill>
@@ -16702,7 +16761,7 @@
           <a:p>
             <a:pPr algn="just"/>
             <a:r>
-              <a:rPr lang="es-PE" sz="2000" i="1">
+              <a:rPr lang="es-PE" sz="2000" i="1" dirty="0">
                 <a:solidFill>
                   <a:srgbClr val="0070C0"/>
                 </a:solidFill>
@@ -16790,7 +16849,7 @@
         </p:nvGraphicFramePr>
         <p:xfrm>
           <a:off x="323850" y="2565400"/>
-          <a:ext cx="8569325" cy="2028825"/>
+          <a:ext cx="8568630" cy="2029976"/>
         </p:xfrm>
         <a:graphic>
           <a:graphicData uri="http://schemas.openxmlformats.org/drawingml/2006/table">
@@ -17183,7 +17242,7 @@
           <a:lstStyle/>
           <a:p>
             <a:r>
-              <a:rPr lang="es-PE" sz="2000" b="1" i="1" u="sng">
+              <a:rPr lang="es-PE" sz="2000" b="1" i="1" u="sng" dirty="0">
                 <a:solidFill>
                   <a:srgbClr val="0070C0"/>
                 </a:solidFill>
@@ -17192,7 +17251,7 @@
               <a:t>CORRECCIÓN</a:t>
             </a:r>
             <a:r>
-              <a:rPr lang="es-PE" sz="2000" i="1">
+              <a:rPr lang="es-PE" sz="2000" i="1" dirty="0">
                 <a:solidFill>
                   <a:srgbClr val="0070C0"/>
                 </a:solidFill>
@@ -17212,7 +17271,7 @@
               <a:buSzPct val="100000"/>
             </a:pPr>
             <a:r>
-              <a:rPr lang="es-PE" sz="2000" b="1" i="1">
+              <a:rPr lang="es-PE" sz="2000" b="1" i="1" dirty="0">
                 <a:solidFill>
                   <a:srgbClr val="0070C0"/>
                 </a:solidFill>
@@ -17224,7 +17283,7 @@
           <a:p>
             <a:pPr marL="0" lvl="1" algn="just"/>
             <a:r>
-              <a:rPr lang="es-PE" sz="2000" i="1">
+              <a:rPr lang="es-PE" sz="2000" i="1" dirty="0">
                 <a:solidFill>
                   <a:srgbClr val="0070C0"/>
                 </a:solidFill>
@@ -17244,7 +17303,7 @@
               <a:buSzPct val="100000"/>
             </a:pPr>
             <a:r>
-              <a:rPr lang="es-PE" sz="2000" b="1" i="1">
+              <a:rPr lang="es-PE" sz="2000" b="1" i="1" dirty="0">
                 <a:solidFill>
                   <a:srgbClr val="0070C0"/>
                 </a:solidFill>
@@ -17264,15 +17323,87 @@
               <a:buSzPct val="100000"/>
             </a:pPr>
             <a:r>
-              <a:rPr lang="en-US" sz="2000" i="1">
+              <a:rPr lang="en-US" sz="2000" i="1" dirty="0">
                 <a:solidFill>
                   <a:srgbClr val="0070C0"/>
                 </a:solidFill>
                 <a:latin typeface="Candara" pitchFamily="34" charset="0"/>
               </a:rPr>
-              <a:t>Este es un requerimiento no funcional de Rendimiento.</a:t>
-            </a:r>
-            <a:endParaRPr lang="es-PE" sz="2000" i="1">
+              <a:t>Este </a:t>
+            </a:r>
+            <a:r>
+              <a:rPr lang="en-US" sz="2000" i="1" dirty="0" err="1">
+                <a:solidFill>
+                  <a:srgbClr val="0070C0"/>
+                </a:solidFill>
+                <a:latin typeface="Candara" pitchFamily="34" charset="0"/>
+              </a:rPr>
+              <a:t>es</a:t>
+            </a:r>
+            <a:r>
+              <a:rPr lang="en-US" sz="2000" i="1" dirty="0">
+                <a:solidFill>
+                  <a:srgbClr val="0070C0"/>
+                </a:solidFill>
+                <a:latin typeface="Candara" pitchFamily="34" charset="0"/>
+              </a:rPr>
+              <a:t> un </a:t>
+            </a:r>
+            <a:r>
+              <a:rPr lang="en-US" sz="2000" i="1" dirty="0" err="1">
+                <a:solidFill>
+                  <a:srgbClr val="0070C0"/>
+                </a:solidFill>
+                <a:latin typeface="Candara" pitchFamily="34" charset="0"/>
+              </a:rPr>
+              <a:t>requerimiento</a:t>
+            </a:r>
+            <a:r>
+              <a:rPr lang="en-US" sz="2000" i="1" dirty="0">
+                <a:solidFill>
+                  <a:srgbClr val="0070C0"/>
+                </a:solidFill>
+                <a:latin typeface="Candara" pitchFamily="34" charset="0"/>
+              </a:rPr>
+              <a:t> no </a:t>
+            </a:r>
+            <a:r>
+              <a:rPr lang="en-US" sz="2000" i="1" dirty="0" err="1">
+                <a:solidFill>
+                  <a:srgbClr val="0070C0"/>
+                </a:solidFill>
+                <a:latin typeface="Candara" pitchFamily="34" charset="0"/>
+              </a:rPr>
+              <a:t>funcional</a:t>
+            </a:r>
+            <a:r>
+              <a:rPr lang="en-US" sz="2000" i="1" dirty="0">
+                <a:solidFill>
+                  <a:srgbClr val="0070C0"/>
+                </a:solidFill>
+                <a:latin typeface="Candara" pitchFamily="34" charset="0"/>
+              </a:rPr>
+              <a:t> de </a:t>
+            </a:r>
+            <a:r>
+              <a:rPr lang="en-US" sz="2000" i="1" dirty="0" err="1">
+                <a:solidFill>
+                  <a:srgbClr val="0070C0"/>
+                </a:solidFill>
+                <a:latin typeface="Candara" pitchFamily="34" charset="0"/>
+              </a:rPr>
+              <a:t>Rendimiento</a:t>
+            </a:r>
+            <a:r>
+              <a:rPr lang="en-US" sz="2000" i="1" dirty="0">
+                <a:solidFill>
+                  <a:srgbClr val="0070C0"/>
+                </a:solidFill>
+                <a:latin typeface="Candara" pitchFamily="34" charset="0"/>
+              </a:rPr>
+              <a:t>.</a:t>
+            </a:r>
+            <a:endParaRPr lang="es-PE" sz="2000" i="1" dirty="0">
               <a:solidFill>
                 <a:srgbClr val="0070C0"/>
               </a:solidFill>
@@ -17489,7 +17620,7 @@
           <a:lstStyle/>
           <a:p>
             <a:r>
-              <a:rPr lang="es-PE" sz="2000" b="1" i="1" u="sng">
+              <a:rPr lang="es-PE" sz="2000" b="1" i="1" u="sng" dirty="0">
                 <a:solidFill>
                   <a:schemeClr val="tx2"/>
                 </a:solidFill>
@@ -17498,7 +17629,7 @@
               <a:t>OBSERVACIÓN</a:t>
             </a:r>
             <a:r>
-              <a:rPr lang="es-PE" sz="2000" i="1">
+              <a:rPr lang="es-PE" sz="2000" i="1" dirty="0">
                 <a:solidFill>
                   <a:schemeClr val="tx2"/>
                 </a:solidFill>
@@ -17509,7 +17640,7 @@
           </a:p>
           <a:p>
             <a:r>
-              <a:rPr lang="es-PE" sz="2000" i="1">
+              <a:rPr lang="es-PE" sz="2000" i="1" dirty="0">
                 <a:solidFill>
                   <a:schemeClr val="tx2"/>
                 </a:solidFill>
@@ -17518,7 +17649,7 @@
               <a:t>Unir los paquetes </a:t>
             </a:r>
             <a:r>
-              <a:rPr lang="es-PE" sz="2000" b="1" i="1">
+              <a:rPr lang="es-PE" sz="2000" b="1" i="1" dirty="0">
                 <a:solidFill>
                   <a:schemeClr val="tx2"/>
                 </a:solidFill>
@@ -17527,7 +17658,7 @@
               <a:t>Solicitud de Contrato</a:t>
             </a:r>
             <a:r>
-              <a:rPr lang="es-PE" sz="2000" i="1">
+              <a:rPr lang="es-PE" sz="2000" i="1" dirty="0">
                 <a:solidFill>
                   <a:schemeClr val="tx2"/>
                 </a:solidFill>
@@ -17536,7 +17667,7 @@
               <a:t> y </a:t>
             </a:r>
             <a:r>
-              <a:rPr lang="es-PE" sz="2000" b="1" i="1">
+              <a:rPr lang="es-PE" sz="2000" b="1" i="1" dirty="0">
                 <a:solidFill>
                   <a:schemeClr val="tx2"/>
                 </a:solidFill>
@@ -17546,7 +17677,7 @@
             </a:r>
           </a:p>
           <a:p>
-            <a:endParaRPr lang="en-US" sz="2000" b="1" i="1" u="sng">
+            <a:endParaRPr lang="en-US" sz="2000" b="1" i="1" u="sng" dirty="0">
               <a:solidFill>
                 <a:srgbClr val="0070C0"/>
               </a:solidFill>
@@ -17555,7 +17686,7 @@
           </a:p>
           <a:p>
             <a:r>
-              <a:rPr lang="en-US" sz="2000" b="1" i="1" u="sng">
+              <a:rPr lang="en-US" sz="2000" b="1" i="1" u="sng" dirty="0">
                 <a:solidFill>
                   <a:srgbClr val="0070C0"/>
                 </a:solidFill>
@@ -17564,7 +17695,7 @@
               <a:t>CORRECCIÓN</a:t>
             </a:r>
             <a:r>
-              <a:rPr lang="en-US" sz="2000" i="1">
+              <a:rPr lang="en-US" sz="2000" i="1" dirty="0">
                 <a:solidFill>
                   <a:srgbClr val="0070C0"/>
                 </a:solidFill>
@@ -17575,7 +17706,7 @@
           </a:p>
           <a:p>
             <a:r>
-              <a:rPr lang="en-US" sz="2000" i="1">
+              <a:rPr lang="en-US" sz="2000" i="1" dirty="0">
                 <a:solidFill>
                   <a:srgbClr val="0070C0"/>
                 </a:solidFill>
@@ -17584,7 +17715,7 @@
               <a:t>Se </a:t>
             </a:r>
             <a:r>
-              <a:rPr lang="es-PE" sz="2000" i="1">
+              <a:rPr lang="es-PE" sz="2000" i="1" dirty="0">
                 <a:solidFill>
                   <a:srgbClr val="0070C0"/>
                 </a:solidFill>
@@ -17593,22 +17724,67 @@
               <a:t>unieron</a:t>
             </a:r>
             <a:r>
-              <a:rPr lang="en-US" sz="2000" i="1">
+              <a:rPr lang="en-US" sz="2000" i="1" dirty="0">
                 <a:solidFill>
                   <a:srgbClr val="0070C0"/>
                 </a:solidFill>
                 <a:latin typeface="Candara" pitchFamily="34" charset="0"/>
               </a:rPr>
-              <a:t> en un solo paquete</a:t>
-            </a:r>
-            <a:r>
-              <a:rPr lang="en-US" sz="2000" b="1" i="1">
+              <a:t> en un solo </a:t>
+            </a:r>
+            <a:r>
+              <a:rPr lang="en-US" sz="2000" i="1" dirty="0" err="1">
                 <a:solidFill>
                   <a:srgbClr val="0070C0"/>
                 </a:solidFill>
                 <a:latin typeface="Candara" pitchFamily="34" charset="0"/>
               </a:rPr>
-              <a:t> Solicitud de Contrato.</a:t>
+              <a:t>paquete</a:t>
+            </a:r>
+            <a:r>
+              <a:rPr lang="en-US" sz="2000" b="1" i="1" dirty="0">
+                <a:solidFill>
+                  <a:srgbClr val="0070C0"/>
+                </a:solidFill>
+                <a:latin typeface="Candara" pitchFamily="34" charset="0"/>
+              </a:rPr>
+              <a:t> </a:t>
+            </a:r>
+            <a:r>
+              <a:rPr lang="en-US" sz="2000" b="1" i="1" dirty="0" err="1">
+                <a:solidFill>
+                  <a:srgbClr val="0070C0"/>
+                </a:solidFill>
+                <a:latin typeface="Candara" pitchFamily="34" charset="0"/>
+              </a:rPr>
+              <a:t>Solicitud</a:t>
+            </a:r>
+            <a:r>
+              <a:rPr lang="en-US" sz="2000" b="1" i="1" dirty="0">
+                <a:solidFill>
+                  <a:srgbClr val="0070C0"/>
+                </a:solidFill>
+                <a:latin typeface="Candara" pitchFamily="34" charset="0"/>
+              </a:rPr>
+              <a:t> de </a:t>
+            </a:r>
+            <a:r>
+              <a:rPr lang="en-US" sz="2000" b="1" i="1" dirty="0" err="1">
+                <a:solidFill>
+                  <a:srgbClr val="0070C0"/>
+                </a:solidFill>
+                <a:latin typeface="Candara" pitchFamily="34" charset="0"/>
+              </a:rPr>
+              <a:t>Contrato</a:t>
+            </a:r>
+            <a:r>
+              <a:rPr lang="en-US" sz="2000" b="1" i="1" dirty="0">
+                <a:solidFill>
+                  <a:srgbClr val="0070C0"/>
+                </a:solidFill>
+                <a:latin typeface="Candara" pitchFamily="34" charset="0"/>
+              </a:rPr>
+              <a:t>.</a:t>
             </a:r>
           </a:p>
         </p:txBody>
@@ -17724,27 +17900,18 @@
           <a:lstStyle/>
           <a:p>
             <a:r>
-              <a:rPr lang="es-PE" sz="2000" b="1" i="1" u="sng">
+              <a:rPr lang="es-PE" sz="2000" b="1" i="1" u="sng" dirty="0">
                 <a:solidFill>
                   <a:schemeClr val="tx2"/>
                 </a:solidFill>
                 <a:latin typeface="Candara" pitchFamily="34" charset="0"/>
               </a:rPr>
-              <a:t>OBSERVACIÓN</a:t>
-            </a:r>
-            <a:r>
-              <a:rPr lang="es-PE" sz="2000" i="1">
-                <a:solidFill>
-                  <a:schemeClr val="tx2"/>
-                </a:solidFill>
-                <a:latin typeface="Candara" pitchFamily="34" charset="0"/>
-              </a:rPr>
-              <a:t>: </a:t>
+              <a:t>OBSERVACIÓN: </a:t>
             </a:r>
           </a:p>
           <a:p>
             <a:r>
-              <a:rPr lang="es-PE" sz="2000" i="1">
+              <a:rPr lang="es-PE" sz="2000" i="1" dirty="0">
                 <a:solidFill>
                   <a:schemeClr val="tx2"/>
                 </a:solidFill>
@@ -17753,62 +17920,17 @@
               <a:t>Unir los CUS </a:t>
             </a:r>
             <a:r>
-              <a:rPr lang="es-PE" sz="2000" b="1" i="1">
+              <a:rPr lang="es-PE" sz="2000" b="1" i="1" dirty="0">
                 <a:solidFill>
                   <a:schemeClr val="tx2"/>
                 </a:solidFill>
                 <a:latin typeface="Candara" pitchFamily="34" charset="0"/>
               </a:rPr>
-              <a:t>CC_CUS003_Consultar_informacion_solicitudes_contrato</a:t>
-            </a:r>
-            <a:r>
-              <a:rPr lang="es-PE" sz="2000" i="1">
-                <a:solidFill>
-                  <a:schemeClr val="tx2"/>
-                </a:solidFill>
-                <a:latin typeface="Candara" pitchFamily="34" charset="0"/>
-              </a:rPr>
-              <a:t>, </a:t>
-            </a:r>
-            <a:r>
-              <a:rPr lang="es-PE" sz="2000" b="1" i="1">
-                <a:solidFill>
-                  <a:schemeClr val="tx2"/>
-                </a:solidFill>
-                <a:latin typeface="Candara" pitchFamily="34" charset="0"/>
-              </a:rPr>
-              <a:t>CC_CUS004_Actualizar_informacion_contrato</a:t>
-            </a:r>
-            <a:r>
-              <a:rPr lang="es-PE" sz="2000" i="1">
-                <a:solidFill>
-                  <a:schemeClr val="tx2"/>
-                </a:solidFill>
-                <a:latin typeface="Candara" pitchFamily="34" charset="0"/>
-              </a:rPr>
-              <a:t> y </a:t>
-            </a:r>
-            <a:r>
-              <a:rPr lang="es-PE" sz="2000" b="1" i="1">
-                <a:solidFill>
-                  <a:schemeClr val="tx2"/>
-                </a:solidFill>
-                <a:latin typeface="Candara" pitchFamily="34" charset="0"/>
-              </a:rPr>
-              <a:t>CC_CUS005_Actualizar_informacion_adendas</a:t>
-            </a:r>
-            <a:r>
-              <a:rPr lang="es-PE" sz="2000" i="1">
-                <a:solidFill>
-                  <a:schemeClr val="tx2"/>
-                </a:solidFill>
-                <a:latin typeface="Candara" pitchFamily="34" charset="0"/>
-              </a:rPr>
-              <a:t>.</a:t>
+              <a:t>CC_CUS003_Consultar_informacion_solicitudes_contrato, CC_CUS004_Actualizar_informacion_contrato y CC_CUS005_Actualizar_informacion_adendas.</a:t>
             </a:r>
           </a:p>
           <a:p>
-            <a:endParaRPr lang="en-US" sz="2000" b="1" i="1" u="sng">
+            <a:endParaRPr lang="en-US" sz="2000" b="1" i="1" u="sng" dirty="0">
               <a:solidFill>
                 <a:srgbClr val="0070C0"/>
               </a:solidFill>
@@ -17914,7 +18036,7 @@
         </p:nvSpPr>
         <p:spPr bwMode="auto">
           <a:xfrm>
-            <a:off x="250825" y="2693988"/>
+            <a:off x="250825" y="2897113"/>
             <a:ext cx="3600450" cy="1323975"/>
           </a:xfrm>
           <a:prstGeom prst="rect">
@@ -17935,7 +18057,7 @@
           <a:lstStyle/>
           <a:p>
             <a:r>
-              <a:rPr lang="en-US" sz="2000" b="1" i="1" u="sng">
+              <a:rPr lang="en-US" sz="2000" b="1" i="1" u="sng" dirty="0">
                 <a:solidFill>
                   <a:srgbClr val="0070C0"/>
                 </a:solidFill>
@@ -17944,7 +18066,7 @@
               <a:t>CORRECCIÓN</a:t>
             </a:r>
             <a:r>
-              <a:rPr lang="en-US" sz="2000" i="1">
+              <a:rPr lang="en-US" sz="2000" i="1" dirty="0">
                 <a:solidFill>
                   <a:srgbClr val="0070C0"/>
                 </a:solidFill>
@@ -17955,25 +18077,43 @@
           </a:p>
           <a:p>
             <a:r>
-              <a:rPr lang="en-US" sz="2000" i="1">
+              <a:rPr lang="en-US" sz="2000" i="1" dirty="0">
                 <a:solidFill>
                   <a:srgbClr val="0070C0"/>
                 </a:solidFill>
                 <a:latin typeface="Candara" pitchFamily="34" charset="0"/>
               </a:rPr>
-              <a:t>Se unieron en un solo CUS </a:t>
-            </a:r>
-            <a:r>
-              <a:rPr lang="es-PE" sz="2000" b="1" i="1">
+              <a:t>Se </a:t>
+            </a:r>
+            <a:r>
+              <a:rPr lang="en-US" sz="2000" i="1" dirty="0" err="1">
                 <a:solidFill>
                   <a:srgbClr val="0070C0"/>
                 </a:solidFill>
                 <a:latin typeface="Candara" pitchFamily="34" charset="0"/>
               </a:rPr>
+              <a:t>unieron</a:t>
+            </a:r>
+            <a:r>
+              <a:rPr lang="en-US" sz="2000" i="1" dirty="0">
+                <a:solidFill>
+                  <a:srgbClr val="0070C0"/>
+                </a:solidFill>
+                <a:latin typeface="Candara" pitchFamily="34" charset="0"/>
+              </a:rPr>
+              <a:t> en un solo CUS </a:t>
+            </a:r>
+            <a:r>
+              <a:rPr lang="es-PE" sz="2000" b="1" i="1" dirty="0">
+                <a:solidFill>
+                  <a:srgbClr val="0070C0"/>
+                </a:solidFill>
+                <a:latin typeface="Candara" pitchFamily="34" charset="0"/>
+              </a:rPr>
               <a:t>CC_CUS003_Actualizar_informacion_contrato</a:t>
             </a:r>
             <a:r>
-              <a:rPr lang="en-US" sz="2000" i="1">
+              <a:rPr lang="en-US" sz="2000" b="1" i="1" dirty="0">
                 <a:solidFill>
                   <a:srgbClr val="0070C0"/>
                 </a:solidFill>
@@ -18087,7 +18227,7 @@
         </p:nvSpPr>
         <p:spPr bwMode="auto">
           <a:xfrm>
-            <a:off x="4489450" y="3713163"/>
+            <a:off x="4458502" y="3573016"/>
             <a:ext cx="4186238" cy="2678112"/>
           </a:xfrm>
           <a:prstGeom prst="rect">
@@ -18109,25 +18249,49 @@
           <a:p>
             <a:pPr algn="r"/>
             <a:r>
-              <a:rPr lang="es-PE" sz="2400">
-                <a:latin typeface="Candara" pitchFamily="34" charset="0"/>
-              </a:rPr>
-              <a:t>Orlando Sedamano Cornejo</a:t>
+              <a:rPr lang="es-PE" sz="2400" dirty="0">
+                <a:latin typeface="Candara" pitchFamily="34" charset="0"/>
+              </a:rPr>
+              <a:t>Orlando </a:t>
+            </a:r>
+            <a:r>
+              <a:rPr lang="es-PE" sz="2400" dirty="0" err="1">
+                <a:latin typeface="Candara" pitchFamily="34" charset="0"/>
+              </a:rPr>
+              <a:t>Sedamano</a:t>
+            </a:r>
+            <a:r>
+              <a:rPr lang="es-PE" sz="2400" dirty="0">
+                <a:latin typeface="Candara" pitchFamily="34" charset="0"/>
+              </a:rPr>
+              <a:t> Cornejo</a:t>
             </a:r>
           </a:p>
           <a:p>
             <a:pPr algn="r"/>
             <a:r>
-              <a:rPr lang="es-PE" sz="2400">
-                <a:latin typeface="Candara" pitchFamily="34" charset="0"/>
-              </a:rPr>
-              <a:t>Marco Bustinza </a:t>
+              <a:rPr lang="es-PE" sz="2400" dirty="0">
+                <a:latin typeface="Candara" pitchFamily="34" charset="0"/>
+              </a:rPr>
+              <a:t>Marco </a:t>
+            </a:r>
+            <a:r>
+              <a:rPr lang="es-PE" sz="2400" dirty="0" err="1">
+                <a:latin typeface="Candara" pitchFamily="34" charset="0"/>
+              </a:rPr>
+              <a:t>Bustinza</a:t>
+            </a:r>
+            <a:r>
+              <a:rPr lang="es-PE" sz="2400" dirty="0">
+                <a:latin typeface="Candara" pitchFamily="34" charset="0"/>
+              </a:rPr>
+              <a:t> </a:t>
             </a:r>
           </a:p>
           <a:p>
             <a:pPr algn="r"/>
             <a:r>
-              <a:rPr lang="es-PE" sz="2400">
+              <a:rPr lang="es-PE" sz="2400" dirty="0">
                 <a:latin typeface="Candara" pitchFamily="34" charset="0"/>
               </a:rPr>
               <a:t>Néstor Robles Cacha</a:t>
@@ -18136,25 +18300,46 @@
           <a:p>
             <a:pPr algn="r"/>
             <a:r>
-              <a:rPr lang="es-PE" sz="2400">
-                <a:latin typeface="Candara" pitchFamily="34" charset="0"/>
-              </a:rPr>
-              <a:t>Gabriela Rojas Munive </a:t>
+              <a:rPr lang="es-PE" sz="2400" dirty="0">
+                <a:latin typeface="Candara" pitchFamily="34" charset="0"/>
+              </a:rPr>
+              <a:t>Gabriela Rojas </a:t>
+            </a:r>
+            <a:r>
+              <a:rPr lang="es-PE" sz="2400" dirty="0" err="1">
+                <a:latin typeface="Candara" pitchFamily="34" charset="0"/>
+              </a:rPr>
+              <a:t>Munive</a:t>
+            </a:r>
+            <a:r>
+              <a:rPr lang="es-PE" sz="2400" dirty="0">
+                <a:latin typeface="Candara" pitchFamily="34" charset="0"/>
+              </a:rPr>
+              <a:t> </a:t>
             </a:r>
           </a:p>
           <a:p>
             <a:pPr algn="r"/>
             <a:r>
-              <a:rPr lang="es-PE" sz="2400">
-                <a:latin typeface="Candara" pitchFamily="34" charset="0"/>
-              </a:rPr>
-              <a:t>Paola Rojas Chicoma</a:t>
-            </a:r>
+              <a:rPr lang="es-PE" sz="2400" dirty="0">
+                <a:latin typeface="Candara" pitchFamily="34" charset="0"/>
+              </a:rPr>
+              <a:t>Paola Rojas </a:t>
+            </a:r>
+            <a:r>
+              <a:rPr lang="es-PE" sz="2400" dirty="0" err="1">
+                <a:latin typeface="Candara" pitchFamily="34" charset="0"/>
+              </a:rPr>
+              <a:t>Chicoma</a:t>
+            </a:r>
+            <a:endParaRPr lang="es-PE" sz="2400" dirty="0">
+              <a:latin typeface="Candara" pitchFamily="34" charset="0"/>
+            </a:endParaRPr>
           </a:p>
           <a:p>
             <a:pPr algn="r"/>
             <a:r>
-              <a:rPr lang="es-PE" sz="2400">
+              <a:rPr lang="es-PE" sz="2400" dirty="0">
                 <a:latin typeface="Candara" pitchFamily="34" charset="0"/>
               </a:rPr>
               <a:t>Augusto Suárez Gutiérrez</a:t>
@@ -18162,7 +18347,7 @@
           </a:p>
           <a:p>
             <a:pPr algn="r"/>
-            <a:endParaRPr lang="es-PE" sz="2400">
+            <a:endParaRPr lang="es-PE" sz="2400" dirty="0">
               <a:solidFill>
                 <a:schemeClr val="bg1"/>
               </a:solidFill>
@@ -18321,7 +18506,7 @@
         </p:nvSpPr>
         <p:spPr bwMode="auto">
           <a:xfrm>
-            <a:off x="250825" y="2420938"/>
+            <a:off x="250825" y="2636912"/>
             <a:ext cx="8642350" cy="1938337"/>
           </a:xfrm>
           <a:prstGeom prst="rect">
@@ -18342,7 +18527,7 @@
           <a:lstStyle/>
           <a:p>
             <a:r>
-              <a:rPr lang="es-PE" sz="2000" b="1" i="1" u="sng">
+              <a:rPr lang="es-PE" sz="2000" b="1" i="1" u="sng" dirty="0">
                 <a:solidFill>
                   <a:schemeClr val="tx2"/>
                 </a:solidFill>
@@ -18351,7 +18536,7 @@
               <a:t>OBSERVACIÓN</a:t>
             </a:r>
             <a:r>
-              <a:rPr lang="es-PE" sz="2000" i="1">
+              <a:rPr lang="es-PE" sz="2000" i="1" dirty="0">
                 <a:solidFill>
                   <a:schemeClr val="tx2"/>
                 </a:solidFill>
@@ -18360,7 +18545,7 @@
               <a:t>: Las reglas de negocio </a:t>
             </a:r>
             <a:r>
-              <a:rPr lang="es-PE" sz="2000" b="1" i="1">
+              <a:rPr lang="es-PE" sz="2000" b="1" i="1" dirty="0">
                 <a:solidFill>
                   <a:schemeClr val="tx2"/>
                 </a:solidFill>
@@ -18369,7 +18554,7 @@
               <a:t>CC_RN002_Categoria_de_Tipos_de_Cliente </a:t>
             </a:r>
             <a:r>
-              <a:rPr lang="es-PE" sz="2000" i="1">
+              <a:rPr lang="es-PE" sz="2000" i="1" dirty="0">
                 <a:solidFill>
                   <a:schemeClr val="tx2"/>
                 </a:solidFill>
@@ -18378,7 +18563,7 @@
               <a:t>y</a:t>
             </a:r>
             <a:r>
-              <a:rPr lang="es-PE" sz="2000" b="1" i="1">
+              <a:rPr lang="es-PE" sz="2000" b="1" i="1" dirty="0">
                 <a:solidFill>
                   <a:schemeClr val="tx2"/>
                 </a:solidFill>
@@ -18387,7 +18572,7 @@
               <a:t> CC_RN003_Tipos_de_Servicio</a:t>
             </a:r>
             <a:r>
-              <a:rPr lang="es-PE" sz="2000" i="1">
+              <a:rPr lang="es-PE" sz="2000" i="1" dirty="0">
                 <a:solidFill>
                   <a:schemeClr val="tx2"/>
                 </a:solidFill>
@@ -18397,7 +18582,7 @@
             </a:r>
           </a:p>
           <a:p>
-            <a:endParaRPr lang="es-PE" sz="2000" i="1">
+            <a:endParaRPr lang="es-PE" sz="2000" i="1" dirty="0">
               <a:solidFill>
                 <a:schemeClr val="tx2"/>
               </a:solidFill>
@@ -18406,7 +18591,7 @@
           </a:p>
           <a:p>
             <a:r>
-              <a:rPr lang="en-US" sz="2000" b="1" i="1" u="sng">
+              <a:rPr lang="en-US" sz="2000" b="1" i="1" u="sng" dirty="0">
                 <a:solidFill>
                   <a:srgbClr val="0070C0"/>
                 </a:solidFill>
@@ -18415,15 +18600,87 @@
               <a:t>CORRECCIÓN</a:t>
             </a:r>
             <a:r>
-              <a:rPr lang="en-US" sz="2000" i="1">
+              <a:rPr lang="en-US" sz="2000" i="1" dirty="0">
                 <a:solidFill>
                   <a:srgbClr val="0070C0"/>
                 </a:solidFill>
                 <a:latin typeface="Candara" pitchFamily="34" charset="0"/>
               </a:rPr>
-              <a:t>: Ya no serán reglas de negocio.</a:t>
-            </a:r>
-            <a:endParaRPr lang="en-US" sz="2000" b="1" i="1">
+              <a:t>: </a:t>
+            </a:r>
+            <a:r>
+              <a:rPr lang="en-US" sz="2000" i="1" dirty="0" err="1">
+                <a:solidFill>
+                  <a:srgbClr val="0070C0"/>
+                </a:solidFill>
+                <a:latin typeface="Candara" pitchFamily="34" charset="0"/>
+              </a:rPr>
+              <a:t>Ya</a:t>
+            </a:r>
+            <a:r>
+              <a:rPr lang="en-US" sz="2000" i="1" dirty="0">
+                <a:solidFill>
+                  <a:srgbClr val="0070C0"/>
+                </a:solidFill>
+                <a:latin typeface="Candara" pitchFamily="34" charset="0"/>
+              </a:rPr>
+              <a:t> no </a:t>
+            </a:r>
+            <a:r>
+              <a:rPr lang="en-US" sz="2000" i="1" dirty="0" err="1">
+                <a:solidFill>
+                  <a:srgbClr val="0070C0"/>
+                </a:solidFill>
+                <a:latin typeface="Candara" pitchFamily="34" charset="0"/>
+              </a:rPr>
+              <a:t>serán</a:t>
+            </a:r>
+            <a:r>
+              <a:rPr lang="en-US" sz="2000" i="1" dirty="0">
+                <a:solidFill>
+                  <a:srgbClr val="0070C0"/>
+                </a:solidFill>
+                <a:latin typeface="Candara" pitchFamily="34" charset="0"/>
+              </a:rPr>
+              <a:t> </a:t>
+            </a:r>
+            <a:r>
+              <a:rPr lang="en-US" sz="2000" i="1" dirty="0" err="1">
+                <a:solidFill>
+                  <a:srgbClr val="0070C0"/>
+                </a:solidFill>
+                <a:latin typeface="Candara" pitchFamily="34" charset="0"/>
+              </a:rPr>
+              <a:t>reglas</a:t>
+            </a:r>
+            <a:r>
+              <a:rPr lang="en-US" sz="2000" i="1" dirty="0">
+                <a:solidFill>
+                  <a:srgbClr val="0070C0"/>
+                </a:solidFill>
+                <a:latin typeface="Candara" pitchFamily="34" charset="0"/>
+              </a:rPr>
+              <a:t> de </a:t>
+            </a:r>
+            <a:r>
+              <a:rPr lang="en-US" sz="2000" i="1" dirty="0" err="1">
+                <a:solidFill>
+                  <a:srgbClr val="0070C0"/>
+                </a:solidFill>
+                <a:latin typeface="Candara" pitchFamily="34" charset="0"/>
+              </a:rPr>
+              <a:t>negocio</a:t>
+            </a:r>
+            <a:r>
+              <a:rPr lang="en-US" sz="2000" i="1" dirty="0">
+                <a:solidFill>
+                  <a:srgbClr val="0070C0"/>
+                </a:solidFill>
+                <a:latin typeface="Candara" pitchFamily="34" charset="0"/>
+              </a:rPr>
+              <a:t>.</a:t>
+            </a:r>
+            <a:endParaRPr lang="en-US" sz="2000" b="1" i="1" dirty="0">
               <a:solidFill>
                 <a:srgbClr val="0070C0"/>
               </a:solidFill>
@@ -18431,7 +18688,7 @@
             </a:endParaRPr>
           </a:p>
           <a:p>
-            <a:endParaRPr lang="es-PE" sz="2000" i="1">
+            <a:endParaRPr lang="es-PE" sz="2000" i="1" dirty="0">
               <a:solidFill>
                 <a:schemeClr val="tx2"/>
               </a:solidFill>
@@ -18439,7 +18696,7 @@
             </a:endParaRPr>
           </a:p>
           <a:p>
-            <a:endParaRPr lang="en-US" sz="2000" b="1" i="1">
+            <a:endParaRPr lang="en-US" sz="2000" b="1" i="1" dirty="0">
               <a:solidFill>
                 <a:schemeClr val="tx2"/>
               </a:solidFill>
@@ -18541,7 +18798,7 @@
         </p:nvSpPr>
         <p:spPr bwMode="auto">
           <a:xfrm>
-            <a:off x="250825" y="2420938"/>
+            <a:off x="250825" y="2550840"/>
             <a:ext cx="8642350" cy="2246312"/>
           </a:xfrm>
           <a:prstGeom prst="rect">
@@ -18562,7 +18819,7 @@
           <a:lstStyle/>
           <a:p>
             <a:r>
-              <a:rPr lang="es-PE" sz="2000" b="1" i="1" u="sng">
+              <a:rPr lang="es-PE" sz="2000" b="1" i="1" u="sng" dirty="0">
                 <a:solidFill>
                   <a:schemeClr val="tx2"/>
                 </a:solidFill>
@@ -18571,7 +18828,7 @@
               <a:t>OBSERVACIÓN</a:t>
             </a:r>
             <a:r>
-              <a:rPr lang="es-PE" sz="2000" b="1" i="1">
+              <a:rPr lang="es-PE" sz="2000" b="1" i="1" dirty="0">
                 <a:solidFill>
                   <a:schemeClr val="tx2"/>
                 </a:solidFill>
@@ -18580,11 +18837,11 @@
               <a:t>: No se han analizados los actores</a:t>
             </a:r>
             <a:r>
-              <a:rPr lang="es-PE" sz="2000" b="1"/>
+              <a:rPr lang="es-PE" sz="2000" b="1" dirty="0"/>
               <a:t> </a:t>
             </a:r>
             <a:r>
-              <a:rPr lang="es-PE" sz="2000" b="1" i="1">
+              <a:rPr lang="es-PE" sz="2000" b="1" i="1" dirty="0">
                 <a:solidFill>
                   <a:schemeClr val="tx2"/>
                 </a:solidFill>
@@ -18593,11 +18850,11 @@
               <a:t>CC_AN001_Gestor_Requerimiento</a:t>
             </a:r>
             <a:r>
-              <a:rPr lang="es-PE" sz="2000" b="1"/>
+              <a:rPr lang="es-PE" sz="2000" b="1" dirty="0"/>
               <a:t> </a:t>
             </a:r>
             <a:r>
-              <a:rPr lang="en-US" sz="2000" b="1" i="1">
+              <a:rPr lang="en-US" sz="2000" b="1" i="1" dirty="0">
                 <a:solidFill>
                   <a:schemeClr val="tx2"/>
                 </a:solidFill>
@@ -18606,7 +18863,7 @@
               <a:t>y </a:t>
             </a:r>
             <a:r>
-              <a:rPr lang="es-PE" sz="2000" b="1" i="1">
+              <a:rPr lang="es-PE" sz="2000" b="1" i="1" dirty="0">
                 <a:solidFill>
                   <a:schemeClr val="tx2"/>
                 </a:solidFill>
@@ -18616,7 +18873,7 @@
             </a:r>
           </a:p>
           <a:p>
-            <a:endParaRPr lang="es-PE" sz="2000" b="1" i="1">
+            <a:endParaRPr lang="es-PE" sz="2000" b="1" i="1" dirty="0">
               <a:solidFill>
                 <a:schemeClr val="tx2"/>
               </a:solidFill>
@@ -18626,7 +18883,7 @@
           <a:p>
             <a:pPr algn="just"/>
             <a:r>
-              <a:rPr lang="en-US" sz="2000" b="1" i="1" u="sng">
+              <a:rPr lang="en-US" sz="2000" b="1" i="1" u="sng" dirty="0">
                 <a:solidFill>
                   <a:srgbClr val="0070C0"/>
                 </a:solidFill>
@@ -18635,7 +18892,7 @@
               <a:t>COMENTARIO</a:t>
             </a:r>
             <a:r>
-              <a:rPr lang="en-US" sz="2000" b="1" i="1">
+              <a:rPr lang="en-US" sz="2000" b="1" i="1" dirty="0">
                 <a:solidFill>
                   <a:srgbClr val="0070C0"/>
                 </a:solidFill>
@@ -18644,25 +18901,133 @@
               <a:t>:</a:t>
             </a:r>
             <a:r>
-              <a:rPr lang="en-US" sz="2000" i="1">
+              <a:rPr lang="en-US" sz="2000" i="1" dirty="0">
                 <a:solidFill>
                   <a:srgbClr val="0070C0"/>
                 </a:solidFill>
                 <a:latin typeface="Candara" pitchFamily="34" charset="0"/>
               </a:rPr>
-              <a:t> Estos actores provienen del modulo de Gestión de Requerimientos y Gestión de </a:t>
-            </a:r>
-            <a:r>
-              <a:rPr lang="es-PE" sz="2000" i="1">
+              <a:t> </a:t>
+            </a:r>
+            <a:r>
+              <a:rPr lang="en-US" sz="2000" i="1" dirty="0" err="1">
                 <a:solidFill>
                   <a:srgbClr val="0070C0"/>
                 </a:solidFill>
                 <a:latin typeface="Candara" pitchFamily="34" charset="0"/>
               </a:rPr>
+              <a:t>Estos</a:t>
+            </a:r>
+            <a:r>
+              <a:rPr lang="en-US" sz="2000" i="1" dirty="0">
+                <a:solidFill>
+                  <a:srgbClr val="0070C0"/>
+                </a:solidFill>
+                <a:latin typeface="Candara" pitchFamily="34" charset="0"/>
+              </a:rPr>
+              <a:t> </a:t>
+            </a:r>
+            <a:r>
+              <a:rPr lang="en-US" sz="2000" i="1" dirty="0" err="1">
+                <a:solidFill>
+                  <a:srgbClr val="0070C0"/>
+                </a:solidFill>
+                <a:latin typeface="Candara" pitchFamily="34" charset="0"/>
+              </a:rPr>
+              <a:t>actores</a:t>
+            </a:r>
+            <a:r>
+              <a:rPr lang="en-US" sz="2000" i="1" dirty="0">
+                <a:solidFill>
+                  <a:srgbClr val="0070C0"/>
+                </a:solidFill>
+                <a:latin typeface="Candara" pitchFamily="34" charset="0"/>
+              </a:rPr>
+              <a:t> </a:t>
+            </a:r>
+            <a:r>
+              <a:rPr lang="en-US" sz="2000" i="1" dirty="0" err="1">
+                <a:solidFill>
+                  <a:srgbClr val="0070C0"/>
+                </a:solidFill>
+                <a:latin typeface="Candara" pitchFamily="34" charset="0"/>
+              </a:rPr>
+              <a:t>provienen</a:t>
+            </a:r>
+            <a:r>
+              <a:rPr lang="en-US" sz="2000" i="1" dirty="0">
+                <a:solidFill>
+                  <a:srgbClr val="0070C0"/>
+                </a:solidFill>
+                <a:latin typeface="Candara" pitchFamily="34" charset="0"/>
+              </a:rPr>
+              <a:t> del modulo de </a:t>
+            </a:r>
+            <a:r>
+              <a:rPr lang="en-US" sz="2000" i="1" dirty="0" err="1">
+                <a:solidFill>
+                  <a:srgbClr val="0070C0"/>
+                </a:solidFill>
+                <a:latin typeface="Candara" pitchFamily="34" charset="0"/>
+              </a:rPr>
+              <a:t>Gestión</a:t>
+            </a:r>
+            <a:r>
+              <a:rPr lang="en-US" sz="2000" i="1" dirty="0">
+                <a:solidFill>
+                  <a:srgbClr val="0070C0"/>
+                </a:solidFill>
+                <a:latin typeface="Candara" pitchFamily="34" charset="0"/>
+              </a:rPr>
+              <a:t> de </a:t>
+            </a:r>
+            <a:r>
+              <a:rPr lang="en-US" sz="2000" i="1" dirty="0" err="1">
+                <a:solidFill>
+                  <a:srgbClr val="0070C0"/>
+                </a:solidFill>
+                <a:latin typeface="Candara" pitchFamily="34" charset="0"/>
+              </a:rPr>
+              <a:t>Requerimientos</a:t>
+            </a:r>
+            <a:r>
+              <a:rPr lang="en-US" sz="2000" i="1" dirty="0">
+                <a:solidFill>
+                  <a:srgbClr val="0070C0"/>
+                </a:solidFill>
+                <a:latin typeface="Candara" pitchFamily="34" charset="0"/>
+              </a:rPr>
+              <a:t> y </a:t>
+            </a:r>
+            <a:r>
+              <a:rPr lang="en-US" sz="2000" i="1" dirty="0" err="1">
+                <a:solidFill>
+                  <a:srgbClr val="0070C0"/>
+                </a:solidFill>
+                <a:latin typeface="Candara" pitchFamily="34" charset="0"/>
+              </a:rPr>
+              <a:t>Gestión</a:t>
+            </a:r>
+            <a:r>
+              <a:rPr lang="en-US" sz="2000" i="1" dirty="0">
+                <a:solidFill>
+                  <a:srgbClr val="0070C0"/>
+                </a:solidFill>
+                <a:latin typeface="Candara" pitchFamily="34" charset="0"/>
+              </a:rPr>
+              <a:t> de </a:t>
+            </a:r>
+            <a:r>
+              <a:rPr lang="es-PE" sz="2000" i="1" dirty="0">
+                <a:solidFill>
+                  <a:srgbClr val="0070C0"/>
+                </a:solidFill>
+                <a:latin typeface="Candara" pitchFamily="34" charset="0"/>
+              </a:rPr>
               <a:t>Cambios</a:t>
             </a:r>
             <a:r>
-              <a:rPr lang="en-US" sz="2000" i="1">
+              <a:rPr lang="en-US" sz="2000" i="1" dirty="0">
                 <a:solidFill>
                   <a:srgbClr val="0070C0"/>
                 </a:solidFill>
@@ -18671,7 +19036,7 @@
               <a:t>, los </a:t>
             </a:r>
             <a:r>
-              <a:rPr lang="es-PE" sz="2000" i="1">
+              <a:rPr lang="es-PE" sz="2000" i="1" dirty="0">
                 <a:solidFill>
                   <a:srgbClr val="0070C0"/>
                 </a:solidFill>
@@ -18680,17 +19045,107 @@
               <a:t>cuales</a:t>
             </a:r>
             <a:r>
-              <a:rPr lang="en-US" sz="2000" i="1">
+              <a:rPr lang="en-US" sz="2000" i="1" dirty="0">
                 <a:solidFill>
                   <a:srgbClr val="0070C0"/>
                 </a:solidFill>
                 <a:latin typeface="Candara" pitchFamily="34" charset="0"/>
               </a:rPr>
-              <a:t> envian las solicitudes de requerimientos y cambios respectivamente.</a:t>
+              <a:t> </a:t>
+            </a:r>
+            <a:r>
+              <a:rPr lang="en-US" sz="2000" i="1" dirty="0" err="1">
+                <a:solidFill>
+                  <a:srgbClr val="0070C0"/>
+                </a:solidFill>
+                <a:latin typeface="Candara" pitchFamily="34" charset="0"/>
+              </a:rPr>
+              <a:t>envian</a:t>
+            </a:r>
+            <a:r>
+              <a:rPr lang="en-US" sz="2000" i="1" dirty="0">
+                <a:solidFill>
+                  <a:srgbClr val="0070C0"/>
+                </a:solidFill>
+                <a:latin typeface="Candara" pitchFamily="34" charset="0"/>
+              </a:rPr>
+              <a:t> </a:t>
+            </a:r>
+            <a:r>
+              <a:rPr lang="en-US" sz="2000" i="1" dirty="0" err="1">
+                <a:solidFill>
+                  <a:srgbClr val="0070C0"/>
+                </a:solidFill>
+                <a:latin typeface="Candara" pitchFamily="34" charset="0"/>
+              </a:rPr>
+              <a:t>las</a:t>
+            </a:r>
+            <a:r>
+              <a:rPr lang="en-US" sz="2000" i="1" dirty="0">
+                <a:solidFill>
+                  <a:srgbClr val="0070C0"/>
+                </a:solidFill>
+                <a:latin typeface="Candara" pitchFamily="34" charset="0"/>
+              </a:rPr>
+              <a:t> solicitudes de </a:t>
+            </a:r>
+            <a:r>
+              <a:rPr lang="en-US" sz="2000" i="1" dirty="0" err="1">
+                <a:solidFill>
+                  <a:srgbClr val="0070C0"/>
+                </a:solidFill>
+                <a:latin typeface="Candara" pitchFamily="34" charset="0"/>
+              </a:rPr>
+              <a:t>requerimientos</a:t>
+            </a:r>
+            <a:r>
+              <a:rPr lang="en-US" sz="2000" i="1" dirty="0">
+                <a:solidFill>
+                  <a:srgbClr val="0070C0"/>
+                </a:solidFill>
+                <a:latin typeface="Candara" pitchFamily="34" charset="0"/>
+              </a:rPr>
+              <a:t> y </a:t>
+            </a:r>
+            <a:r>
+              <a:rPr lang="en-US" sz="2000" i="1" dirty="0" err="1">
+                <a:solidFill>
+                  <a:srgbClr val="0070C0"/>
+                </a:solidFill>
+                <a:latin typeface="Candara" pitchFamily="34" charset="0"/>
+              </a:rPr>
+              <a:t>cambios</a:t>
+            </a:r>
+            <a:r>
+              <a:rPr lang="en-US" sz="2000" i="1" dirty="0">
+                <a:solidFill>
+                  <a:srgbClr val="0070C0"/>
+                </a:solidFill>
+                <a:latin typeface="Candara" pitchFamily="34" charset="0"/>
+              </a:rPr>
+              <a:t> </a:t>
+            </a:r>
+            <a:r>
+              <a:rPr lang="en-US" sz="2000" i="1" dirty="0" err="1">
+                <a:solidFill>
+                  <a:srgbClr val="0070C0"/>
+                </a:solidFill>
+                <a:latin typeface="Candara" pitchFamily="34" charset="0"/>
+              </a:rPr>
+              <a:t>respectivamente</a:t>
+            </a:r>
+            <a:r>
+              <a:rPr lang="en-US" sz="2000" i="1" dirty="0">
+                <a:solidFill>
+                  <a:srgbClr val="0070C0"/>
+                </a:solidFill>
+                <a:latin typeface="Candara" pitchFamily="34" charset="0"/>
+              </a:rPr>
+              <a:t>.</a:t>
             </a:r>
           </a:p>
           <a:p>
-            <a:endParaRPr lang="en-US" sz="2000" b="1" i="1">
+            <a:endParaRPr lang="en-US" sz="2000" b="1" i="1" dirty="0">
               <a:solidFill>
                 <a:schemeClr val="tx2"/>
               </a:solidFill>
@@ -19010,7 +19465,7 @@
         </p:nvSpPr>
         <p:spPr bwMode="auto">
           <a:xfrm>
-            <a:off x="250825" y="2349500"/>
+            <a:off x="250825" y="2276872"/>
             <a:ext cx="8642350" cy="4359275"/>
           </a:xfrm>
           <a:prstGeom prst="rect">
@@ -19018,7 +19473,9 @@
           </a:prstGeom>
           <a:noFill/>
           <a:ln w="9525">
-            <a:noFill/>
+            <a:solidFill>
+              <a:schemeClr val="accent1"/>
+            </a:solidFill>
             <a:miter lim="800000"/>
             <a:headEnd/>
             <a:tailEnd/>
@@ -19031,7 +19488,7 @@
           <a:lstStyle/>
           <a:p>
             <a:r>
-              <a:rPr lang="es-PE" sz="2000" b="1" i="1" u="sng">
+              <a:rPr lang="es-PE" sz="2000" b="1" i="1" u="sng" dirty="0">
                 <a:solidFill>
                   <a:schemeClr val="tx2"/>
                 </a:solidFill>
@@ -19040,7 +19497,7 @@
               <a:t>OBSERVACIÓN</a:t>
             </a:r>
             <a:r>
-              <a:rPr lang="es-PE" sz="2000" b="1" i="1">
+              <a:rPr lang="es-PE" sz="2000" b="1" i="1" dirty="0">
                 <a:solidFill>
                   <a:schemeClr val="tx2"/>
                 </a:solidFill>
@@ -19049,7 +19506,7 @@
               <a:t>: </a:t>
             </a:r>
             <a:r>
-              <a:rPr lang="es-PE" sz="2000" i="1">
+              <a:rPr lang="es-PE" sz="2000" i="1" dirty="0">
                 <a:solidFill>
                   <a:schemeClr val="tx2"/>
                 </a:solidFill>
@@ -19058,7 +19515,7 @@
               <a:t>Las entidades de negocio </a:t>
             </a:r>
             <a:r>
-              <a:rPr lang="es-PE" sz="2000" b="1" i="1">
+              <a:rPr lang="es-PE" sz="2000" b="1" i="1" dirty="0">
                 <a:solidFill>
                   <a:schemeClr val="tx2"/>
                 </a:solidFill>
@@ -19067,7 +19524,7 @@
               <a:t>CC_EN002_Adenda, CC_EN003_Cliente </a:t>
             </a:r>
             <a:r>
-              <a:rPr lang="es-PE" sz="2000" i="1">
+              <a:rPr lang="es-PE" sz="2000" i="1" dirty="0">
                 <a:solidFill>
                   <a:schemeClr val="tx2"/>
                 </a:solidFill>
@@ -19075,7 +19532,7 @@
               </a:rPr>
               <a:t>parecen ser pensadas como sistema.</a:t>
             </a:r>
-            <a:endParaRPr lang="en-US" sz="2000" i="1">
+            <a:endParaRPr lang="en-US" sz="2000" i="1" dirty="0">
               <a:solidFill>
                 <a:schemeClr val="tx2"/>
               </a:solidFill>
@@ -19083,7 +19540,7 @@
             </a:endParaRPr>
           </a:p>
           <a:p>
-            <a:endParaRPr lang="es-PE" sz="2000" i="1">
+            <a:endParaRPr lang="es-PE" sz="2000" i="1" dirty="0">
               <a:solidFill>
                 <a:schemeClr val="tx2"/>
               </a:solidFill>
@@ -19091,8 +19548,9 @@
             </a:endParaRPr>
           </a:p>
           <a:p>
-            <a:r>
-              <a:rPr lang="en-US" sz="2000" b="1" i="1" u="sng">
+            <a:pPr algn="just"/>
+            <a:r>
+              <a:rPr lang="en-US" sz="2000" b="1" i="1" u="sng" dirty="0">
                 <a:solidFill>
                   <a:srgbClr val="0070C0"/>
                 </a:solidFill>
@@ -19101,7 +19559,7 @@
               <a:t>COMENTARIO</a:t>
             </a:r>
             <a:r>
-              <a:rPr lang="en-US" sz="2000" b="1" i="1">
+              <a:rPr lang="en-US" sz="2000" b="1" i="1" dirty="0">
                 <a:solidFill>
                   <a:srgbClr val="0070C0"/>
                 </a:solidFill>
@@ -19110,69 +19568,321 @@
               <a:t>: </a:t>
             </a:r>
             <a:r>
-              <a:rPr lang="en-US" sz="2000" i="1">
+              <a:rPr lang="en-US" sz="2000" i="1" dirty="0">
                 <a:solidFill>
                   <a:srgbClr val="0070C0"/>
                 </a:solidFill>
                 <a:latin typeface="Candara" pitchFamily="34" charset="0"/>
               </a:rPr>
-              <a:t>La Adenda representa un documento que modifica a un contrato</a:t>
-            </a:r>
-            <a:r>
-              <a:rPr lang="en-US" sz="2000" b="1" i="1">
+              <a:t>La </a:t>
+            </a:r>
+            <a:r>
+              <a:rPr lang="en-US" sz="2000" i="1" dirty="0" err="1">
                 <a:solidFill>
                   <a:srgbClr val="0070C0"/>
                 </a:solidFill>
                 <a:latin typeface="Candara" pitchFamily="34" charset="0"/>
               </a:rPr>
+              <a:t>Adenda</a:t>
+            </a:r>
+            <a:r>
+              <a:rPr lang="en-US" sz="2000" i="1" dirty="0">
+                <a:solidFill>
+                  <a:srgbClr val="0070C0"/>
+                </a:solidFill>
+                <a:latin typeface="Candara" pitchFamily="34" charset="0"/>
+              </a:rPr>
+              <a:t> </a:t>
+            </a:r>
+            <a:r>
+              <a:rPr lang="en-US" sz="2000" i="1" dirty="0" err="1">
+                <a:solidFill>
+                  <a:srgbClr val="0070C0"/>
+                </a:solidFill>
+                <a:latin typeface="Candara" pitchFamily="34" charset="0"/>
+              </a:rPr>
+              <a:t>representa</a:t>
+            </a:r>
+            <a:r>
+              <a:rPr lang="en-US" sz="2000" i="1" dirty="0">
+                <a:solidFill>
+                  <a:srgbClr val="0070C0"/>
+                </a:solidFill>
+                <a:latin typeface="Candara" pitchFamily="34" charset="0"/>
+              </a:rPr>
+              <a:t> un </a:t>
+            </a:r>
+            <a:r>
+              <a:rPr lang="en-US" sz="2000" i="1" dirty="0" err="1">
+                <a:solidFill>
+                  <a:srgbClr val="0070C0"/>
+                </a:solidFill>
+                <a:latin typeface="Candara" pitchFamily="34" charset="0"/>
+              </a:rPr>
+              <a:t>documento</a:t>
+            </a:r>
+            <a:r>
+              <a:rPr lang="en-US" sz="2000" i="1" dirty="0">
+                <a:solidFill>
+                  <a:srgbClr val="0070C0"/>
+                </a:solidFill>
+                <a:latin typeface="Candara" pitchFamily="34" charset="0"/>
+              </a:rPr>
+              <a:t> </a:t>
+            </a:r>
+            <a:r>
+              <a:rPr lang="en-US" sz="2000" i="1" dirty="0" err="1">
+                <a:solidFill>
+                  <a:srgbClr val="0070C0"/>
+                </a:solidFill>
+                <a:latin typeface="Candara" pitchFamily="34" charset="0"/>
+              </a:rPr>
+              <a:t>que</a:t>
+            </a:r>
+            <a:r>
+              <a:rPr lang="en-US" sz="2000" i="1" dirty="0">
+                <a:solidFill>
+                  <a:srgbClr val="0070C0"/>
+                </a:solidFill>
+                <a:latin typeface="Candara" pitchFamily="34" charset="0"/>
+              </a:rPr>
+              <a:t> </a:t>
+            </a:r>
+            <a:r>
+              <a:rPr lang="en-US" sz="2000" i="1" dirty="0" err="1">
+                <a:solidFill>
+                  <a:srgbClr val="0070C0"/>
+                </a:solidFill>
+                <a:latin typeface="Candara" pitchFamily="34" charset="0"/>
+              </a:rPr>
+              <a:t>modifica</a:t>
+            </a:r>
+            <a:r>
+              <a:rPr lang="en-US" sz="2000" i="1" dirty="0">
+                <a:solidFill>
+                  <a:srgbClr val="0070C0"/>
+                </a:solidFill>
+                <a:latin typeface="Candara" pitchFamily="34" charset="0"/>
+              </a:rPr>
+              <a:t> a un </a:t>
+            </a:r>
+            <a:r>
+              <a:rPr lang="en-US" sz="2000" i="1" dirty="0" err="1">
+                <a:solidFill>
+                  <a:srgbClr val="0070C0"/>
+                </a:solidFill>
+                <a:latin typeface="Candara" pitchFamily="34" charset="0"/>
+              </a:rPr>
+              <a:t>contrato</a:t>
+            </a:r>
+            <a:r>
+              <a:rPr lang="en-US" sz="2000" b="1" i="1" dirty="0">
+                <a:solidFill>
+                  <a:srgbClr val="0070C0"/>
+                </a:solidFill>
+                <a:latin typeface="Candara" pitchFamily="34" charset="0"/>
+              </a:rPr>
               <a:t>. </a:t>
             </a:r>
             <a:r>
-              <a:rPr lang="en-US" sz="2000" i="1">
+              <a:rPr lang="en-US" sz="2000" i="1" dirty="0">
                 <a:solidFill>
                   <a:srgbClr val="0070C0"/>
                 </a:solidFill>
                 <a:latin typeface="Candara" pitchFamily="34" charset="0"/>
               </a:rPr>
-              <a:t>El cliente representa la institución o empresa con la cual se realiza un contrato</a:t>
-            </a:r>
-            <a:r>
-              <a:rPr lang="en-US" sz="2000" b="1" i="1">
+              <a:t>El </a:t>
+            </a:r>
+            <a:r>
+              <a:rPr lang="en-US" sz="2000" i="1" dirty="0" err="1">
                 <a:solidFill>
                   <a:srgbClr val="0070C0"/>
                 </a:solidFill>
                 <a:latin typeface="Candara" pitchFamily="34" charset="0"/>
               </a:rPr>
+              <a:t>cliente</a:t>
+            </a:r>
+            <a:r>
+              <a:rPr lang="en-US" sz="2000" i="1" dirty="0">
+                <a:solidFill>
+                  <a:srgbClr val="0070C0"/>
+                </a:solidFill>
+                <a:latin typeface="Candara" pitchFamily="34" charset="0"/>
+              </a:rPr>
+              <a:t> </a:t>
+            </a:r>
+            <a:r>
+              <a:rPr lang="en-US" sz="2000" i="1" dirty="0" err="1">
+                <a:solidFill>
+                  <a:srgbClr val="0070C0"/>
+                </a:solidFill>
+                <a:latin typeface="Candara" pitchFamily="34" charset="0"/>
+              </a:rPr>
+              <a:t>representa</a:t>
+            </a:r>
+            <a:r>
+              <a:rPr lang="en-US" sz="2000" i="1" dirty="0">
+                <a:solidFill>
+                  <a:srgbClr val="0070C0"/>
+                </a:solidFill>
+                <a:latin typeface="Candara" pitchFamily="34" charset="0"/>
+              </a:rPr>
+              <a:t> la </a:t>
+            </a:r>
+            <a:r>
+              <a:rPr lang="en-US" sz="2000" i="1" dirty="0" err="1">
+                <a:solidFill>
+                  <a:srgbClr val="0070C0"/>
+                </a:solidFill>
+                <a:latin typeface="Candara" pitchFamily="34" charset="0"/>
+              </a:rPr>
+              <a:t>institución</a:t>
+            </a:r>
+            <a:r>
+              <a:rPr lang="en-US" sz="2000" i="1" dirty="0">
+                <a:solidFill>
+                  <a:srgbClr val="0070C0"/>
+                </a:solidFill>
+                <a:latin typeface="Candara" pitchFamily="34" charset="0"/>
+              </a:rPr>
+              <a:t> o </a:t>
+            </a:r>
+            <a:r>
+              <a:rPr lang="en-US" sz="2000" i="1" dirty="0" err="1">
+                <a:solidFill>
+                  <a:srgbClr val="0070C0"/>
+                </a:solidFill>
+                <a:latin typeface="Candara" pitchFamily="34" charset="0"/>
+              </a:rPr>
+              <a:t>empresa</a:t>
+            </a:r>
+            <a:r>
+              <a:rPr lang="en-US" sz="2000" i="1" dirty="0">
+                <a:solidFill>
+                  <a:srgbClr val="0070C0"/>
+                </a:solidFill>
+                <a:latin typeface="Candara" pitchFamily="34" charset="0"/>
+              </a:rPr>
+              <a:t> con la </a:t>
+            </a:r>
+            <a:r>
+              <a:rPr lang="en-US" sz="2000" i="1" dirty="0" err="1">
+                <a:solidFill>
+                  <a:srgbClr val="0070C0"/>
+                </a:solidFill>
+                <a:latin typeface="Candara" pitchFamily="34" charset="0"/>
+              </a:rPr>
+              <a:t>cual</a:t>
+            </a:r>
+            <a:r>
+              <a:rPr lang="en-US" sz="2000" i="1" dirty="0">
+                <a:solidFill>
+                  <a:srgbClr val="0070C0"/>
+                </a:solidFill>
+                <a:latin typeface="Candara" pitchFamily="34" charset="0"/>
+              </a:rPr>
+              <a:t> se </a:t>
+            </a:r>
+            <a:r>
+              <a:rPr lang="en-US" sz="2000" i="1" dirty="0" err="1">
+                <a:solidFill>
+                  <a:srgbClr val="0070C0"/>
+                </a:solidFill>
+                <a:latin typeface="Candara" pitchFamily="34" charset="0"/>
+              </a:rPr>
+              <a:t>realiza</a:t>
+            </a:r>
+            <a:r>
+              <a:rPr lang="en-US" sz="2000" i="1" dirty="0">
+                <a:solidFill>
+                  <a:srgbClr val="0070C0"/>
+                </a:solidFill>
+                <a:latin typeface="Candara" pitchFamily="34" charset="0"/>
+              </a:rPr>
+              <a:t> un </a:t>
+            </a:r>
+            <a:r>
+              <a:rPr lang="en-US" sz="2000" i="1" dirty="0" err="1">
+                <a:solidFill>
+                  <a:srgbClr val="0070C0"/>
+                </a:solidFill>
+                <a:latin typeface="Candara" pitchFamily="34" charset="0"/>
+              </a:rPr>
+              <a:t>contrato</a:t>
+            </a:r>
+            <a:r>
+              <a:rPr lang="en-US" sz="2000" b="1" i="1" dirty="0">
+                <a:solidFill>
+                  <a:srgbClr val="0070C0"/>
+                </a:solidFill>
+                <a:latin typeface="Candara" pitchFamily="34" charset="0"/>
+              </a:rPr>
               <a:t>. </a:t>
             </a:r>
             <a:r>
-              <a:rPr lang="en-US" sz="2000" b="1" i="1">
-                <a:solidFill>
-                  <a:srgbClr val="8C2902"/>
-                </a:solidFill>
-                <a:latin typeface="Candara" pitchFamily="34" charset="0"/>
-              </a:rPr>
-              <a:t>Basándonos en la sgte definición: </a:t>
-            </a:r>
-            <a:r>
-              <a:rPr lang="es-ES" sz="2000" b="1" i="1">
-                <a:solidFill>
-                  <a:srgbClr val="8C2902"/>
-                </a:solidFill>
-                <a:latin typeface="Candara" pitchFamily="34" charset="0"/>
-              </a:rPr>
-              <a:t>Este artefacto representa una pieza de información significativa que es manipulada por los actores y trabajadores del negocio.</a:t>
-            </a:r>
-            <a:r>
-              <a:rPr lang="es-ES" sz="2000" b="1" i="1">
+              <a:rPr lang="en-US" sz="2000" i="1" dirty="0" err="1">
                 <a:solidFill>
                   <a:srgbClr val="0070C0"/>
                 </a:solidFill>
                 <a:latin typeface="Candara" pitchFamily="34" charset="0"/>
               </a:rPr>
+              <a:t>Basándonos</a:t>
+            </a:r>
+            <a:r>
+              <a:rPr lang="en-US" sz="2000" i="1" dirty="0">
+                <a:solidFill>
+                  <a:srgbClr val="0070C0"/>
+                </a:solidFill>
+                <a:latin typeface="Candara" pitchFamily="34" charset="0"/>
+              </a:rPr>
+              <a:t> en la </a:t>
+            </a:r>
+            <a:r>
+              <a:rPr lang="en-US" sz="2000" i="1" dirty="0" err="1">
+                <a:solidFill>
+                  <a:srgbClr val="0070C0"/>
+                </a:solidFill>
+                <a:latin typeface="Candara" pitchFamily="34" charset="0"/>
+              </a:rPr>
+              <a:t>sgte</a:t>
+            </a:r>
+            <a:r>
+              <a:rPr lang="en-US" sz="2000" i="1" dirty="0">
+                <a:solidFill>
+                  <a:srgbClr val="0070C0"/>
+                </a:solidFill>
+                <a:latin typeface="Candara" pitchFamily="34" charset="0"/>
+              </a:rPr>
               <a:t> </a:t>
             </a:r>
-            <a:endParaRPr lang="en-US" sz="2000" b="1" i="1">
+            <a:r>
+              <a:rPr lang="en-US" sz="2000" i="1" dirty="0" err="1">
+                <a:solidFill>
+                  <a:srgbClr val="0070C0"/>
+                </a:solidFill>
+                <a:latin typeface="Candara" pitchFamily="34" charset="0"/>
+              </a:rPr>
+              <a:t>definición</a:t>
+            </a:r>
+            <a:r>
+              <a:rPr lang="en-US" sz="2000" i="1" dirty="0">
+                <a:solidFill>
+                  <a:srgbClr val="0070C0"/>
+                </a:solidFill>
+                <a:latin typeface="Candara" pitchFamily="34" charset="0"/>
+              </a:rPr>
+              <a:t>: </a:t>
+            </a:r>
+            <a:r>
+              <a:rPr lang="es-ES" sz="2000" i="1" dirty="0">
+                <a:solidFill>
+                  <a:srgbClr val="0070C0"/>
+                </a:solidFill>
+                <a:latin typeface="Candara" pitchFamily="34" charset="0"/>
+              </a:rPr>
+              <a:t>Este artefacto representa una pieza de información significativa que es manipulada por los actores y trabajadores del negocio. </a:t>
+            </a:r>
+            <a:endParaRPr lang="en-US" sz="2000" i="1" dirty="0">
               <a:solidFill>
                 <a:srgbClr val="0070C0"/>
               </a:solidFill>
@@ -19180,7 +19890,7 @@
             </a:endParaRPr>
           </a:p>
           <a:p>
-            <a:endParaRPr lang="es-PE" sz="2000" b="1" i="1" u="sng">
+            <a:endParaRPr lang="es-PE" sz="2000" b="1" i="1" u="sng" dirty="0">
               <a:solidFill>
                 <a:schemeClr val="tx2"/>
               </a:solidFill>
@@ -19189,7 +19899,7 @@
           </a:p>
           <a:p>
             <a:r>
-              <a:rPr lang="es-PE" sz="2000" b="1" i="1" u="sng">
+              <a:rPr lang="es-PE" sz="2000" b="1" i="1" u="sng" dirty="0">
                 <a:solidFill>
                   <a:schemeClr val="tx2"/>
                 </a:solidFill>
@@ -19198,7 +19908,7 @@
               <a:t>OBSERVACIÓN</a:t>
             </a:r>
             <a:r>
-              <a:rPr lang="es-PE" sz="2000" b="1" i="1">
+              <a:rPr lang="es-PE" sz="2000" b="1" i="1" dirty="0">
                 <a:solidFill>
                   <a:schemeClr val="tx2"/>
                 </a:solidFill>
@@ -19207,7 +19917,7 @@
               <a:t>: </a:t>
             </a:r>
             <a:r>
-              <a:rPr lang="es-PE" sz="2000" i="1">
+              <a:rPr lang="es-PE" sz="2000" i="1" dirty="0">
                 <a:solidFill>
                   <a:schemeClr val="tx2"/>
                 </a:solidFill>
@@ -19216,7 +19926,7 @@
               <a:t>La entidad de negocio </a:t>
             </a:r>
             <a:r>
-              <a:rPr lang="es-PE" sz="2000" b="1" i="1">
+              <a:rPr lang="es-PE" sz="2000" b="1" i="1" dirty="0">
                 <a:solidFill>
                   <a:schemeClr val="tx2"/>
                 </a:solidFill>
@@ -19225,11 +19935,11 @@
               <a:t>CC_EN004_SLA</a:t>
             </a:r>
             <a:r>
-              <a:rPr lang="es-PE" sz="2000" b="1"/>
+              <a:rPr lang="es-PE" sz="2000" b="1" dirty="0"/>
               <a:t> </a:t>
             </a:r>
             <a:r>
-              <a:rPr lang="es-PE" sz="2000" i="1">
+              <a:rPr lang="es-PE" sz="2000" i="1" dirty="0">
                 <a:solidFill>
                   <a:schemeClr val="tx2"/>
                 </a:solidFill>
@@ -19237,7 +19947,7 @@
               </a:rPr>
               <a:t>No se ha corregido </a:t>
             </a:r>
-            <a:endParaRPr lang="en-US" sz="2000" i="1">
+            <a:endParaRPr lang="en-US" sz="2000" i="1" dirty="0">
               <a:solidFill>
                 <a:schemeClr val="tx2"/>
               </a:solidFill>
@@ -19245,11 +19955,12 @@
             </a:endParaRPr>
           </a:p>
           <a:p>
-            <a:endParaRPr lang="es-PE" sz="2000" b="1" u="sng"/>
+            <a:endParaRPr lang="es-PE" sz="2000" b="1" u="sng" dirty="0"/>
           </a:p>
           <a:p>
-            <a:r>
-              <a:rPr lang="en-US" sz="2000" b="1" i="1" u="sng">
+            <a:pPr algn="just"/>
+            <a:r>
+              <a:rPr lang="en-US" sz="2000" b="1" i="1" u="sng" dirty="0">
                 <a:solidFill>
                   <a:srgbClr val="0070C0"/>
                 </a:solidFill>
@@ -19258,7 +19969,7 @@
               <a:t>COMENTARIO</a:t>
             </a:r>
             <a:r>
-              <a:rPr lang="en-US" sz="2000" b="1" i="1">
+              <a:rPr lang="en-US" sz="2000" b="1" i="1" dirty="0">
                 <a:solidFill>
                   <a:srgbClr val="0070C0"/>
                 </a:solidFill>
@@ -19267,34 +19978,403 @@
               <a:t>: </a:t>
             </a:r>
             <a:r>
-              <a:rPr lang="en-US" sz="2000" i="1">
+              <a:rPr lang="en-US" sz="2000" i="1" dirty="0" err="1">
                 <a:solidFill>
                   <a:srgbClr val="0070C0"/>
                 </a:solidFill>
                 <a:latin typeface="Candara" pitchFamily="34" charset="0"/>
               </a:rPr>
-              <a:t>Esta entidad fue agregada por </a:t>
-            </a:r>
-            <a:r>
-              <a:rPr lang="es-PE" sz="2000" i="1">
+              <a:t>Esta</a:t>
+            </a:r>
+            <a:r>
+              <a:rPr lang="en-US" sz="2000" i="1" dirty="0">
                 <a:solidFill>
                   <a:srgbClr val="0070C0"/>
                 </a:solidFill>
                 <a:latin typeface="Candara" pitchFamily="34" charset="0"/>
               </a:rPr>
+              <a:t> </a:t>
+            </a:r>
+            <a:r>
+              <a:rPr lang="en-US" sz="2000" i="1" dirty="0" err="1">
+                <a:solidFill>
+                  <a:srgbClr val="0070C0"/>
+                </a:solidFill>
+                <a:latin typeface="Candara" pitchFamily="34" charset="0"/>
+              </a:rPr>
+              <a:t>entidad</a:t>
+            </a:r>
+            <a:r>
+              <a:rPr lang="en-US" sz="2000" i="1" dirty="0">
+                <a:solidFill>
+                  <a:srgbClr val="0070C0"/>
+                </a:solidFill>
+                <a:latin typeface="Candara" pitchFamily="34" charset="0"/>
+              </a:rPr>
+              <a:t> </a:t>
+            </a:r>
+            <a:r>
+              <a:rPr lang="en-US" sz="2000" i="1" dirty="0" err="1">
+                <a:solidFill>
+                  <a:srgbClr val="0070C0"/>
+                </a:solidFill>
+                <a:latin typeface="Candara" pitchFamily="34" charset="0"/>
+              </a:rPr>
+              <a:t>fue</a:t>
+            </a:r>
+            <a:r>
+              <a:rPr lang="en-US" sz="2000" i="1" dirty="0">
+                <a:solidFill>
+                  <a:srgbClr val="0070C0"/>
+                </a:solidFill>
+                <a:latin typeface="Candara" pitchFamily="34" charset="0"/>
+              </a:rPr>
+              <a:t> </a:t>
+            </a:r>
+            <a:r>
+              <a:rPr lang="en-US" sz="2000" i="1" dirty="0" err="1">
+                <a:solidFill>
+                  <a:srgbClr val="0070C0"/>
+                </a:solidFill>
+                <a:latin typeface="Candara" pitchFamily="34" charset="0"/>
+              </a:rPr>
+              <a:t>agregada</a:t>
+            </a:r>
+            <a:r>
+              <a:rPr lang="en-US" sz="2000" i="1" dirty="0">
+                <a:solidFill>
+                  <a:srgbClr val="0070C0"/>
+                </a:solidFill>
+                <a:latin typeface="Candara" pitchFamily="34" charset="0"/>
+              </a:rPr>
+              <a:t> </a:t>
+            </a:r>
+            <a:r>
+              <a:rPr lang="en-US" sz="2000" i="1" dirty="0" err="1">
+                <a:solidFill>
+                  <a:srgbClr val="0070C0"/>
+                </a:solidFill>
+                <a:latin typeface="Candara" pitchFamily="34" charset="0"/>
+              </a:rPr>
+              <a:t>por</a:t>
+            </a:r>
+            <a:r>
+              <a:rPr lang="en-US" sz="2000" i="1" dirty="0">
+                <a:solidFill>
+                  <a:srgbClr val="0070C0"/>
+                </a:solidFill>
+                <a:latin typeface="Candara" pitchFamily="34" charset="0"/>
+              </a:rPr>
+              <a:t> </a:t>
+            </a:r>
+            <a:r>
+              <a:rPr lang="es-PE" sz="2000" i="1" dirty="0">
+                <a:solidFill>
+                  <a:srgbClr val="0070C0"/>
+                </a:solidFill>
+                <a:latin typeface="Candara" pitchFamily="34" charset="0"/>
+              </a:rPr>
               <a:t>acuerdo </a:t>
             </a:r>
             <a:r>
-              <a:rPr lang="en-US" sz="2000" i="1">
+              <a:rPr lang="en-US" sz="2000" i="1" dirty="0">
                 <a:solidFill>
                   <a:srgbClr val="0070C0"/>
                 </a:solidFill>
                 <a:latin typeface="Candara" pitchFamily="34" charset="0"/>
               </a:rPr>
-              <a:t>con los demás grupos ya que otros Procesos referenciaban a dicha Entidad y se determinó que Gestión de Contratos sería el Dueño de la Entidad </a:t>
-            </a:r>
-            <a:r>
-              <a:rPr lang="es-PE" b="1" i="1">
+              <a:t>con los </a:t>
+            </a:r>
+            <a:r>
+              <a:rPr lang="en-US" sz="2000" i="1" dirty="0" err="1">
+                <a:solidFill>
+                  <a:srgbClr val="0070C0"/>
+                </a:solidFill>
+                <a:latin typeface="Candara" pitchFamily="34" charset="0"/>
+              </a:rPr>
+              <a:t>demás</a:t>
+            </a:r>
+            <a:r>
+              <a:rPr lang="en-US" sz="2000" i="1" dirty="0">
+                <a:solidFill>
+                  <a:srgbClr val="0070C0"/>
+                </a:solidFill>
+                <a:latin typeface="Candara" pitchFamily="34" charset="0"/>
+              </a:rPr>
+              <a:t> </a:t>
+            </a:r>
+            <a:r>
+              <a:rPr lang="en-US" sz="2000" i="1" dirty="0" err="1">
+                <a:solidFill>
+                  <a:srgbClr val="0070C0"/>
+                </a:solidFill>
+                <a:latin typeface="Candara" pitchFamily="34" charset="0"/>
+              </a:rPr>
+              <a:t>grupos</a:t>
+            </a:r>
+            <a:r>
+              <a:rPr lang="en-US" sz="2000" i="1" dirty="0">
+                <a:solidFill>
+                  <a:srgbClr val="0070C0"/>
+                </a:solidFill>
+                <a:latin typeface="Candara" pitchFamily="34" charset="0"/>
+              </a:rPr>
+              <a:t> </a:t>
+            </a:r>
+            <a:r>
+              <a:rPr lang="en-US" sz="2000" i="1" dirty="0" err="1">
+                <a:solidFill>
+                  <a:srgbClr val="0070C0"/>
+                </a:solidFill>
+                <a:latin typeface="Candara" pitchFamily="34" charset="0"/>
+              </a:rPr>
+              <a:t>ya</a:t>
+            </a:r>
+            <a:r>
+              <a:rPr lang="en-US" sz="2000" i="1" dirty="0">
+                <a:solidFill>
+                  <a:srgbClr val="0070C0"/>
+                </a:solidFill>
+                <a:latin typeface="Candara" pitchFamily="34" charset="0"/>
+              </a:rPr>
+              <a:t> </a:t>
+            </a:r>
+            <a:r>
+              <a:rPr lang="en-US" sz="2000" i="1" dirty="0" err="1">
+                <a:solidFill>
+                  <a:srgbClr val="0070C0"/>
+                </a:solidFill>
+                <a:latin typeface="Candara" pitchFamily="34" charset="0"/>
+              </a:rPr>
+              <a:t>que</a:t>
+            </a:r>
+            <a:r>
+              <a:rPr lang="en-US" sz="2000" i="1" dirty="0">
+                <a:solidFill>
+                  <a:srgbClr val="0070C0"/>
+                </a:solidFill>
+                <a:latin typeface="Candara" pitchFamily="34" charset="0"/>
+              </a:rPr>
+              <a:t> </a:t>
+            </a:r>
+            <a:r>
+              <a:rPr lang="en-US" sz="2000" i="1" dirty="0" err="1">
+                <a:solidFill>
+                  <a:srgbClr val="0070C0"/>
+                </a:solidFill>
+                <a:latin typeface="Candara" pitchFamily="34" charset="0"/>
+              </a:rPr>
+              <a:t>otros</a:t>
+            </a:r>
+            <a:r>
+              <a:rPr lang="en-US" sz="2000" i="1" dirty="0">
+                <a:solidFill>
+                  <a:srgbClr val="0070C0"/>
+                </a:solidFill>
+                <a:latin typeface="Candara" pitchFamily="34" charset="0"/>
+              </a:rPr>
+              <a:t> </a:t>
+            </a:r>
+            <a:r>
+              <a:rPr lang="en-US" sz="2000" i="1" dirty="0" err="1">
+                <a:solidFill>
+                  <a:srgbClr val="0070C0"/>
+                </a:solidFill>
+                <a:latin typeface="Candara" pitchFamily="34" charset="0"/>
+              </a:rPr>
+              <a:t>Procesos</a:t>
+            </a:r>
+            <a:r>
+              <a:rPr lang="en-US" sz="2000" i="1" dirty="0">
+                <a:solidFill>
+                  <a:srgbClr val="0070C0"/>
+                </a:solidFill>
+                <a:latin typeface="Candara" pitchFamily="34" charset="0"/>
+              </a:rPr>
+              <a:t> </a:t>
+            </a:r>
+            <a:r>
+              <a:rPr lang="en-US" sz="2000" i="1" dirty="0" err="1">
+                <a:solidFill>
+                  <a:srgbClr val="0070C0"/>
+                </a:solidFill>
+                <a:latin typeface="Candara" pitchFamily="34" charset="0"/>
+              </a:rPr>
+              <a:t>referenciaban</a:t>
+            </a:r>
+            <a:r>
+              <a:rPr lang="en-US" sz="2000" i="1" dirty="0">
+                <a:solidFill>
+                  <a:srgbClr val="0070C0"/>
+                </a:solidFill>
+                <a:latin typeface="Candara" pitchFamily="34" charset="0"/>
+              </a:rPr>
+              <a:t> a </a:t>
+            </a:r>
+            <a:r>
+              <a:rPr lang="en-US" sz="2000" i="1" dirty="0" err="1">
+                <a:solidFill>
+                  <a:srgbClr val="0070C0"/>
+                </a:solidFill>
+                <a:latin typeface="Candara" pitchFamily="34" charset="0"/>
+              </a:rPr>
+              <a:t>dicha</a:t>
+            </a:r>
+            <a:r>
+              <a:rPr lang="en-US" sz="2000" i="1" dirty="0">
+                <a:solidFill>
+                  <a:srgbClr val="0070C0"/>
+                </a:solidFill>
+                <a:latin typeface="Candara" pitchFamily="34" charset="0"/>
+              </a:rPr>
+              <a:t> </a:t>
+            </a:r>
+            <a:r>
+              <a:rPr lang="en-US" sz="2000" i="1" dirty="0" err="1">
+                <a:solidFill>
+                  <a:srgbClr val="0070C0"/>
+                </a:solidFill>
+                <a:latin typeface="Candara" pitchFamily="34" charset="0"/>
+              </a:rPr>
+              <a:t>Entidad</a:t>
+            </a:r>
+            <a:r>
+              <a:rPr lang="en-US" sz="2000" i="1" dirty="0">
+                <a:solidFill>
+                  <a:srgbClr val="0070C0"/>
+                </a:solidFill>
+                <a:latin typeface="Candara" pitchFamily="34" charset="0"/>
+              </a:rPr>
+              <a:t> y se </a:t>
+            </a:r>
+            <a:r>
+              <a:rPr lang="en-US" sz="2000" i="1" dirty="0" err="1">
+                <a:solidFill>
+                  <a:srgbClr val="0070C0"/>
+                </a:solidFill>
+                <a:latin typeface="Candara" pitchFamily="34" charset="0"/>
+              </a:rPr>
+              <a:t>determinó</a:t>
+            </a:r>
+            <a:r>
+              <a:rPr lang="en-US" sz="2000" i="1" dirty="0">
+                <a:solidFill>
+                  <a:srgbClr val="0070C0"/>
+                </a:solidFill>
+                <a:latin typeface="Candara" pitchFamily="34" charset="0"/>
+              </a:rPr>
+              <a:t> </a:t>
+            </a:r>
+            <a:r>
+              <a:rPr lang="en-US" sz="2000" i="1" dirty="0" err="1">
+                <a:solidFill>
+                  <a:srgbClr val="0070C0"/>
+                </a:solidFill>
+                <a:latin typeface="Candara" pitchFamily="34" charset="0"/>
+              </a:rPr>
+              <a:t>que</a:t>
+            </a:r>
+            <a:r>
+              <a:rPr lang="en-US" sz="2000" i="1" dirty="0">
+                <a:solidFill>
+                  <a:srgbClr val="0070C0"/>
+                </a:solidFill>
+                <a:latin typeface="Candara" pitchFamily="34" charset="0"/>
+              </a:rPr>
+              <a:t> </a:t>
+            </a:r>
+            <a:r>
+              <a:rPr lang="en-US" sz="2000" i="1" dirty="0" err="1">
+                <a:solidFill>
+                  <a:srgbClr val="0070C0"/>
+                </a:solidFill>
+                <a:latin typeface="Candara" pitchFamily="34" charset="0"/>
+              </a:rPr>
+              <a:t>Gestión</a:t>
+            </a:r>
+            <a:r>
+              <a:rPr lang="en-US" sz="2000" i="1" dirty="0">
+                <a:solidFill>
+                  <a:srgbClr val="0070C0"/>
+                </a:solidFill>
+                <a:latin typeface="Candara" pitchFamily="34" charset="0"/>
+              </a:rPr>
+              <a:t> de </a:t>
+            </a:r>
+            <a:r>
+              <a:rPr lang="en-US" sz="2000" i="1" dirty="0" err="1">
+                <a:solidFill>
+                  <a:srgbClr val="0070C0"/>
+                </a:solidFill>
+                <a:latin typeface="Candara" pitchFamily="34" charset="0"/>
+              </a:rPr>
+              <a:t>Contratos</a:t>
+            </a:r>
+            <a:r>
+              <a:rPr lang="en-US" sz="2000" i="1" dirty="0">
+                <a:solidFill>
+                  <a:srgbClr val="0070C0"/>
+                </a:solidFill>
+                <a:latin typeface="Candara" pitchFamily="34" charset="0"/>
+              </a:rPr>
+              <a:t> </a:t>
+            </a:r>
+            <a:r>
+              <a:rPr lang="en-US" sz="2000" i="1" dirty="0" err="1">
+                <a:solidFill>
+                  <a:srgbClr val="0070C0"/>
+                </a:solidFill>
+                <a:latin typeface="Candara" pitchFamily="34" charset="0"/>
+              </a:rPr>
+              <a:t>sería</a:t>
+            </a:r>
+            <a:r>
+              <a:rPr lang="en-US" sz="2000" i="1" dirty="0">
+                <a:solidFill>
+                  <a:srgbClr val="0070C0"/>
+                </a:solidFill>
+                <a:latin typeface="Candara" pitchFamily="34" charset="0"/>
+              </a:rPr>
+              <a:t> el </a:t>
+            </a:r>
+            <a:r>
+              <a:rPr lang="en-US" sz="2000" i="1" dirty="0" err="1">
+                <a:solidFill>
+                  <a:srgbClr val="0070C0"/>
+                </a:solidFill>
+                <a:latin typeface="Candara" pitchFamily="34" charset="0"/>
+              </a:rPr>
+              <a:t>Dueño</a:t>
+            </a:r>
+            <a:r>
+              <a:rPr lang="en-US" sz="2000" i="1" dirty="0">
+                <a:solidFill>
+                  <a:srgbClr val="0070C0"/>
+                </a:solidFill>
+                <a:latin typeface="Candara" pitchFamily="34" charset="0"/>
+              </a:rPr>
+              <a:t> de la </a:t>
+            </a:r>
+            <a:r>
+              <a:rPr lang="en-US" sz="2000" i="1" dirty="0" err="1">
+                <a:solidFill>
+                  <a:srgbClr val="0070C0"/>
+                </a:solidFill>
+                <a:latin typeface="Candara" pitchFamily="34" charset="0"/>
+              </a:rPr>
+              <a:t>Entidad</a:t>
+            </a:r>
+            <a:r>
+              <a:rPr lang="en-US" sz="2000" i="1" dirty="0">
+                <a:solidFill>
+                  <a:srgbClr val="0070C0"/>
+                </a:solidFill>
+                <a:latin typeface="Candara" pitchFamily="34" charset="0"/>
+              </a:rPr>
+              <a:t> </a:t>
+            </a:r>
+            <a:r>
+              <a:rPr lang="es-PE" b="1" i="1" dirty="0">
                 <a:solidFill>
                   <a:schemeClr val="tx2"/>
                 </a:solidFill>
@@ -19302,7 +20382,7 @@
               <a:t>CC_EN004_SLA</a:t>
             </a:r>
             <a:r>
-              <a:rPr lang="en-US" sz="2000" i="1">
+              <a:rPr lang="en-US" sz="2000" i="1" dirty="0">
                 <a:solidFill>
                   <a:srgbClr val="0070C0"/>
                 </a:solidFill>
@@ -19428,36 +20508,207 @@
           <a:p>
             <a:pPr algn="just"/>
             <a:r>
-              <a:rPr lang="es-PE" sz="2000" b="1" i="1" u="sng">
+              <a:rPr lang="es-PE" sz="2000" b="1" i="1" u="sng" dirty="0">
                 <a:solidFill>
                   <a:schemeClr val="tx2"/>
                 </a:solidFill>
                 <a:latin typeface="Candara" pitchFamily="34" charset="0"/>
               </a:rPr>
-              <a:t>OBSERVACIÓN</a:t>
-            </a:r>
-            <a:r>
-              <a:rPr lang="es-PE" sz="2000" b="1" i="1">
+              <a:t>OBSERVACIÓN: </a:t>
+            </a:r>
+            <a:r>
+              <a:rPr lang="en-US" sz="2000" i="1" dirty="0">
                 <a:solidFill>
                   <a:schemeClr val="tx2"/>
                 </a:solidFill>
                 <a:latin typeface="Candara" pitchFamily="34" charset="0"/>
               </a:rPr>
-              <a:t>: </a:t>
-            </a:r>
-            <a:r>
-              <a:rPr lang="en-US" sz="2000" i="1">
+              <a:t>En el </a:t>
+            </a:r>
+            <a:r>
+              <a:rPr lang="en-US" sz="2000" i="1" dirty="0" err="1">
                 <a:solidFill>
                   <a:schemeClr val="tx2"/>
                 </a:solidFill>
                 <a:latin typeface="Candara" pitchFamily="34" charset="0"/>
               </a:rPr>
-              <a:t>En el flujo básico de cada  caso de uso no se indica donde se aplican los reglas de negocio.</a:t>
+              <a:t>flujo</a:t>
+            </a:r>
+            <a:r>
+              <a:rPr lang="en-US" sz="2000" i="1" dirty="0">
+                <a:solidFill>
+                  <a:schemeClr val="tx2"/>
+                </a:solidFill>
+                <a:latin typeface="Candara" pitchFamily="34" charset="0"/>
+              </a:rPr>
+              <a:t> </a:t>
+            </a:r>
+            <a:r>
+              <a:rPr lang="en-US" sz="2000" i="1" dirty="0" err="1">
+                <a:solidFill>
+                  <a:schemeClr val="tx2"/>
+                </a:solidFill>
+                <a:latin typeface="Candara" pitchFamily="34" charset="0"/>
+              </a:rPr>
+              <a:t>básico</a:t>
+            </a:r>
+            <a:r>
+              <a:rPr lang="en-US" sz="2000" i="1" dirty="0">
+                <a:solidFill>
+                  <a:schemeClr val="tx2"/>
+                </a:solidFill>
+                <a:latin typeface="Candara" pitchFamily="34" charset="0"/>
+              </a:rPr>
+              <a:t> de </a:t>
+            </a:r>
+            <a:r>
+              <a:rPr lang="en-US" sz="2000" i="1" dirty="0" err="1">
+                <a:solidFill>
+                  <a:schemeClr val="tx2"/>
+                </a:solidFill>
+                <a:latin typeface="Candara" pitchFamily="34" charset="0"/>
+              </a:rPr>
+              <a:t>cada</a:t>
+            </a:r>
+            <a:r>
+              <a:rPr lang="en-US" sz="2000" i="1" dirty="0">
+                <a:solidFill>
+                  <a:schemeClr val="tx2"/>
+                </a:solidFill>
+                <a:latin typeface="Candara" pitchFamily="34" charset="0"/>
+              </a:rPr>
+              <a:t>  </a:t>
+            </a:r>
+            <a:r>
+              <a:rPr lang="en-US" sz="2000" i="1" dirty="0" err="1">
+                <a:solidFill>
+                  <a:schemeClr val="tx2"/>
+                </a:solidFill>
+                <a:latin typeface="Candara" pitchFamily="34" charset="0"/>
+              </a:rPr>
+              <a:t>caso</a:t>
+            </a:r>
+            <a:r>
+              <a:rPr lang="en-US" sz="2000" i="1" dirty="0">
+                <a:solidFill>
+                  <a:schemeClr val="tx2"/>
+                </a:solidFill>
+                <a:latin typeface="Candara" pitchFamily="34" charset="0"/>
+              </a:rPr>
+              <a:t> de </a:t>
+            </a:r>
+            <a:r>
+              <a:rPr lang="en-US" sz="2000" i="1" dirty="0" err="1">
+                <a:solidFill>
+                  <a:schemeClr val="tx2"/>
+                </a:solidFill>
+                <a:latin typeface="Candara" pitchFamily="34" charset="0"/>
+              </a:rPr>
+              <a:t>uso</a:t>
+            </a:r>
+            <a:r>
+              <a:rPr lang="en-US" sz="2000" i="1" dirty="0">
+                <a:solidFill>
+                  <a:schemeClr val="tx2"/>
+                </a:solidFill>
+                <a:latin typeface="Candara" pitchFamily="34" charset="0"/>
+              </a:rPr>
+              <a:t> no se </a:t>
+            </a:r>
+            <a:r>
+              <a:rPr lang="en-US" sz="2000" i="1" dirty="0" err="1">
+                <a:solidFill>
+                  <a:schemeClr val="tx2"/>
+                </a:solidFill>
+                <a:latin typeface="Candara" pitchFamily="34" charset="0"/>
+              </a:rPr>
+              <a:t>indica</a:t>
+            </a:r>
+            <a:r>
+              <a:rPr lang="en-US" sz="2000" i="1" dirty="0">
+                <a:solidFill>
+                  <a:schemeClr val="tx2"/>
+                </a:solidFill>
+                <a:latin typeface="Candara" pitchFamily="34" charset="0"/>
+              </a:rPr>
+              <a:t> </a:t>
+            </a:r>
+            <a:r>
+              <a:rPr lang="en-US" sz="2000" i="1" dirty="0" err="1">
+                <a:solidFill>
+                  <a:schemeClr val="tx2"/>
+                </a:solidFill>
+                <a:latin typeface="Candara" pitchFamily="34" charset="0"/>
+              </a:rPr>
+              <a:t>donde</a:t>
+            </a:r>
+            <a:r>
+              <a:rPr lang="en-US" sz="2000" i="1" dirty="0">
+                <a:solidFill>
+                  <a:schemeClr val="tx2"/>
+                </a:solidFill>
+                <a:latin typeface="Candara" pitchFamily="34" charset="0"/>
+              </a:rPr>
+              <a:t> se </a:t>
+            </a:r>
+            <a:r>
+              <a:rPr lang="en-US" sz="2000" i="1" dirty="0" err="1">
+                <a:solidFill>
+                  <a:schemeClr val="tx2"/>
+                </a:solidFill>
+                <a:latin typeface="Candara" pitchFamily="34" charset="0"/>
+              </a:rPr>
+              <a:t>aplican</a:t>
+            </a:r>
+            <a:r>
+              <a:rPr lang="en-US" sz="2000" i="1" dirty="0">
+                <a:solidFill>
+                  <a:schemeClr val="tx2"/>
+                </a:solidFill>
+                <a:latin typeface="Candara" pitchFamily="34" charset="0"/>
+              </a:rPr>
+              <a:t> los </a:t>
+            </a:r>
+            <a:r>
+              <a:rPr lang="en-US" sz="2000" i="1" dirty="0" err="1">
+                <a:solidFill>
+                  <a:schemeClr val="tx2"/>
+                </a:solidFill>
+                <a:latin typeface="Candara" pitchFamily="34" charset="0"/>
+              </a:rPr>
+              <a:t>reglas</a:t>
+            </a:r>
+            <a:r>
+              <a:rPr lang="en-US" sz="2000" i="1" dirty="0">
+                <a:solidFill>
+                  <a:schemeClr val="tx2"/>
+                </a:solidFill>
+                <a:latin typeface="Candara" pitchFamily="34" charset="0"/>
+              </a:rPr>
+              <a:t> de </a:t>
+            </a:r>
+            <a:r>
+              <a:rPr lang="en-US" sz="2000" i="1" dirty="0" err="1">
+                <a:solidFill>
+                  <a:schemeClr val="tx2"/>
+                </a:solidFill>
+                <a:latin typeface="Candara" pitchFamily="34" charset="0"/>
+              </a:rPr>
+              <a:t>negocio</a:t>
+            </a:r>
+            <a:r>
+              <a:rPr lang="en-US" sz="2000" i="1" dirty="0">
+                <a:solidFill>
+                  <a:schemeClr val="tx2"/>
+                </a:solidFill>
+                <a:latin typeface="Candara" pitchFamily="34" charset="0"/>
+              </a:rPr>
+              <a:t>.</a:t>
             </a:r>
           </a:p>
           <a:p>
             <a:pPr algn="just"/>
-            <a:endParaRPr lang="en-US" sz="2000" i="1">
+            <a:endParaRPr lang="en-US" sz="2000" i="1" dirty="0">
               <a:solidFill>
                 <a:schemeClr val="tx2"/>
               </a:solidFill>
@@ -19465,8 +20716,9 @@
             </a:endParaRPr>
           </a:p>
           <a:p>
-            <a:r>
-              <a:rPr lang="en-US" sz="2000" b="1" i="1" u="sng">
+            <a:pPr algn="just"/>
+            <a:r>
+              <a:rPr lang="en-US" sz="2000" b="1" i="1" u="sng" dirty="0">
                 <a:solidFill>
                   <a:srgbClr val="0070C0"/>
                 </a:solidFill>
@@ -19475,7 +20727,7 @@
               <a:t>CORRECCION</a:t>
             </a:r>
             <a:r>
-              <a:rPr lang="en-US" sz="2000" b="1" i="1">
+              <a:rPr lang="en-US" sz="2000" b="1" i="1" dirty="0">
                 <a:solidFill>
                   <a:srgbClr val="0070C0"/>
                 </a:solidFill>
@@ -19484,15 +20736,213 @@
               <a:t>: </a:t>
             </a:r>
             <a:r>
-              <a:rPr lang="en-US" sz="2000" i="1">
+              <a:rPr lang="en-US" sz="2000" i="1" dirty="0">
                 <a:solidFill>
                   <a:srgbClr val="0070C0"/>
                 </a:solidFill>
                 <a:latin typeface="Candara" pitchFamily="34" charset="0"/>
               </a:rPr>
-              <a:t>Se agrego a los flujos básicos, la(s) regla(s) de negocio entre corchetes (De acuerdo a reglas notacionales de UML) según sea caso.</a:t>
-            </a:r>
-            <a:endParaRPr lang="en-US" sz="2000" b="1" i="1">
+              <a:t>Se </a:t>
+            </a:r>
+            <a:r>
+              <a:rPr lang="en-US" sz="2000" i="1" dirty="0" err="1">
+                <a:solidFill>
+                  <a:srgbClr val="0070C0"/>
+                </a:solidFill>
+                <a:latin typeface="Candara" pitchFamily="34" charset="0"/>
+              </a:rPr>
+              <a:t>agrego</a:t>
+            </a:r>
+            <a:r>
+              <a:rPr lang="en-US" sz="2000" i="1" dirty="0">
+                <a:solidFill>
+                  <a:srgbClr val="0070C0"/>
+                </a:solidFill>
+                <a:latin typeface="Candara" pitchFamily="34" charset="0"/>
+              </a:rPr>
+              <a:t> a los </a:t>
+            </a:r>
+            <a:r>
+              <a:rPr lang="en-US" sz="2000" i="1" dirty="0" err="1">
+                <a:solidFill>
+                  <a:srgbClr val="0070C0"/>
+                </a:solidFill>
+                <a:latin typeface="Candara" pitchFamily="34" charset="0"/>
+              </a:rPr>
+              <a:t>flujos</a:t>
+            </a:r>
+            <a:r>
+              <a:rPr lang="en-US" sz="2000" i="1" dirty="0">
+                <a:solidFill>
+                  <a:srgbClr val="0070C0"/>
+                </a:solidFill>
+                <a:latin typeface="Candara" pitchFamily="34" charset="0"/>
+              </a:rPr>
+              <a:t> </a:t>
+            </a:r>
+            <a:r>
+              <a:rPr lang="en-US" sz="2000" i="1" dirty="0" err="1">
+                <a:solidFill>
+                  <a:srgbClr val="0070C0"/>
+                </a:solidFill>
+                <a:latin typeface="Candara" pitchFamily="34" charset="0"/>
+              </a:rPr>
+              <a:t>básicos</a:t>
+            </a:r>
+            <a:r>
+              <a:rPr lang="en-US" sz="2000" i="1" dirty="0">
+                <a:solidFill>
+                  <a:srgbClr val="0070C0"/>
+                </a:solidFill>
+                <a:latin typeface="Candara" pitchFamily="34" charset="0"/>
+              </a:rPr>
+              <a:t>, la(s) </a:t>
+            </a:r>
+            <a:r>
+              <a:rPr lang="en-US" sz="2000" i="1" dirty="0" err="1">
+                <a:solidFill>
+                  <a:srgbClr val="0070C0"/>
+                </a:solidFill>
+                <a:latin typeface="Candara" pitchFamily="34" charset="0"/>
+              </a:rPr>
+              <a:t>regla</a:t>
+            </a:r>
+            <a:r>
+              <a:rPr lang="en-US" sz="2000" i="1" dirty="0">
+                <a:solidFill>
+                  <a:srgbClr val="0070C0"/>
+                </a:solidFill>
+                <a:latin typeface="Candara" pitchFamily="34" charset="0"/>
+              </a:rPr>
+              <a:t>(s) de </a:t>
+            </a:r>
+            <a:r>
+              <a:rPr lang="en-US" sz="2000" i="1" dirty="0" err="1">
+                <a:solidFill>
+                  <a:srgbClr val="0070C0"/>
+                </a:solidFill>
+                <a:latin typeface="Candara" pitchFamily="34" charset="0"/>
+              </a:rPr>
+              <a:t>negocio</a:t>
+            </a:r>
+            <a:r>
+              <a:rPr lang="en-US" sz="2000" i="1" dirty="0">
+                <a:solidFill>
+                  <a:srgbClr val="0070C0"/>
+                </a:solidFill>
+                <a:latin typeface="Candara" pitchFamily="34" charset="0"/>
+              </a:rPr>
+              <a:t> entre </a:t>
+            </a:r>
+            <a:r>
+              <a:rPr lang="en-US" sz="2000" i="1" dirty="0" err="1">
+                <a:solidFill>
+                  <a:srgbClr val="0070C0"/>
+                </a:solidFill>
+                <a:latin typeface="Candara" pitchFamily="34" charset="0"/>
+              </a:rPr>
+              <a:t>corchetes</a:t>
+            </a:r>
+            <a:r>
+              <a:rPr lang="en-US" sz="2000" i="1" dirty="0">
+                <a:solidFill>
+                  <a:srgbClr val="0070C0"/>
+                </a:solidFill>
+                <a:latin typeface="Candara" pitchFamily="34" charset="0"/>
+              </a:rPr>
+              <a:t> (De </a:t>
+            </a:r>
+            <a:r>
+              <a:rPr lang="en-US" sz="2000" i="1" dirty="0" err="1">
+                <a:solidFill>
+                  <a:srgbClr val="0070C0"/>
+                </a:solidFill>
+                <a:latin typeface="Candara" pitchFamily="34" charset="0"/>
+              </a:rPr>
+              <a:t>acuerdo</a:t>
+            </a:r>
+            <a:r>
+              <a:rPr lang="en-US" sz="2000" i="1" dirty="0">
+                <a:solidFill>
+                  <a:srgbClr val="0070C0"/>
+                </a:solidFill>
+                <a:latin typeface="Candara" pitchFamily="34" charset="0"/>
+              </a:rPr>
+              <a:t> a </a:t>
+            </a:r>
+            <a:r>
+              <a:rPr lang="en-US" sz="2000" i="1" dirty="0" err="1">
+                <a:solidFill>
+                  <a:srgbClr val="0070C0"/>
+                </a:solidFill>
+                <a:latin typeface="Candara" pitchFamily="34" charset="0"/>
+              </a:rPr>
+              <a:t>reglas</a:t>
+            </a:r>
+            <a:r>
+              <a:rPr lang="en-US" sz="2000" i="1" dirty="0">
+                <a:solidFill>
+                  <a:srgbClr val="0070C0"/>
+                </a:solidFill>
+                <a:latin typeface="Candara" pitchFamily="34" charset="0"/>
+              </a:rPr>
+              <a:t> </a:t>
+            </a:r>
+            <a:r>
+              <a:rPr lang="en-US" sz="2000" i="1" dirty="0" err="1">
+                <a:solidFill>
+                  <a:srgbClr val="0070C0"/>
+                </a:solidFill>
+                <a:latin typeface="Candara" pitchFamily="34" charset="0"/>
+              </a:rPr>
+              <a:t>notacionales</a:t>
+            </a:r>
+            <a:r>
+              <a:rPr lang="en-US" sz="2000" i="1" dirty="0">
+                <a:solidFill>
+                  <a:srgbClr val="0070C0"/>
+                </a:solidFill>
+                <a:latin typeface="Candara" pitchFamily="34" charset="0"/>
+              </a:rPr>
+              <a:t> de UML) </a:t>
+            </a:r>
+            <a:r>
+              <a:rPr lang="en-US" sz="2000" i="1" dirty="0" err="1">
+                <a:solidFill>
+                  <a:srgbClr val="0070C0"/>
+                </a:solidFill>
+                <a:latin typeface="Candara" pitchFamily="34" charset="0"/>
+              </a:rPr>
+              <a:t>según</a:t>
+            </a:r>
+            <a:r>
+              <a:rPr lang="en-US" sz="2000" i="1" dirty="0">
+                <a:solidFill>
+                  <a:srgbClr val="0070C0"/>
+                </a:solidFill>
+                <a:latin typeface="Candara" pitchFamily="34" charset="0"/>
+              </a:rPr>
+              <a:t> sea </a:t>
+            </a:r>
+            <a:r>
+              <a:rPr lang="en-US" sz="2000" i="1" dirty="0" err="1">
+                <a:solidFill>
+                  <a:srgbClr val="0070C0"/>
+                </a:solidFill>
+                <a:latin typeface="Candara" pitchFamily="34" charset="0"/>
+              </a:rPr>
+              <a:t>caso</a:t>
+            </a:r>
+            <a:r>
+              <a:rPr lang="en-US" sz="2000" i="1" dirty="0">
+                <a:solidFill>
+                  <a:srgbClr val="0070C0"/>
+                </a:solidFill>
+                <a:latin typeface="Candara" pitchFamily="34" charset="0"/>
+              </a:rPr>
+              <a:t>.</a:t>
+            </a:r>
+            <a:endParaRPr lang="en-US" sz="2000" b="1" i="1" dirty="0">
               <a:solidFill>
                 <a:srgbClr val="0070C0"/>
               </a:solidFill>
@@ -19500,7 +20950,7 @@
             </a:endParaRPr>
           </a:p>
           <a:p>
-            <a:endParaRPr lang="en-US" sz="2000" b="1" i="1">
+            <a:endParaRPr lang="en-US" sz="2000" b="1" i="1" dirty="0">
               <a:solidFill>
                 <a:srgbClr val="0070C0"/>
               </a:solidFill>
@@ -19624,36 +21074,60 @@
           <a:p>
             <a:pPr algn="just"/>
             <a:r>
-              <a:rPr lang="es-PE" sz="2000" b="1" i="1" u="sng">
+              <a:rPr lang="es-PE" sz="2000" b="1" i="1" u="sng" dirty="0">
                 <a:solidFill>
                   <a:schemeClr val="tx2"/>
                 </a:solidFill>
                 <a:latin typeface="Candara" pitchFamily="34" charset="0"/>
               </a:rPr>
-              <a:t>OBSERVACIÓN</a:t>
-            </a:r>
-            <a:r>
-              <a:rPr lang="es-PE" sz="2000" b="1" i="1">
+              <a:t>OBSERVACIÓN: </a:t>
+            </a:r>
+            <a:r>
+              <a:rPr lang="en-US" sz="2000" i="1" dirty="0" err="1">
                 <a:solidFill>
                   <a:schemeClr val="tx2"/>
                 </a:solidFill>
                 <a:latin typeface="Candara" pitchFamily="34" charset="0"/>
               </a:rPr>
-              <a:t>: </a:t>
-            </a:r>
-            <a:r>
-              <a:rPr lang="en-US" sz="2000" i="1">
+              <a:t>Quitar</a:t>
+            </a:r>
+            <a:r>
+              <a:rPr lang="en-US" sz="2000" i="1" dirty="0">
                 <a:solidFill>
                   <a:schemeClr val="tx2"/>
                 </a:solidFill>
                 <a:latin typeface="Candara" pitchFamily="34" charset="0"/>
               </a:rPr>
-              <a:t>Quitar la relación entre Entidades</a:t>
-            </a:r>
-          </a:p>
-          <a:p>
-            <a:pPr algn="just"/>
-            <a:endParaRPr lang="en-US" sz="2000" i="1">
+              <a:t> la </a:t>
+            </a:r>
+            <a:r>
+              <a:rPr lang="en-US" sz="2000" i="1" dirty="0" err="1">
+                <a:solidFill>
+                  <a:schemeClr val="tx2"/>
+                </a:solidFill>
+                <a:latin typeface="Candara" pitchFamily="34" charset="0"/>
+              </a:rPr>
+              <a:t>relación</a:t>
+            </a:r>
+            <a:r>
+              <a:rPr lang="en-US" sz="2000" i="1" dirty="0">
+                <a:solidFill>
+                  <a:schemeClr val="tx2"/>
+                </a:solidFill>
+                <a:latin typeface="Candara" pitchFamily="34" charset="0"/>
+              </a:rPr>
+              <a:t> entre </a:t>
+            </a:r>
+            <a:r>
+              <a:rPr lang="en-US" sz="2000" i="1" dirty="0" err="1">
+                <a:solidFill>
+                  <a:schemeClr val="tx2"/>
+                </a:solidFill>
+                <a:latin typeface="Candara" pitchFamily="34" charset="0"/>
+              </a:rPr>
+              <a:t>Entidades</a:t>
+            </a:r>
+            <a:endParaRPr lang="en-US" sz="2000" i="1" dirty="0">
               <a:solidFill>
                 <a:schemeClr val="tx2"/>
               </a:solidFill>
@@ -19662,7 +21136,7 @@
           </a:p>
           <a:p>
             <a:pPr algn="just"/>
-            <a:endParaRPr lang="en-US" sz="2000" i="1">
+            <a:endParaRPr lang="en-US" sz="2000" i="1" dirty="0">
               <a:solidFill>
                 <a:schemeClr val="tx2"/>
               </a:solidFill>
@@ -19671,7 +21145,7 @@
           </a:p>
           <a:p>
             <a:pPr algn="just"/>
-            <a:endParaRPr lang="en-US" sz="2000" i="1">
+            <a:endParaRPr lang="en-US" sz="2000" i="1" dirty="0">
               <a:solidFill>
                 <a:schemeClr val="tx2"/>
               </a:solidFill>
@@ -19679,7 +21153,16 @@
             </a:endParaRPr>
           </a:p>
           <a:p>
-            <a:endParaRPr lang="en-US" sz="2000" b="1" i="1">
+            <a:pPr algn="just"/>
+            <a:endParaRPr lang="en-US" sz="2000" i="1" dirty="0">
+              <a:solidFill>
+                <a:schemeClr val="tx2"/>
+              </a:solidFill>
+              <a:latin typeface="Candara" pitchFamily="34" charset="0"/>
+            </a:endParaRPr>
+          </a:p>
+          <a:p>
+            <a:endParaRPr lang="en-US" sz="2000" b="1" i="1" dirty="0">
               <a:solidFill>
                 <a:srgbClr val="0070C0"/>
               </a:solidFill>
